--- a/Material/Aula02.pptx
+++ b/Material/Aula02.pptx
@@ -7013,7 +7013,7 @@
           <a:p>
             <a:fld id="{E09783CC-B84B-4657-BC52-7ED76791A55C}" type="datetimeFigureOut">
               <a:rPr lang="pt-BR" smtClean="0"/>
-              <a:t>19/02/2023</a:t>
+              <a:t>25/02/2023</a:t>
             </a:fld>
             <a:endParaRPr lang="pt-BR"/>
           </a:p>
@@ -7211,7 +7211,7 @@
           <a:p>
             <a:fld id="{E09783CC-B84B-4657-BC52-7ED76791A55C}" type="datetimeFigureOut">
               <a:rPr lang="pt-BR" smtClean="0"/>
-              <a:t>19/02/2023</a:t>
+              <a:t>25/02/2023</a:t>
             </a:fld>
             <a:endParaRPr lang="pt-BR"/>
           </a:p>
@@ -7419,7 +7419,7 @@
           <a:p>
             <a:fld id="{E09783CC-B84B-4657-BC52-7ED76791A55C}" type="datetimeFigureOut">
               <a:rPr lang="pt-BR" smtClean="0"/>
-              <a:t>19/02/2023</a:t>
+              <a:t>25/02/2023</a:t>
             </a:fld>
             <a:endParaRPr lang="pt-BR"/>
           </a:p>
@@ -7617,7 +7617,7 @@
           <a:p>
             <a:fld id="{E09783CC-B84B-4657-BC52-7ED76791A55C}" type="datetimeFigureOut">
               <a:rPr lang="pt-BR" smtClean="0"/>
-              <a:t>19/02/2023</a:t>
+              <a:t>25/02/2023</a:t>
             </a:fld>
             <a:endParaRPr lang="pt-BR"/>
           </a:p>
@@ -7892,7 +7892,7 @@
           <a:p>
             <a:fld id="{E09783CC-B84B-4657-BC52-7ED76791A55C}" type="datetimeFigureOut">
               <a:rPr lang="pt-BR" smtClean="0"/>
-              <a:t>19/02/2023</a:t>
+              <a:t>25/02/2023</a:t>
             </a:fld>
             <a:endParaRPr lang="pt-BR"/>
           </a:p>
@@ -8157,7 +8157,7 @@
           <a:p>
             <a:fld id="{E09783CC-B84B-4657-BC52-7ED76791A55C}" type="datetimeFigureOut">
               <a:rPr lang="pt-BR" smtClean="0"/>
-              <a:t>19/02/2023</a:t>
+              <a:t>25/02/2023</a:t>
             </a:fld>
             <a:endParaRPr lang="pt-BR"/>
           </a:p>
@@ -8569,7 +8569,7 @@
           <a:p>
             <a:fld id="{E09783CC-B84B-4657-BC52-7ED76791A55C}" type="datetimeFigureOut">
               <a:rPr lang="pt-BR" smtClean="0"/>
-              <a:t>19/02/2023</a:t>
+              <a:t>25/02/2023</a:t>
             </a:fld>
             <a:endParaRPr lang="pt-BR"/>
           </a:p>
@@ -8710,7 +8710,7 @@
           <a:p>
             <a:fld id="{E09783CC-B84B-4657-BC52-7ED76791A55C}" type="datetimeFigureOut">
               <a:rPr lang="pt-BR" smtClean="0"/>
-              <a:t>19/02/2023</a:t>
+              <a:t>25/02/2023</a:t>
             </a:fld>
             <a:endParaRPr lang="pt-BR"/>
           </a:p>
@@ -8823,7 +8823,7 @@
           <a:p>
             <a:fld id="{E09783CC-B84B-4657-BC52-7ED76791A55C}" type="datetimeFigureOut">
               <a:rPr lang="pt-BR" smtClean="0"/>
-              <a:t>19/02/2023</a:t>
+              <a:t>25/02/2023</a:t>
             </a:fld>
             <a:endParaRPr lang="pt-BR"/>
           </a:p>
@@ -9134,7 +9134,7 @@
           <a:p>
             <a:fld id="{E09783CC-B84B-4657-BC52-7ED76791A55C}" type="datetimeFigureOut">
               <a:rPr lang="pt-BR" smtClean="0"/>
-              <a:t>19/02/2023</a:t>
+              <a:t>25/02/2023</a:t>
             </a:fld>
             <a:endParaRPr lang="pt-BR"/>
           </a:p>
@@ -9422,7 +9422,7 @@
           <a:p>
             <a:fld id="{E09783CC-B84B-4657-BC52-7ED76791A55C}" type="datetimeFigureOut">
               <a:rPr lang="pt-BR" smtClean="0"/>
-              <a:t>19/02/2023</a:t>
+              <a:t>25/02/2023</a:t>
             </a:fld>
             <a:endParaRPr lang="pt-BR"/>
           </a:p>
@@ -9663,7 +9663,7 @@
           <a:p>
             <a:fld id="{E09783CC-B84B-4657-BC52-7ED76791A55C}" type="datetimeFigureOut">
               <a:rPr lang="pt-BR" smtClean="0"/>
-              <a:t>19/02/2023</a:t>
+              <a:t>25/02/2023</a:t>
             </a:fld>
             <a:endParaRPr lang="pt-BR"/>
           </a:p>
@@ -10191,8 +10191,8 @@
             <a:chExt cx="2294280" cy="906480"/>
           </a:xfrm>
         </p:grpSpPr>
-        <mc:AlternateContent xmlns:mc="http://schemas.openxmlformats.org/markup-compatibility/2006">
-          <mc:Choice xmlns:p14="http://schemas.microsoft.com/office/powerpoint/2010/main" Requires="p14">
+        <mc:AlternateContent xmlns:mc="http://schemas.openxmlformats.org/markup-compatibility/2006" xmlns:p14="http://schemas.microsoft.com/office/powerpoint/2010/main">
+          <mc:Choice Requires="p14">
             <p:contentPart p14:bwMode="auto" r:id="rId2">
               <p14:nvContentPartPr>
                 <p14:cNvPr id="7" name="Tinta 6">
@@ -10211,7 +10211,7 @@
               </p14:xfrm>
             </p:contentPart>
           </mc:Choice>
-          <mc:Fallback>
+          <mc:Fallback xmlns="">
             <p:pic>
               <p:nvPicPr>
                 <p:cNvPr id="7" name="Tinta 6">
@@ -10242,8 +10242,8 @@
             </p:pic>
           </mc:Fallback>
         </mc:AlternateContent>
-        <mc:AlternateContent xmlns:mc="http://schemas.openxmlformats.org/markup-compatibility/2006">
-          <mc:Choice xmlns:p14="http://schemas.microsoft.com/office/powerpoint/2010/main" Requires="p14">
+        <mc:AlternateContent xmlns:mc="http://schemas.openxmlformats.org/markup-compatibility/2006" xmlns:p14="http://schemas.microsoft.com/office/powerpoint/2010/main">
+          <mc:Choice Requires="p14">
             <p:contentPart p14:bwMode="auto" r:id="rId4">
               <p14:nvContentPartPr>
                 <p14:cNvPr id="8" name="Tinta 7">
@@ -10262,7 +10262,7 @@
               </p14:xfrm>
             </p:contentPart>
           </mc:Choice>
-          <mc:Fallback>
+          <mc:Fallback xmlns="">
             <p:pic>
               <p:nvPicPr>
                 <p:cNvPr id="8" name="Tinta 7">
@@ -10293,8 +10293,8 @@
             </p:pic>
           </mc:Fallback>
         </mc:AlternateContent>
-        <mc:AlternateContent xmlns:mc="http://schemas.openxmlformats.org/markup-compatibility/2006">
-          <mc:Choice xmlns:p14="http://schemas.microsoft.com/office/powerpoint/2010/main" Requires="p14">
+        <mc:AlternateContent xmlns:mc="http://schemas.openxmlformats.org/markup-compatibility/2006" xmlns:p14="http://schemas.microsoft.com/office/powerpoint/2010/main">
+          <mc:Choice Requires="p14">
             <p:contentPart p14:bwMode="auto" r:id="rId6">
               <p14:nvContentPartPr>
                 <p14:cNvPr id="9" name="Tinta 8">
@@ -10313,7 +10313,7 @@
               </p14:xfrm>
             </p:contentPart>
           </mc:Choice>
-          <mc:Fallback>
+          <mc:Fallback xmlns="">
             <p:pic>
               <p:nvPicPr>
                 <p:cNvPr id="9" name="Tinta 8">
@@ -10344,8 +10344,8 @@
             </p:pic>
           </mc:Fallback>
         </mc:AlternateContent>
-        <mc:AlternateContent xmlns:mc="http://schemas.openxmlformats.org/markup-compatibility/2006">
-          <mc:Choice xmlns:p14="http://schemas.microsoft.com/office/powerpoint/2010/main" Requires="p14">
+        <mc:AlternateContent xmlns:mc="http://schemas.openxmlformats.org/markup-compatibility/2006" xmlns:p14="http://schemas.microsoft.com/office/powerpoint/2010/main">
+          <mc:Choice Requires="p14">
             <p:contentPart p14:bwMode="auto" r:id="rId8">
               <p14:nvContentPartPr>
                 <p14:cNvPr id="10" name="Tinta 9">
@@ -10364,7 +10364,7 @@
               </p14:xfrm>
             </p:contentPart>
           </mc:Choice>
-          <mc:Fallback>
+          <mc:Fallback xmlns="">
             <p:pic>
               <p:nvPicPr>
                 <p:cNvPr id="10" name="Tinta 9">
@@ -10395,8 +10395,8 @@
             </p:pic>
           </mc:Fallback>
         </mc:AlternateContent>
-        <mc:AlternateContent xmlns:mc="http://schemas.openxmlformats.org/markup-compatibility/2006">
-          <mc:Choice xmlns:p14="http://schemas.microsoft.com/office/powerpoint/2010/main" Requires="p14">
+        <mc:AlternateContent xmlns:mc="http://schemas.openxmlformats.org/markup-compatibility/2006" xmlns:p14="http://schemas.microsoft.com/office/powerpoint/2010/main">
+          <mc:Choice Requires="p14">
             <p:contentPart p14:bwMode="auto" r:id="rId10">
               <p14:nvContentPartPr>
                 <p14:cNvPr id="11" name="Tinta 10">
@@ -10415,7 +10415,7 @@
               </p14:xfrm>
             </p:contentPart>
           </mc:Choice>
-          <mc:Fallback>
+          <mc:Fallback xmlns="">
             <p:pic>
               <p:nvPicPr>
                 <p:cNvPr id="11" name="Tinta 10">
@@ -10446,8 +10446,8 @@
             </p:pic>
           </mc:Fallback>
         </mc:AlternateContent>
-        <mc:AlternateContent xmlns:mc="http://schemas.openxmlformats.org/markup-compatibility/2006">
-          <mc:Choice xmlns:p14="http://schemas.microsoft.com/office/powerpoint/2010/main" Requires="p14">
+        <mc:AlternateContent xmlns:mc="http://schemas.openxmlformats.org/markup-compatibility/2006" xmlns:p14="http://schemas.microsoft.com/office/powerpoint/2010/main">
+          <mc:Choice Requires="p14">
             <p:contentPart p14:bwMode="auto" r:id="rId12">
               <p14:nvContentPartPr>
                 <p14:cNvPr id="12" name="Tinta 11">
@@ -10466,7 +10466,7 @@
               </p14:xfrm>
             </p:contentPart>
           </mc:Choice>
-          <mc:Fallback>
+          <mc:Fallback xmlns="">
             <p:pic>
               <p:nvPicPr>
                 <p:cNvPr id="12" name="Tinta 11">
@@ -10497,8 +10497,8 @@
             </p:pic>
           </mc:Fallback>
         </mc:AlternateContent>
-        <mc:AlternateContent xmlns:mc="http://schemas.openxmlformats.org/markup-compatibility/2006">
-          <mc:Choice xmlns:p14="http://schemas.microsoft.com/office/powerpoint/2010/main" Requires="p14">
+        <mc:AlternateContent xmlns:mc="http://schemas.openxmlformats.org/markup-compatibility/2006" xmlns:p14="http://schemas.microsoft.com/office/powerpoint/2010/main">
+          <mc:Choice Requires="p14">
             <p:contentPart p14:bwMode="auto" r:id="rId14">
               <p14:nvContentPartPr>
                 <p14:cNvPr id="13" name="Tinta 12">
@@ -10517,7 +10517,7 @@
               </p14:xfrm>
             </p:contentPart>
           </mc:Choice>
-          <mc:Fallback>
+          <mc:Fallback xmlns="">
             <p:pic>
               <p:nvPicPr>
                 <p:cNvPr id="13" name="Tinta 12">
@@ -10548,8 +10548,8 @@
             </p:pic>
           </mc:Fallback>
         </mc:AlternateContent>
-        <mc:AlternateContent xmlns:mc="http://schemas.openxmlformats.org/markup-compatibility/2006">
-          <mc:Choice xmlns:p14="http://schemas.microsoft.com/office/powerpoint/2010/main" Requires="p14">
+        <mc:AlternateContent xmlns:mc="http://schemas.openxmlformats.org/markup-compatibility/2006" xmlns:p14="http://schemas.microsoft.com/office/powerpoint/2010/main">
+          <mc:Choice Requires="p14">
             <p:contentPart p14:bwMode="auto" r:id="rId16">
               <p14:nvContentPartPr>
                 <p14:cNvPr id="14" name="Tinta 13">
@@ -10568,7 +10568,7 @@
               </p14:xfrm>
             </p:contentPart>
           </mc:Choice>
-          <mc:Fallback>
+          <mc:Fallback xmlns="">
             <p:pic>
               <p:nvPicPr>
                 <p:cNvPr id="14" name="Tinta 13">
@@ -10599,8 +10599,8 @@
             </p:pic>
           </mc:Fallback>
         </mc:AlternateContent>
-        <mc:AlternateContent xmlns:mc="http://schemas.openxmlformats.org/markup-compatibility/2006">
-          <mc:Choice xmlns:p14="http://schemas.microsoft.com/office/powerpoint/2010/main" Requires="p14">
+        <mc:AlternateContent xmlns:mc="http://schemas.openxmlformats.org/markup-compatibility/2006" xmlns:p14="http://schemas.microsoft.com/office/powerpoint/2010/main">
+          <mc:Choice Requires="p14">
             <p:contentPart p14:bwMode="auto" r:id="rId18">
               <p14:nvContentPartPr>
                 <p14:cNvPr id="15" name="Tinta 14">
@@ -10619,7 +10619,7 @@
               </p14:xfrm>
             </p:contentPart>
           </mc:Choice>
-          <mc:Fallback>
+          <mc:Fallback xmlns="">
             <p:pic>
               <p:nvPicPr>
                 <p:cNvPr id="15" name="Tinta 14">
@@ -10650,8 +10650,8 @@
             </p:pic>
           </mc:Fallback>
         </mc:AlternateContent>
-        <mc:AlternateContent xmlns:mc="http://schemas.openxmlformats.org/markup-compatibility/2006">
-          <mc:Choice xmlns:p14="http://schemas.microsoft.com/office/powerpoint/2010/main" Requires="p14">
+        <mc:AlternateContent xmlns:mc="http://schemas.openxmlformats.org/markup-compatibility/2006" xmlns:p14="http://schemas.microsoft.com/office/powerpoint/2010/main">
+          <mc:Choice Requires="p14">
             <p:contentPart p14:bwMode="auto" r:id="rId20">
               <p14:nvContentPartPr>
                 <p14:cNvPr id="16" name="Tinta 15">
@@ -10670,7 +10670,7 @@
               </p14:xfrm>
             </p:contentPart>
           </mc:Choice>
-          <mc:Fallback>
+          <mc:Fallback xmlns="">
             <p:pic>
               <p:nvPicPr>
                 <p:cNvPr id="16" name="Tinta 15">
@@ -10701,8 +10701,8 @@
             </p:pic>
           </mc:Fallback>
         </mc:AlternateContent>
-        <mc:AlternateContent xmlns:mc="http://schemas.openxmlformats.org/markup-compatibility/2006">
-          <mc:Choice xmlns:p14="http://schemas.microsoft.com/office/powerpoint/2010/main" Requires="p14">
+        <mc:AlternateContent xmlns:mc="http://schemas.openxmlformats.org/markup-compatibility/2006" xmlns:p14="http://schemas.microsoft.com/office/powerpoint/2010/main">
+          <mc:Choice Requires="p14">
             <p:contentPart p14:bwMode="auto" r:id="rId22">
               <p14:nvContentPartPr>
                 <p14:cNvPr id="17" name="Tinta 16">
@@ -10721,7 +10721,7 @@
               </p14:xfrm>
             </p:contentPart>
           </mc:Choice>
-          <mc:Fallback>
+          <mc:Fallback xmlns="">
             <p:pic>
               <p:nvPicPr>
                 <p:cNvPr id="17" name="Tinta 16">
@@ -10753,8 +10753,8 @@
           </mc:Fallback>
         </mc:AlternateContent>
       </p:grpSp>
-      <mc:AlternateContent xmlns:mc="http://schemas.openxmlformats.org/markup-compatibility/2006">
-        <mc:Choice xmlns:p14="http://schemas.microsoft.com/office/powerpoint/2010/main" Requires="p14">
+      <mc:AlternateContent xmlns:mc="http://schemas.openxmlformats.org/markup-compatibility/2006" xmlns:p14="http://schemas.microsoft.com/office/powerpoint/2010/main">
+        <mc:Choice Requires="p14">
           <p:contentPart p14:bwMode="auto" r:id="rId24">
             <p14:nvContentPartPr>
               <p14:cNvPr id="19" name="Tinta 18">
@@ -10773,7 +10773,7 @@
             </p14:xfrm>
           </p:contentPart>
         </mc:Choice>
-        <mc:Fallback>
+        <mc:Fallback xmlns="">
           <p:pic>
             <p:nvPicPr>
               <p:cNvPr id="19" name="Tinta 18">
@@ -10824,8 +10824,8 @@
             <a:chExt cx="3843000" cy="1413000"/>
           </a:xfrm>
         </p:grpSpPr>
-        <mc:AlternateContent xmlns:mc="http://schemas.openxmlformats.org/markup-compatibility/2006">
-          <mc:Choice xmlns:p14="http://schemas.microsoft.com/office/powerpoint/2010/main" Requires="p14">
+        <mc:AlternateContent xmlns:mc="http://schemas.openxmlformats.org/markup-compatibility/2006" xmlns:p14="http://schemas.microsoft.com/office/powerpoint/2010/main">
+          <mc:Choice Requires="p14">
             <p:contentPart p14:bwMode="auto" r:id="rId26">
               <p14:nvContentPartPr>
                 <p14:cNvPr id="2" name="Tinta 1">
@@ -10844,7 +10844,7 @@
               </p14:xfrm>
             </p:contentPart>
           </mc:Choice>
-          <mc:Fallback>
+          <mc:Fallback xmlns="">
             <p:pic>
               <p:nvPicPr>
                 <p:cNvPr id="2" name="Tinta 1">
@@ -10875,8 +10875,8 @@
             </p:pic>
           </mc:Fallback>
         </mc:AlternateContent>
-        <mc:AlternateContent xmlns:mc="http://schemas.openxmlformats.org/markup-compatibility/2006">
-          <mc:Choice xmlns:p14="http://schemas.microsoft.com/office/powerpoint/2010/main" Requires="p14">
+        <mc:AlternateContent xmlns:mc="http://schemas.openxmlformats.org/markup-compatibility/2006" xmlns:p14="http://schemas.microsoft.com/office/powerpoint/2010/main">
+          <mc:Choice Requires="p14">
             <p:contentPart p14:bwMode="auto" r:id="rId28">
               <p14:nvContentPartPr>
                 <p14:cNvPr id="3" name="Tinta 2">
@@ -10895,7 +10895,7 @@
               </p14:xfrm>
             </p:contentPart>
           </mc:Choice>
-          <mc:Fallback>
+          <mc:Fallback xmlns="">
             <p:pic>
               <p:nvPicPr>
                 <p:cNvPr id="3" name="Tinta 2">
@@ -10926,8 +10926,8 @@
             </p:pic>
           </mc:Fallback>
         </mc:AlternateContent>
-        <mc:AlternateContent xmlns:mc="http://schemas.openxmlformats.org/markup-compatibility/2006">
-          <mc:Choice xmlns:p14="http://schemas.microsoft.com/office/powerpoint/2010/main" Requires="p14">
+        <mc:AlternateContent xmlns:mc="http://schemas.openxmlformats.org/markup-compatibility/2006" xmlns:p14="http://schemas.microsoft.com/office/powerpoint/2010/main">
+          <mc:Choice Requires="p14">
             <p:contentPart p14:bwMode="auto" r:id="rId30">
               <p14:nvContentPartPr>
                 <p14:cNvPr id="4" name="Tinta 3">
@@ -10946,7 +10946,7 @@
               </p14:xfrm>
             </p:contentPart>
           </mc:Choice>
-          <mc:Fallback>
+          <mc:Fallback xmlns="">
             <p:pic>
               <p:nvPicPr>
                 <p:cNvPr id="4" name="Tinta 3">
@@ -10977,8 +10977,8 @@
             </p:pic>
           </mc:Fallback>
         </mc:AlternateContent>
-        <mc:AlternateContent xmlns:mc="http://schemas.openxmlformats.org/markup-compatibility/2006">
-          <mc:Choice xmlns:p14="http://schemas.microsoft.com/office/powerpoint/2010/main" Requires="p14">
+        <mc:AlternateContent xmlns:mc="http://schemas.openxmlformats.org/markup-compatibility/2006" xmlns:p14="http://schemas.microsoft.com/office/powerpoint/2010/main">
+          <mc:Choice Requires="p14">
             <p:contentPart p14:bwMode="auto" r:id="rId32">
               <p14:nvContentPartPr>
                 <p14:cNvPr id="5" name="Tinta 4">
@@ -10997,7 +10997,7 @@
               </p14:xfrm>
             </p:contentPart>
           </mc:Choice>
-          <mc:Fallback>
+          <mc:Fallback xmlns="">
             <p:pic>
               <p:nvPicPr>
                 <p:cNvPr id="5" name="Tinta 4">
@@ -11028,8 +11028,8 @@
             </p:pic>
           </mc:Fallback>
         </mc:AlternateContent>
-        <mc:AlternateContent xmlns:mc="http://schemas.openxmlformats.org/markup-compatibility/2006">
-          <mc:Choice xmlns:p14="http://schemas.microsoft.com/office/powerpoint/2010/main" Requires="p14">
+        <mc:AlternateContent xmlns:mc="http://schemas.openxmlformats.org/markup-compatibility/2006" xmlns:p14="http://schemas.microsoft.com/office/powerpoint/2010/main">
+          <mc:Choice Requires="p14">
             <p:contentPart p14:bwMode="auto" r:id="rId34">
               <p14:nvContentPartPr>
                 <p14:cNvPr id="32" name="Tinta 31">
@@ -11048,7 +11048,7 @@
               </p14:xfrm>
             </p:contentPart>
           </mc:Choice>
-          <mc:Fallback>
+          <mc:Fallback xmlns="">
             <p:pic>
               <p:nvPicPr>
                 <p:cNvPr id="32" name="Tinta 31">
@@ -11100,8 +11100,8 @@
             <a:chExt cx="2010960" cy="396000"/>
           </a:xfrm>
         </p:grpSpPr>
-        <mc:AlternateContent xmlns:mc="http://schemas.openxmlformats.org/markup-compatibility/2006">
-          <mc:Choice xmlns:p14="http://schemas.microsoft.com/office/powerpoint/2010/main" Requires="p14">
+        <mc:AlternateContent xmlns:mc="http://schemas.openxmlformats.org/markup-compatibility/2006" xmlns:p14="http://schemas.microsoft.com/office/powerpoint/2010/main">
+          <mc:Choice Requires="p14">
             <p:contentPart p14:bwMode="auto" r:id="rId36">
               <p14:nvContentPartPr>
                 <p14:cNvPr id="34" name="Tinta 33">
@@ -11120,7 +11120,7 @@
               </p14:xfrm>
             </p:contentPart>
           </mc:Choice>
-          <mc:Fallback>
+          <mc:Fallback xmlns="">
             <p:pic>
               <p:nvPicPr>
                 <p:cNvPr id="34" name="Tinta 33">
@@ -11151,8 +11151,8 @@
             </p:pic>
           </mc:Fallback>
         </mc:AlternateContent>
-        <mc:AlternateContent xmlns:mc="http://schemas.openxmlformats.org/markup-compatibility/2006">
-          <mc:Choice xmlns:p14="http://schemas.microsoft.com/office/powerpoint/2010/main" Requires="p14">
+        <mc:AlternateContent xmlns:mc="http://schemas.openxmlformats.org/markup-compatibility/2006" xmlns:p14="http://schemas.microsoft.com/office/powerpoint/2010/main">
+          <mc:Choice Requires="p14">
             <p:contentPart p14:bwMode="auto" r:id="rId38">
               <p14:nvContentPartPr>
                 <p14:cNvPr id="35" name="Tinta 34">
@@ -11171,7 +11171,7 @@
               </p14:xfrm>
             </p:contentPart>
           </mc:Choice>
-          <mc:Fallback>
+          <mc:Fallback xmlns="">
             <p:pic>
               <p:nvPicPr>
                 <p:cNvPr id="35" name="Tinta 34">
@@ -11202,8 +11202,8 @@
             </p:pic>
           </mc:Fallback>
         </mc:AlternateContent>
-        <mc:AlternateContent xmlns:mc="http://schemas.openxmlformats.org/markup-compatibility/2006">
-          <mc:Choice xmlns:p14="http://schemas.microsoft.com/office/powerpoint/2010/main" Requires="p14">
+        <mc:AlternateContent xmlns:mc="http://schemas.openxmlformats.org/markup-compatibility/2006" xmlns:p14="http://schemas.microsoft.com/office/powerpoint/2010/main">
+          <mc:Choice Requires="p14">
             <p:contentPart p14:bwMode="auto" r:id="rId40">
               <p14:nvContentPartPr>
                 <p14:cNvPr id="37" name="Tinta 36">
@@ -11222,7 +11222,7 @@
               </p14:xfrm>
             </p:contentPart>
           </mc:Choice>
-          <mc:Fallback>
+          <mc:Fallback xmlns="">
             <p:pic>
               <p:nvPicPr>
                 <p:cNvPr id="37" name="Tinta 36">
@@ -11253,8 +11253,8 @@
             </p:pic>
           </mc:Fallback>
         </mc:AlternateContent>
-        <mc:AlternateContent xmlns:mc="http://schemas.openxmlformats.org/markup-compatibility/2006">
-          <mc:Choice xmlns:p14="http://schemas.microsoft.com/office/powerpoint/2010/main" Requires="p14">
+        <mc:AlternateContent xmlns:mc="http://schemas.openxmlformats.org/markup-compatibility/2006" xmlns:p14="http://schemas.microsoft.com/office/powerpoint/2010/main">
+          <mc:Choice Requires="p14">
             <p:contentPart p14:bwMode="auto" r:id="rId42">
               <p14:nvContentPartPr>
                 <p14:cNvPr id="38" name="Tinta 37">
@@ -11273,7 +11273,7 @@
               </p14:xfrm>
             </p:contentPart>
           </mc:Choice>
-          <mc:Fallback>
+          <mc:Fallback xmlns="">
             <p:pic>
               <p:nvPicPr>
                 <p:cNvPr id="38" name="Tinta 37">
@@ -11304,8 +11304,8 @@
             </p:pic>
           </mc:Fallback>
         </mc:AlternateContent>
-        <mc:AlternateContent xmlns:mc="http://schemas.openxmlformats.org/markup-compatibility/2006">
-          <mc:Choice xmlns:p14="http://schemas.microsoft.com/office/powerpoint/2010/main" Requires="p14">
+        <mc:AlternateContent xmlns:mc="http://schemas.openxmlformats.org/markup-compatibility/2006" xmlns:p14="http://schemas.microsoft.com/office/powerpoint/2010/main">
+          <mc:Choice Requires="p14">
             <p:contentPart p14:bwMode="auto" r:id="rId44">
               <p14:nvContentPartPr>
                 <p14:cNvPr id="39" name="Tinta 38">
@@ -11324,7 +11324,7 @@
               </p14:xfrm>
             </p:contentPart>
           </mc:Choice>
-          <mc:Fallback>
+          <mc:Fallback xmlns="">
             <p:pic>
               <p:nvPicPr>
                 <p:cNvPr id="39" name="Tinta 38">
@@ -11355,8 +11355,8 @@
             </p:pic>
           </mc:Fallback>
         </mc:AlternateContent>
-        <mc:AlternateContent xmlns:mc="http://schemas.openxmlformats.org/markup-compatibility/2006">
-          <mc:Choice xmlns:p14="http://schemas.microsoft.com/office/powerpoint/2010/main" Requires="p14">
+        <mc:AlternateContent xmlns:mc="http://schemas.openxmlformats.org/markup-compatibility/2006" xmlns:p14="http://schemas.microsoft.com/office/powerpoint/2010/main">
+          <mc:Choice Requires="p14">
             <p:contentPart p14:bwMode="auto" r:id="rId46">
               <p14:nvContentPartPr>
                 <p14:cNvPr id="40" name="Tinta 39">
@@ -11375,7 +11375,7 @@
               </p14:xfrm>
             </p:contentPart>
           </mc:Choice>
-          <mc:Fallback>
+          <mc:Fallback xmlns="">
             <p:pic>
               <p:nvPicPr>
                 <p:cNvPr id="40" name="Tinta 39">
@@ -11406,8 +11406,8 @@
             </p:pic>
           </mc:Fallback>
         </mc:AlternateContent>
-        <mc:AlternateContent xmlns:mc="http://schemas.openxmlformats.org/markup-compatibility/2006">
-          <mc:Choice xmlns:p14="http://schemas.microsoft.com/office/powerpoint/2010/main" Requires="p14">
+        <mc:AlternateContent xmlns:mc="http://schemas.openxmlformats.org/markup-compatibility/2006" xmlns:p14="http://schemas.microsoft.com/office/powerpoint/2010/main">
+          <mc:Choice Requires="p14">
             <p:contentPart p14:bwMode="auto" r:id="rId48">
               <p14:nvContentPartPr>
                 <p14:cNvPr id="42" name="Tinta 41">
@@ -11426,7 +11426,7 @@
               </p14:xfrm>
             </p:contentPart>
           </mc:Choice>
-          <mc:Fallback>
+          <mc:Fallback xmlns="">
             <p:pic>
               <p:nvPicPr>
                 <p:cNvPr id="42" name="Tinta 41">
@@ -11458,8 +11458,8 @@
           </mc:Fallback>
         </mc:AlternateContent>
       </p:grpSp>
-      <mc:AlternateContent xmlns:mc="http://schemas.openxmlformats.org/markup-compatibility/2006">
-        <mc:Choice xmlns:p14="http://schemas.microsoft.com/office/powerpoint/2010/main" Requires="p14">
+      <mc:AlternateContent xmlns:mc="http://schemas.openxmlformats.org/markup-compatibility/2006" xmlns:p14="http://schemas.microsoft.com/office/powerpoint/2010/main">
+        <mc:Choice Requires="p14">
           <p:contentPart p14:bwMode="auto" r:id="rId50">
             <p14:nvContentPartPr>
               <p14:cNvPr id="65" name="Tinta 64">
@@ -11478,7 +11478,7 @@
             </p14:xfrm>
           </p:contentPart>
         </mc:Choice>
-        <mc:Fallback>
+        <mc:Fallback xmlns="">
           <p:pic>
             <p:nvPicPr>
               <p:cNvPr id="65" name="Tinta 64">
@@ -11529,8 +11529,8 @@
             <a:chExt cx="2248200" cy="1081080"/>
           </a:xfrm>
         </p:grpSpPr>
-        <mc:AlternateContent xmlns:mc="http://schemas.openxmlformats.org/markup-compatibility/2006">
-          <mc:Choice xmlns:p14="http://schemas.microsoft.com/office/powerpoint/2010/main" Requires="p14">
+        <mc:AlternateContent xmlns:mc="http://schemas.openxmlformats.org/markup-compatibility/2006" xmlns:p14="http://schemas.microsoft.com/office/powerpoint/2010/main">
+          <mc:Choice Requires="p14">
             <p:contentPart p14:bwMode="auto" r:id="rId52">
               <p14:nvContentPartPr>
                 <p14:cNvPr id="20" name="Tinta 19">
@@ -11549,7 +11549,7 @@
               </p14:xfrm>
             </p:contentPart>
           </mc:Choice>
-          <mc:Fallback>
+          <mc:Fallback xmlns="">
             <p:pic>
               <p:nvPicPr>
                 <p:cNvPr id="20" name="Tinta 19">
@@ -11580,8 +11580,8 @@
             </p:pic>
           </mc:Fallback>
         </mc:AlternateContent>
-        <mc:AlternateContent xmlns:mc="http://schemas.openxmlformats.org/markup-compatibility/2006">
-          <mc:Choice xmlns:p14="http://schemas.microsoft.com/office/powerpoint/2010/main" Requires="p14">
+        <mc:AlternateContent xmlns:mc="http://schemas.openxmlformats.org/markup-compatibility/2006" xmlns:p14="http://schemas.microsoft.com/office/powerpoint/2010/main">
+          <mc:Choice Requires="p14">
             <p:contentPart p14:bwMode="auto" r:id="rId54">
               <p14:nvContentPartPr>
                 <p14:cNvPr id="21" name="Tinta 20">
@@ -11600,7 +11600,7 @@
               </p14:xfrm>
             </p:contentPart>
           </mc:Choice>
-          <mc:Fallback>
+          <mc:Fallback xmlns="">
             <p:pic>
               <p:nvPicPr>
                 <p:cNvPr id="21" name="Tinta 20">
@@ -11631,8 +11631,8 @@
             </p:pic>
           </mc:Fallback>
         </mc:AlternateContent>
-        <mc:AlternateContent xmlns:mc="http://schemas.openxmlformats.org/markup-compatibility/2006">
-          <mc:Choice xmlns:p14="http://schemas.microsoft.com/office/powerpoint/2010/main" Requires="p14">
+        <mc:AlternateContent xmlns:mc="http://schemas.openxmlformats.org/markup-compatibility/2006" xmlns:p14="http://schemas.microsoft.com/office/powerpoint/2010/main">
+          <mc:Choice Requires="p14">
             <p:contentPart p14:bwMode="auto" r:id="rId56">
               <p14:nvContentPartPr>
                 <p14:cNvPr id="22" name="Tinta 21">
@@ -11651,7 +11651,7 @@
               </p14:xfrm>
             </p:contentPart>
           </mc:Choice>
-          <mc:Fallback>
+          <mc:Fallback xmlns="">
             <p:pic>
               <p:nvPicPr>
                 <p:cNvPr id="22" name="Tinta 21">
@@ -11682,8 +11682,8 @@
             </p:pic>
           </mc:Fallback>
         </mc:AlternateContent>
-        <mc:AlternateContent xmlns:mc="http://schemas.openxmlformats.org/markup-compatibility/2006">
-          <mc:Choice xmlns:p14="http://schemas.microsoft.com/office/powerpoint/2010/main" Requires="p14">
+        <mc:AlternateContent xmlns:mc="http://schemas.openxmlformats.org/markup-compatibility/2006" xmlns:p14="http://schemas.microsoft.com/office/powerpoint/2010/main">
+          <mc:Choice Requires="p14">
             <p:contentPart p14:bwMode="auto" r:id="rId58">
               <p14:nvContentPartPr>
                 <p14:cNvPr id="23" name="Tinta 22">
@@ -11702,7 +11702,7 @@
               </p14:xfrm>
             </p:contentPart>
           </mc:Choice>
-          <mc:Fallback>
+          <mc:Fallback xmlns="">
             <p:pic>
               <p:nvPicPr>
                 <p:cNvPr id="23" name="Tinta 22">
@@ -11733,8 +11733,8 @@
             </p:pic>
           </mc:Fallback>
         </mc:AlternateContent>
-        <mc:AlternateContent xmlns:mc="http://schemas.openxmlformats.org/markup-compatibility/2006">
-          <mc:Choice xmlns:p14="http://schemas.microsoft.com/office/powerpoint/2010/main" Requires="p14">
+        <mc:AlternateContent xmlns:mc="http://schemas.openxmlformats.org/markup-compatibility/2006" xmlns:p14="http://schemas.microsoft.com/office/powerpoint/2010/main">
+          <mc:Choice Requires="p14">
             <p:contentPart p14:bwMode="auto" r:id="rId60">
               <p14:nvContentPartPr>
                 <p14:cNvPr id="24" name="Tinta 23">
@@ -11753,7 +11753,7 @@
               </p14:xfrm>
             </p:contentPart>
           </mc:Choice>
-          <mc:Fallback>
+          <mc:Fallback xmlns="">
             <p:pic>
               <p:nvPicPr>
                 <p:cNvPr id="24" name="Tinta 23">
@@ -11784,8 +11784,8 @@
             </p:pic>
           </mc:Fallback>
         </mc:AlternateContent>
-        <mc:AlternateContent xmlns:mc="http://schemas.openxmlformats.org/markup-compatibility/2006">
-          <mc:Choice xmlns:p14="http://schemas.microsoft.com/office/powerpoint/2010/main" Requires="p14">
+        <mc:AlternateContent xmlns:mc="http://schemas.openxmlformats.org/markup-compatibility/2006" xmlns:p14="http://schemas.microsoft.com/office/powerpoint/2010/main">
+          <mc:Choice Requires="p14">
             <p:contentPart p14:bwMode="auto" r:id="rId62">
               <p14:nvContentPartPr>
                 <p14:cNvPr id="25" name="Tinta 24">
@@ -11804,7 +11804,7 @@
               </p14:xfrm>
             </p:contentPart>
           </mc:Choice>
-          <mc:Fallback>
+          <mc:Fallback xmlns="">
             <p:pic>
               <p:nvPicPr>
                 <p:cNvPr id="25" name="Tinta 24">
@@ -11835,8 +11835,8 @@
             </p:pic>
           </mc:Fallback>
         </mc:AlternateContent>
-        <mc:AlternateContent xmlns:mc="http://schemas.openxmlformats.org/markup-compatibility/2006">
-          <mc:Choice xmlns:p14="http://schemas.microsoft.com/office/powerpoint/2010/main" Requires="p14">
+        <mc:AlternateContent xmlns:mc="http://schemas.openxmlformats.org/markup-compatibility/2006" xmlns:p14="http://schemas.microsoft.com/office/powerpoint/2010/main">
+          <mc:Choice Requires="p14">
             <p:contentPart p14:bwMode="auto" r:id="rId64">
               <p14:nvContentPartPr>
                 <p14:cNvPr id="26" name="Tinta 25">
@@ -11855,7 +11855,7 @@
               </p14:xfrm>
             </p:contentPart>
           </mc:Choice>
-          <mc:Fallback>
+          <mc:Fallback xmlns="">
             <p:pic>
               <p:nvPicPr>
                 <p:cNvPr id="26" name="Tinta 25">
@@ -11886,8 +11886,8 @@
             </p:pic>
           </mc:Fallback>
         </mc:AlternateContent>
-        <mc:AlternateContent xmlns:mc="http://schemas.openxmlformats.org/markup-compatibility/2006">
-          <mc:Choice xmlns:p14="http://schemas.microsoft.com/office/powerpoint/2010/main" Requires="p14">
+        <mc:AlternateContent xmlns:mc="http://schemas.openxmlformats.org/markup-compatibility/2006" xmlns:p14="http://schemas.microsoft.com/office/powerpoint/2010/main">
+          <mc:Choice Requires="p14">
             <p:contentPart p14:bwMode="auto" r:id="rId66">
               <p14:nvContentPartPr>
                 <p14:cNvPr id="27" name="Tinta 26">
@@ -11906,7 +11906,7 @@
               </p14:xfrm>
             </p:contentPart>
           </mc:Choice>
-          <mc:Fallback>
+          <mc:Fallback xmlns="">
             <p:pic>
               <p:nvPicPr>
                 <p:cNvPr id="27" name="Tinta 26">
@@ -11937,8 +11937,8 @@
             </p:pic>
           </mc:Fallback>
         </mc:AlternateContent>
-        <mc:AlternateContent xmlns:mc="http://schemas.openxmlformats.org/markup-compatibility/2006">
-          <mc:Choice xmlns:p14="http://schemas.microsoft.com/office/powerpoint/2010/main" Requires="p14">
+        <mc:AlternateContent xmlns:mc="http://schemas.openxmlformats.org/markup-compatibility/2006" xmlns:p14="http://schemas.microsoft.com/office/powerpoint/2010/main">
+          <mc:Choice Requires="p14">
             <p:contentPart p14:bwMode="auto" r:id="rId68">
               <p14:nvContentPartPr>
                 <p14:cNvPr id="28" name="Tinta 27">
@@ -11957,7 +11957,7 @@
               </p14:xfrm>
             </p:contentPart>
           </mc:Choice>
-          <mc:Fallback>
+          <mc:Fallback xmlns="">
             <p:pic>
               <p:nvPicPr>
                 <p:cNvPr id="28" name="Tinta 27">
@@ -11988,8 +11988,8 @@
             </p:pic>
           </mc:Fallback>
         </mc:AlternateContent>
-        <mc:AlternateContent xmlns:mc="http://schemas.openxmlformats.org/markup-compatibility/2006">
-          <mc:Choice xmlns:p14="http://schemas.microsoft.com/office/powerpoint/2010/main" Requires="p14">
+        <mc:AlternateContent xmlns:mc="http://schemas.openxmlformats.org/markup-compatibility/2006" xmlns:p14="http://schemas.microsoft.com/office/powerpoint/2010/main">
+          <mc:Choice Requires="p14">
             <p:contentPart p14:bwMode="auto" r:id="rId70">
               <p14:nvContentPartPr>
                 <p14:cNvPr id="29" name="Tinta 28">
@@ -12008,7 +12008,7 @@
               </p14:xfrm>
             </p:contentPart>
           </mc:Choice>
-          <mc:Fallback>
+          <mc:Fallback xmlns="">
             <p:pic>
               <p:nvPicPr>
                 <p:cNvPr id="29" name="Tinta 28">
@@ -12039,8 +12039,8 @@
             </p:pic>
           </mc:Fallback>
         </mc:AlternateContent>
-        <mc:AlternateContent xmlns:mc="http://schemas.openxmlformats.org/markup-compatibility/2006">
-          <mc:Choice xmlns:p14="http://schemas.microsoft.com/office/powerpoint/2010/main" Requires="p14">
+        <mc:AlternateContent xmlns:mc="http://schemas.openxmlformats.org/markup-compatibility/2006" xmlns:p14="http://schemas.microsoft.com/office/powerpoint/2010/main">
+          <mc:Choice Requires="p14">
             <p:contentPart p14:bwMode="auto" r:id="rId72">
               <p14:nvContentPartPr>
                 <p14:cNvPr id="30" name="Tinta 29">
@@ -12059,7 +12059,7 @@
               </p14:xfrm>
             </p:contentPart>
           </mc:Choice>
-          <mc:Fallback>
+          <mc:Fallback xmlns="">
             <p:pic>
               <p:nvPicPr>
                 <p:cNvPr id="30" name="Tinta 29">
@@ -12090,8 +12090,8 @@
             </p:pic>
           </mc:Fallback>
         </mc:AlternateContent>
-        <mc:AlternateContent xmlns:mc="http://schemas.openxmlformats.org/markup-compatibility/2006">
-          <mc:Choice xmlns:p14="http://schemas.microsoft.com/office/powerpoint/2010/main" Requires="p14">
+        <mc:AlternateContent xmlns:mc="http://schemas.openxmlformats.org/markup-compatibility/2006" xmlns:p14="http://schemas.microsoft.com/office/powerpoint/2010/main">
+          <mc:Choice Requires="p14">
             <p:contentPart p14:bwMode="auto" r:id="rId74">
               <p14:nvContentPartPr>
                 <p14:cNvPr id="66" name="Tinta 65">
@@ -12110,7 +12110,7 @@
               </p14:xfrm>
             </p:contentPart>
           </mc:Choice>
-          <mc:Fallback>
+          <mc:Fallback xmlns="">
             <p:pic>
               <p:nvPicPr>
                 <p:cNvPr id="66" name="Tinta 65">
@@ -12162,8 +12162,8 @@
             <a:chExt cx="4758840" cy="1615680"/>
           </a:xfrm>
         </p:grpSpPr>
-        <mc:AlternateContent xmlns:mc="http://schemas.openxmlformats.org/markup-compatibility/2006">
-          <mc:Choice xmlns:p14="http://schemas.microsoft.com/office/powerpoint/2010/main" Requires="p14">
+        <mc:AlternateContent xmlns:mc="http://schemas.openxmlformats.org/markup-compatibility/2006" xmlns:p14="http://schemas.microsoft.com/office/powerpoint/2010/main">
+          <mc:Choice Requires="p14">
             <p:contentPart p14:bwMode="auto" r:id="rId76">
               <p14:nvContentPartPr>
                 <p14:cNvPr id="44" name="Tinta 43">
@@ -12182,7 +12182,7 @@
               </p14:xfrm>
             </p:contentPart>
           </mc:Choice>
-          <mc:Fallback>
+          <mc:Fallback xmlns="">
             <p:pic>
               <p:nvPicPr>
                 <p:cNvPr id="44" name="Tinta 43">
@@ -12213,8 +12213,8 @@
             </p:pic>
           </mc:Fallback>
         </mc:AlternateContent>
-        <mc:AlternateContent xmlns:mc="http://schemas.openxmlformats.org/markup-compatibility/2006">
-          <mc:Choice xmlns:p14="http://schemas.microsoft.com/office/powerpoint/2010/main" Requires="p14">
+        <mc:AlternateContent xmlns:mc="http://schemas.openxmlformats.org/markup-compatibility/2006" xmlns:p14="http://schemas.microsoft.com/office/powerpoint/2010/main">
+          <mc:Choice Requires="p14">
             <p:contentPart p14:bwMode="auto" r:id="rId78">
               <p14:nvContentPartPr>
                 <p14:cNvPr id="45" name="Tinta 44">
@@ -12233,7 +12233,7 @@
               </p14:xfrm>
             </p:contentPart>
           </mc:Choice>
-          <mc:Fallback>
+          <mc:Fallback xmlns="">
             <p:pic>
               <p:nvPicPr>
                 <p:cNvPr id="45" name="Tinta 44">
@@ -12264,8 +12264,8 @@
             </p:pic>
           </mc:Fallback>
         </mc:AlternateContent>
-        <mc:AlternateContent xmlns:mc="http://schemas.openxmlformats.org/markup-compatibility/2006">
-          <mc:Choice xmlns:p14="http://schemas.microsoft.com/office/powerpoint/2010/main" Requires="p14">
+        <mc:AlternateContent xmlns:mc="http://schemas.openxmlformats.org/markup-compatibility/2006" xmlns:p14="http://schemas.microsoft.com/office/powerpoint/2010/main">
+          <mc:Choice Requires="p14">
             <p:contentPart p14:bwMode="auto" r:id="rId80">
               <p14:nvContentPartPr>
                 <p14:cNvPr id="46" name="Tinta 45">
@@ -12284,7 +12284,7 @@
               </p14:xfrm>
             </p:contentPart>
           </mc:Choice>
-          <mc:Fallback>
+          <mc:Fallback xmlns="">
             <p:pic>
               <p:nvPicPr>
                 <p:cNvPr id="46" name="Tinta 45">
@@ -12315,8 +12315,8 @@
             </p:pic>
           </mc:Fallback>
         </mc:AlternateContent>
-        <mc:AlternateContent xmlns:mc="http://schemas.openxmlformats.org/markup-compatibility/2006">
-          <mc:Choice xmlns:p14="http://schemas.microsoft.com/office/powerpoint/2010/main" Requires="p14">
+        <mc:AlternateContent xmlns:mc="http://schemas.openxmlformats.org/markup-compatibility/2006" xmlns:p14="http://schemas.microsoft.com/office/powerpoint/2010/main">
+          <mc:Choice Requires="p14">
             <p:contentPart p14:bwMode="auto" r:id="rId82">
               <p14:nvContentPartPr>
                 <p14:cNvPr id="47" name="Tinta 46">
@@ -12335,7 +12335,7 @@
               </p14:xfrm>
             </p:contentPart>
           </mc:Choice>
-          <mc:Fallback>
+          <mc:Fallback xmlns="">
             <p:pic>
               <p:nvPicPr>
                 <p:cNvPr id="47" name="Tinta 46">
@@ -12366,8 +12366,8 @@
             </p:pic>
           </mc:Fallback>
         </mc:AlternateContent>
-        <mc:AlternateContent xmlns:mc="http://schemas.openxmlformats.org/markup-compatibility/2006">
-          <mc:Choice xmlns:p14="http://schemas.microsoft.com/office/powerpoint/2010/main" Requires="p14">
+        <mc:AlternateContent xmlns:mc="http://schemas.openxmlformats.org/markup-compatibility/2006" xmlns:p14="http://schemas.microsoft.com/office/powerpoint/2010/main">
+          <mc:Choice Requires="p14">
             <p:contentPart p14:bwMode="auto" r:id="rId84">
               <p14:nvContentPartPr>
                 <p14:cNvPr id="48" name="Tinta 47">
@@ -12386,7 +12386,7 @@
               </p14:xfrm>
             </p:contentPart>
           </mc:Choice>
-          <mc:Fallback>
+          <mc:Fallback xmlns="">
             <p:pic>
               <p:nvPicPr>
                 <p:cNvPr id="48" name="Tinta 47">
@@ -12417,8 +12417,8 @@
             </p:pic>
           </mc:Fallback>
         </mc:AlternateContent>
-        <mc:AlternateContent xmlns:mc="http://schemas.openxmlformats.org/markup-compatibility/2006">
-          <mc:Choice xmlns:p14="http://schemas.microsoft.com/office/powerpoint/2010/main" Requires="p14">
+        <mc:AlternateContent xmlns:mc="http://schemas.openxmlformats.org/markup-compatibility/2006" xmlns:p14="http://schemas.microsoft.com/office/powerpoint/2010/main">
+          <mc:Choice Requires="p14">
             <p:contentPart p14:bwMode="auto" r:id="rId86">
               <p14:nvContentPartPr>
                 <p14:cNvPr id="49" name="Tinta 48">
@@ -12437,7 +12437,7 @@
               </p14:xfrm>
             </p:contentPart>
           </mc:Choice>
-          <mc:Fallback>
+          <mc:Fallback xmlns="">
             <p:pic>
               <p:nvPicPr>
                 <p:cNvPr id="49" name="Tinta 48">
@@ -12468,8 +12468,8 @@
             </p:pic>
           </mc:Fallback>
         </mc:AlternateContent>
-        <mc:AlternateContent xmlns:mc="http://schemas.openxmlformats.org/markup-compatibility/2006">
-          <mc:Choice xmlns:p14="http://schemas.microsoft.com/office/powerpoint/2010/main" Requires="p14">
+        <mc:AlternateContent xmlns:mc="http://schemas.openxmlformats.org/markup-compatibility/2006" xmlns:p14="http://schemas.microsoft.com/office/powerpoint/2010/main">
+          <mc:Choice Requires="p14">
             <p:contentPart p14:bwMode="auto" r:id="rId88">
               <p14:nvContentPartPr>
                 <p14:cNvPr id="50" name="Tinta 49">
@@ -12488,7 +12488,7 @@
               </p14:xfrm>
             </p:contentPart>
           </mc:Choice>
-          <mc:Fallback>
+          <mc:Fallback xmlns="">
             <p:pic>
               <p:nvPicPr>
                 <p:cNvPr id="50" name="Tinta 49">
@@ -12519,8 +12519,8 @@
             </p:pic>
           </mc:Fallback>
         </mc:AlternateContent>
-        <mc:AlternateContent xmlns:mc="http://schemas.openxmlformats.org/markup-compatibility/2006">
-          <mc:Choice xmlns:p14="http://schemas.microsoft.com/office/powerpoint/2010/main" Requires="p14">
+        <mc:AlternateContent xmlns:mc="http://schemas.openxmlformats.org/markup-compatibility/2006" xmlns:p14="http://schemas.microsoft.com/office/powerpoint/2010/main">
+          <mc:Choice Requires="p14">
             <p:contentPart p14:bwMode="auto" r:id="rId90">
               <p14:nvContentPartPr>
                 <p14:cNvPr id="51" name="Tinta 50">
@@ -12539,7 +12539,7 @@
               </p14:xfrm>
             </p:contentPart>
           </mc:Choice>
-          <mc:Fallback>
+          <mc:Fallback xmlns="">
             <p:pic>
               <p:nvPicPr>
                 <p:cNvPr id="51" name="Tinta 50">
@@ -12570,8 +12570,8 @@
             </p:pic>
           </mc:Fallback>
         </mc:AlternateContent>
-        <mc:AlternateContent xmlns:mc="http://schemas.openxmlformats.org/markup-compatibility/2006">
-          <mc:Choice xmlns:p14="http://schemas.microsoft.com/office/powerpoint/2010/main" Requires="p14">
+        <mc:AlternateContent xmlns:mc="http://schemas.openxmlformats.org/markup-compatibility/2006" xmlns:p14="http://schemas.microsoft.com/office/powerpoint/2010/main">
+          <mc:Choice Requires="p14">
             <p:contentPart p14:bwMode="auto" r:id="rId92">
               <p14:nvContentPartPr>
                 <p14:cNvPr id="52" name="Tinta 51">
@@ -12590,7 +12590,7 @@
               </p14:xfrm>
             </p:contentPart>
           </mc:Choice>
-          <mc:Fallback>
+          <mc:Fallback xmlns="">
             <p:pic>
               <p:nvPicPr>
                 <p:cNvPr id="52" name="Tinta 51">
@@ -12621,8 +12621,8 @@
             </p:pic>
           </mc:Fallback>
         </mc:AlternateContent>
-        <mc:AlternateContent xmlns:mc="http://schemas.openxmlformats.org/markup-compatibility/2006">
-          <mc:Choice xmlns:p14="http://schemas.microsoft.com/office/powerpoint/2010/main" Requires="p14">
+        <mc:AlternateContent xmlns:mc="http://schemas.openxmlformats.org/markup-compatibility/2006" xmlns:p14="http://schemas.microsoft.com/office/powerpoint/2010/main">
+          <mc:Choice Requires="p14">
             <p:contentPart p14:bwMode="auto" r:id="rId94">
               <p14:nvContentPartPr>
                 <p14:cNvPr id="53" name="Tinta 52">
@@ -12641,7 +12641,7 @@
               </p14:xfrm>
             </p:contentPart>
           </mc:Choice>
-          <mc:Fallback>
+          <mc:Fallback xmlns="">
             <p:pic>
               <p:nvPicPr>
                 <p:cNvPr id="53" name="Tinta 52">
@@ -12672,8 +12672,8 @@
             </p:pic>
           </mc:Fallback>
         </mc:AlternateContent>
-        <mc:AlternateContent xmlns:mc="http://schemas.openxmlformats.org/markup-compatibility/2006">
-          <mc:Choice xmlns:p14="http://schemas.microsoft.com/office/powerpoint/2010/main" Requires="p14">
+        <mc:AlternateContent xmlns:mc="http://schemas.openxmlformats.org/markup-compatibility/2006" xmlns:p14="http://schemas.microsoft.com/office/powerpoint/2010/main">
+          <mc:Choice Requires="p14">
             <p:contentPart p14:bwMode="auto" r:id="rId96">
               <p14:nvContentPartPr>
                 <p14:cNvPr id="54" name="Tinta 53">
@@ -12692,7 +12692,7 @@
               </p14:xfrm>
             </p:contentPart>
           </mc:Choice>
-          <mc:Fallback>
+          <mc:Fallback xmlns="">
             <p:pic>
               <p:nvPicPr>
                 <p:cNvPr id="54" name="Tinta 53">
@@ -12723,8 +12723,8 @@
             </p:pic>
           </mc:Fallback>
         </mc:AlternateContent>
-        <mc:AlternateContent xmlns:mc="http://schemas.openxmlformats.org/markup-compatibility/2006">
-          <mc:Choice xmlns:p14="http://schemas.microsoft.com/office/powerpoint/2010/main" Requires="p14">
+        <mc:AlternateContent xmlns:mc="http://schemas.openxmlformats.org/markup-compatibility/2006" xmlns:p14="http://schemas.microsoft.com/office/powerpoint/2010/main">
+          <mc:Choice Requires="p14">
             <p:contentPart p14:bwMode="auto" r:id="rId98">
               <p14:nvContentPartPr>
                 <p14:cNvPr id="55" name="Tinta 54">
@@ -12743,7 +12743,7 @@
               </p14:xfrm>
             </p:contentPart>
           </mc:Choice>
-          <mc:Fallback>
+          <mc:Fallback xmlns="">
             <p:pic>
               <p:nvPicPr>
                 <p:cNvPr id="55" name="Tinta 54">
@@ -12774,8 +12774,8 @@
             </p:pic>
           </mc:Fallback>
         </mc:AlternateContent>
-        <mc:AlternateContent xmlns:mc="http://schemas.openxmlformats.org/markup-compatibility/2006">
-          <mc:Choice xmlns:p14="http://schemas.microsoft.com/office/powerpoint/2010/main" Requires="p14">
+        <mc:AlternateContent xmlns:mc="http://schemas.openxmlformats.org/markup-compatibility/2006" xmlns:p14="http://schemas.microsoft.com/office/powerpoint/2010/main">
+          <mc:Choice Requires="p14">
             <p:contentPart p14:bwMode="auto" r:id="rId100">
               <p14:nvContentPartPr>
                 <p14:cNvPr id="56" name="Tinta 55">
@@ -12794,7 +12794,7 @@
               </p14:xfrm>
             </p:contentPart>
           </mc:Choice>
-          <mc:Fallback>
+          <mc:Fallback xmlns="">
             <p:pic>
               <p:nvPicPr>
                 <p:cNvPr id="56" name="Tinta 55">
@@ -12825,8 +12825,8 @@
             </p:pic>
           </mc:Fallback>
         </mc:AlternateContent>
-        <mc:AlternateContent xmlns:mc="http://schemas.openxmlformats.org/markup-compatibility/2006">
-          <mc:Choice xmlns:p14="http://schemas.microsoft.com/office/powerpoint/2010/main" Requires="p14">
+        <mc:AlternateContent xmlns:mc="http://schemas.openxmlformats.org/markup-compatibility/2006" xmlns:p14="http://schemas.microsoft.com/office/powerpoint/2010/main">
+          <mc:Choice Requires="p14">
             <p:contentPart p14:bwMode="auto" r:id="rId102">
               <p14:nvContentPartPr>
                 <p14:cNvPr id="57" name="Tinta 56">
@@ -12845,7 +12845,7 @@
               </p14:xfrm>
             </p:contentPart>
           </mc:Choice>
-          <mc:Fallback>
+          <mc:Fallback xmlns="">
             <p:pic>
               <p:nvPicPr>
                 <p:cNvPr id="57" name="Tinta 56">
@@ -12876,8 +12876,8 @@
             </p:pic>
           </mc:Fallback>
         </mc:AlternateContent>
-        <mc:AlternateContent xmlns:mc="http://schemas.openxmlformats.org/markup-compatibility/2006">
-          <mc:Choice xmlns:p14="http://schemas.microsoft.com/office/powerpoint/2010/main" Requires="p14">
+        <mc:AlternateContent xmlns:mc="http://schemas.openxmlformats.org/markup-compatibility/2006" xmlns:p14="http://schemas.microsoft.com/office/powerpoint/2010/main">
+          <mc:Choice Requires="p14">
             <p:contentPart p14:bwMode="auto" r:id="rId104">
               <p14:nvContentPartPr>
                 <p14:cNvPr id="58" name="Tinta 57">
@@ -12896,7 +12896,7 @@
               </p14:xfrm>
             </p:contentPart>
           </mc:Choice>
-          <mc:Fallback>
+          <mc:Fallback xmlns="">
             <p:pic>
               <p:nvPicPr>
                 <p:cNvPr id="58" name="Tinta 57">
@@ -12927,8 +12927,8 @@
             </p:pic>
           </mc:Fallback>
         </mc:AlternateContent>
-        <mc:AlternateContent xmlns:mc="http://schemas.openxmlformats.org/markup-compatibility/2006">
-          <mc:Choice xmlns:p14="http://schemas.microsoft.com/office/powerpoint/2010/main" Requires="p14">
+        <mc:AlternateContent xmlns:mc="http://schemas.openxmlformats.org/markup-compatibility/2006" xmlns:p14="http://schemas.microsoft.com/office/powerpoint/2010/main">
+          <mc:Choice Requires="p14">
             <p:contentPart p14:bwMode="auto" r:id="rId106">
               <p14:nvContentPartPr>
                 <p14:cNvPr id="59" name="Tinta 58">
@@ -12947,7 +12947,7 @@
               </p14:xfrm>
             </p:contentPart>
           </mc:Choice>
-          <mc:Fallback>
+          <mc:Fallback xmlns="">
             <p:pic>
               <p:nvPicPr>
                 <p:cNvPr id="59" name="Tinta 58">
@@ -12978,8 +12978,8 @@
             </p:pic>
           </mc:Fallback>
         </mc:AlternateContent>
-        <mc:AlternateContent xmlns:mc="http://schemas.openxmlformats.org/markup-compatibility/2006">
-          <mc:Choice xmlns:p14="http://schemas.microsoft.com/office/powerpoint/2010/main" Requires="p14">
+        <mc:AlternateContent xmlns:mc="http://schemas.openxmlformats.org/markup-compatibility/2006" xmlns:p14="http://schemas.microsoft.com/office/powerpoint/2010/main">
+          <mc:Choice Requires="p14">
             <p:contentPart p14:bwMode="auto" r:id="rId108">
               <p14:nvContentPartPr>
                 <p14:cNvPr id="60" name="Tinta 59">
@@ -12998,7 +12998,7 @@
               </p14:xfrm>
             </p:contentPart>
           </mc:Choice>
-          <mc:Fallback>
+          <mc:Fallback xmlns="">
             <p:pic>
               <p:nvPicPr>
                 <p:cNvPr id="60" name="Tinta 59">
@@ -13029,8 +13029,8 @@
             </p:pic>
           </mc:Fallback>
         </mc:AlternateContent>
-        <mc:AlternateContent xmlns:mc="http://schemas.openxmlformats.org/markup-compatibility/2006">
-          <mc:Choice xmlns:p14="http://schemas.microsoft.com/office/powerpoint/2010/main" Requires="p14">
+        <mc:AlternateContent xmlns:mc="http://schemas.openxmlformats.org/markup-compatibility/2006" xmlns:p14="http://schemas.microsoft.com/office/powerpoint/2010/main">
+          <mc:Choice Requires="p14">
             <p:contentPart p14:bwMode="auto" r:id="rId110">
               <p14:nvContentPartPr>
                 <p14:cNvPr id="61" name="Tinta 60">
@@ -13049,7 +13049,7 @@
               </p14:xfrm>
             </p:contentPart>
           </mc:Choice>
-          <mc:Fallback>
+          <mc:Fallback xmlns="">
             <p:pic>
               <p:nvPicPr>
                 <p:cNvPr id="61" name="Tinta 60">
@@ -13080,8 +13080,8 @@
             </p:pic>
           </mc:Fallback>
         </mc:AlternateContent>
-        <mc:AlternateContent xmlns:mc="http://schemas.openxmlformats.org/markup-compatibility/2006">
-          <mc:Choice xmlns:p14="http://schemas.microsoft.com/office/powerpoint/2010/main" Requires="p14">
+        <mc:AlternateContent xmlns:mc="http://schemas.openxmlformats.org/markup-compatibility/2006" xmlns:p14="http://schemas.microsoft.com/office/powerpoint/2010/main">
+          <mc:Choice Requires="p14">
             <p:contentPart p14:bwMode="auto" r:id="rId111">
               <p14:nvContentPartPr>
                 <p14:cNvPr id="67" name="Tinta 66">
@@ -13100,7 +13100,7 @@
               </p14:xfrm>
             </p:contentPart>
           </mc:Choice>
-          <mc:Fallback>
+          <mc:Fallback xmlns="">
             <p:pic>
               <p:nvPicPr>
                 <p:cNvPr id="67" name="Tinta 66">
@@ -13131,8 +13131,8 @@
             </p:pic>
           </mc:Fallback>
         </mc:AlternateContent>
-        <mc:AlternateContent xmlns:mc="http://schemas.openxmlformats.org/markup-compatibility/2006">
-          <mc:Choice xmlns:p14="http://schemas.microsoft.com/office/powerpoint/2010/main" Requires="p14">
+        <mc:AlternateContent xmlns:mc="http://schemas.openxmlformats.org/markup-compatibility/2006" xmlns:p14="http://schemas.microsoft.com/office/powerpoint/2010/main">
+          <mc:Choice Requires="p14">
             <p:contentPart p14:bwMode="auto" r:id="rId113">
               <p14:nvContentPartPr>
                 <p14:cNvPr id="70" name="Tinta 69">
@@ -13151,7 +13151,7 @@
               </p14:xfrm>
             </p:contentPart>
           </mc:Choice>
-          <mc:Fallback>
+          <mc:Fallback xmlns="">
             <p:pic>
               <p:nvPicPr>
                 <p:cNvPr id="70" name="Tinta 69">
@@ -13182,8 +13182,8 @@
             </p:pic>
           </mc:Fallback>
         </mc:AlternateContent>
-        <mc:AlternateContent xmlns:mc="http://schemas.openxmlformats.org/markup-compatibility/2006">
-          <mc:Choice xmlns:p14="http://schemas.microsoft.com/office/powerpoint/2010/main" Requires="p14">
+        <mc:AlternateContent xmlns:mc="http://schemas.openxmlformats.org/markup-compatibility/2006" xmlns:p14="http://schemas.microsoft.com/office/powerpoint/2010/main">
+          <mc:Choice Requires="p14">
             <p:contentPart p14:bwMode="auto" r:id="rId115">
               <p14:nvContentPartPr>
                 <p14:cNvPr id="71" name="Tinta 70">
@@ -13202,7 +13202,7 @@
               </p14:xfrm>
             </p:contentPart>
           </mc:Choice>
-          <mc:Fallback>
+          <mc:Fallback xmlns="">
             <p:pic>
               <p:nvPicPr>
                 <p:cNvPr id="71" name="Tinta 70">
@@ -13233,8 +13233,8 @@
             </p:pic>
           </mc:Fallback>
         </mc:AlternateContent>
-        <mc:AlternateContent xmlns:mc="http://schemas.openxmlformats.org/markup-compatibility/2006">
-          <mc:Choice xmlns:p14="http://schemas.microsoft.com/office/powerpoint/2010/main" Requires="p14">
+        <mc:AlternateContent xmlns:mc="http://schemas.openxmlformats.org/markup-compatibility/2006" xmlns:p14="http://schemas.microsoft.com/office/powerpoint/2010/main">
+          <mc:Choice Requires="p14">
             <p:contentPart p14:bwMode="auto" r:id="rId117">
               <p14:nvContentPartPr>
                 <p14:cNvPr id="72" name="Tinta 71">
@@ -13253,7 +13253,7 @@
               </p14:xfrm>
             </p:contentPart>
           </mc:Choice>
-          <mc:Fallback>
+          <mc:Fallback xmlns="">
             <p:pic>
               <p:nvPicPr>
                 <p:cNvPr id="72" name="Tinta 71">
@@ -13284,8 +13284,8 @@
             </p:pic>
           </mc:Fallback>
         </mc:AlternateContent>
-        <mc:AlternateContent xmlns:mc="http://schemas.openxmlformats.org/markup-compatibility/2006">
-          <mc:Choice xmlns:p14="http://schemas.microsoft.com/office/powerpoint/2010/main" Requires="p14">
+        <mc:AlternateContent xmlns:mc="http://schemas.openxmlformats.org/markup-compatibility/2006" xmlns:p14="http://schemas.microsoft.com/office/powerpoint/2010/main">
+          <mc:Choice Requires="p14">
             <p:contentPart p14:bwMode="auto" r:id="rId119">
               <p14:nvContentPartPr>
                 <p14:cNvPr id="73" name="Tinta 72">
@@ -13304,7 +13304,7 @@
               </p14:xfrm>
             </p:contentPart>
           </mc:Choice>
-          <mc:Fallback>
+          <mc:Fallback xmlns="">
             <p:pic>
               <p:nvPicPr>
                 <p:cNvPr id="73" name="Tinta 72">
@@ -13335,8 +13335,8 @@
             </p:pic>
           </mc:Fallback>
         </mc:AlternateContent>
-        <mc:AlternateContent xmlns:mc="http://schemas.openxmlformats.org/markup-compatibility/2006">
-          <mc:Choice xmlns:p14="http://schemas.microsoft.com/office/powerpoint/2010/main" Requires="p14">
+        <mc:AlternateContent xmlns:mc="http://schemas.openxmlformats.org/markup-compatibility/2006" xmlns:p14="http://schemas.microsoft.com/office/powerpoint/2010/main">
+          <mc:Choice Requires="p14">
             <p:contentPart p14:bwMode="auto" r:id="rId121">
               <p14:nvContentPartPr>
                 <p14:cNvPr id="74" name="Tinta 73">
@@ -13355,7 +13355,7 @@
               </p14:xfrm>
             </p:contentPart>
           </mc:Choice>
-          <mc:Fallback>
+          <mc:Fallback xmlns="">
             <p:pic>
               <p:nvPicPr>
                 <p:cNvPr id="74" name="Tinta 73">
@@ -13386,8 +13386,8 @@
             </p:pic>
           </mc:Fallback>
         </mc:AlternateContent>
-        <mc:AlternateContent xmlns:mc="http://schemas.openxmlformats.org/markup-compatibility/2006">
-          <mc:Choice xmlns:p14="http://schemas.microsoft.com/office/powerpoint/2010/main" Requires="p14">
+        <mc:AlternateContent xmlns:mc="http://schemas.openxmlformats.org/markup-compatibility/2006" xmlns:p14="http://schemas.microsoft.com/office/powerpoint/2010/main">
+          <mc:Choice Requires="p14">
             <p:contentPart p14:bwMode="auto" r:id="rId123">
               <p14:nvContentPartPr>
                 <p14:cNvPr id="75" name="Tinta 74">
@@ -13406,7 +13406,7 @@
               </p14:xfrm>
             </p:contentPart>
           </mc:Choice>
-          <mc:Fallback>
+          <mc:Fallback xmlns="">
             <p:pic>
               <p:nvPicPr>
                 <p:cNvPr id="75" name="Tinta 74">
@@ -13437,8 +13437,8 @@
             </p:pic>
           </mc:Fallback>
         </mc:AlternateContent>
-        <mc:AlternateContent xmlns:mc="http://schemas.openxmlformats.org/markup-compatibility/2006">
-          <mc:Choice xmlns:p14="http://schemas.microsoft.com/office/powerpoint/2010/main" Requires="p14">
+        <mc:AlternateContent xmlns:mc="http://schemas.openxmlformats.org/markup-compatibility/2006" xmlns:p14="http://schemas.microsoft.com/office/powerpoint/2010/main">
+          <mc:Choice Requires="p14">
             <p:contentPart p14:bwMode="auto" r:id="rId125">
               <p14:nvContentPartPr>
                 <p14:cNvPr id="76" name="Tinta 75">
@@ -13457,7 +13457,7 @@
               </p14:xfrm>
             </p:contentPart>
           </mc:Choice>
-          <mc:Fallback>
+          <mc:Fallback xmlns="">
             <p:pic>
               <p:nvPicPr>
                 <p:cNvPr id="76" name="Tinta 75">
@@ -13488,8 +13488,8 @@
             </p:pic>
           </mc:Fallback>
         </mc:AlternateContent>
-        <mc:AlternateContent xmlns:mc="http://schemas.openxmlformats.org/markup-compatibility/2006">
-          <mc:Choice xmlns:p14="http://schemas.microsoft.com/office/powerpoint/2010/main" Requires="p14">
+        <mc:AlternateContent xmlns:mc="http://schemas.openxmlformats.org/markup-compatibility/2006" xmlns:p14="http://schemas.microsoft.com/office/powerpoint/2010/main">
+          <mc:Choice Requires="p14">
             <p:contentPart p14:bwMode="auto" r:id="rId127">
               <p14:nvContentPartPr>
                 <p14:cNvPr id="77" name="Tinta 76">
@@ -13508,7 +13508,7 @@
               </p14:xfrm>
             </p:contentPart>
           </mc:Choice>
-          <mc:Fallback>
+          <mc:Fallback xmlns="">
             <p:pic>
               <p:nvPicPr>
                 <p:cNvPr id="77" name="Tinta 76">
@@ -13539,8 +13539,8 @@
             </p:pic>
           </mc:Fallback>
         </mc:AlternateContent>
-        <mc:AlternateContent xmlns:mc="http://schemas.openxmlformats.org/markup-compatibility/2006">
-          <mc:Choice xmlns:p14="http://schemas.microsoft.com/office/powerpoint/2010/main" Requires="p14">
+        <mc:AlternateContent xmlns:mc="http://schemas.openxmlformats.org/markup-compatibility/2006" xmlns:p14="http://schemas.microsoft.com/office/powerpoint/2010/main">
+          <mc:Choice Requires="p14">
             <p:contentPart p14:bwMode="auto" r:id="rId129">
               <p14:nvContentPartPr>
                 <p14:cNvPr id="78" name="Tinta 77">
@@ -13559,7 +13559,7 @@
               </p14:xfrm>
             </p:contentPart>
           </mc:Choice>
-          <mc:Fallback>
+          <mc:Fallback xmlns="">
             <p:pic>
               <p:nvPicPr>
                 <p:cNvPr id="78" name="Tinta 77">
@@ -13590,8 +13590,8 @@
             </p:pic>
           </mc:Fallback>
         </mc:AlternateContent>
-        <mc:AlternateContent xmlns:mc="http://schemas.openxmlformats.org/markup-compatibility/2006">
-          <mc:Choice xmlns:p14="http://schemas.microsoft.com/office/powerpoint/2010/main" Requires="p14">
+        <mc:AlternateContent xmlns:mc="http://schemas.openxmlformats.org/markup-compatibility/2006" xmlns:p14="http://schemas.microsoft.com/office/powerpoint/2010/main">
+          <mc:Choice Requires="p14">
             <p:contentPart p14:bwMode="auto" r:id="rId131">
               <p14:nvContentPartPr>
                 <p14:cNvPr id="79" name="Tinta 78">
@@ -13610,7 +13610,7 @@
               </p14:xfrm>
             </p:contentPart>
           </mc:Choice>
-          <mc:Fallback>
+          <mc:Fallback xmlns="">
             <p:pic>
               <p:nvPicPr>
                 <p:cNvPr id="79" name="Tinta 78">
@@ -13641,8 +13641,8 @@
             </p:pic>
           </mc:Fallback>
         </mc:AlternateContent>
-        <mc:AlternateContent xmlns:mc="http://schemas.openxmlformats.org/markup-compatibility/2006">
-          <mc:Choice xmlns:p14="http://schemas.microsoft.com/office/powerpoint/2010/main" Requires="p14">
+        <mc:AlternateContent xmlns:mc="http://schemas.openxmlformats.org/markup-compatibility/2006" xmlns:p14="http://schemas.microsoft.com/office/powerpoint/2010/main">
+          <mc:Choice Requires="p14">
             <p:contentPart p14:bwMode="auto" r:id="rId133">
               <p14:nvContentPartPr>
                 <p14:cNvPr id="80" name="Tinta 79">
@@ -13661,7 +13661,7 @@
               </p14:xfrm>
             </p:contentPart>
           </mc:Choice>
-          <mc:Fallback>
+          <mc:Fallback xmlns="">
             <p:pic>
               <p:nvPicPr>
                 <p:cNvPr id="80" name="Tinta 79">
@@ -13723,8 +13723,8 @@
           <a:chExt cx="0" cy="0"/>
         </a:xfrm>
       </p:grpSpPr>
-      <mc:AlternateContent xmlns:mc="http://schemas.openxmlformats.org/markup-compatibility/2006">
-        <mc:Choice xmlns:p14="http://schemas.microsoft.com/office/powerpoint/2010/main" Requires="p14">
+      <mc:AlternateContent xmlns:mc="http://schemas.openxmlformats.org/markup-compatibility/2006" xmlns:p14="http://schemas.microsoft.com/office/powerpoint/2010/main">
+        <mc:Choice Requires="p14">
           <p:contentPart p14:bwMode="auto" r:id="rId2">
             <p14:nvContentPartPr>
               <p14:cNvPr id="69" name="Tinta 68">
@@ -13743,7 +13743,7 @@
             </p14:xfrm>
           </p:contentPart>
         </mc:Choice>
-        <mc:Fallback>
+        <mc:Fallback xmlns="">
           <p:pic>
             <p:nvPicPr>
               <p:cNvPr id="69" name="Tinta 68">
@@ -13774,8 +13774,8 @@
           </p:pic>
         </mc:Fallback>
       </mc:AlternateContent>
-      <mc:AlternateContent xmlns:mc="http://schemas.openxmlformats.org/markup-compatibility/2006">
-        <mc:Choice xmlns:p14="http://schemas.microsoft.com/office/powerpoint/2010/main" Requires="p14">
+      <mc:AlternateContent xmlns:mc="http://schemas.openxmlformats.org/markup-compatibility/2006" xmlns:p14="http://schemas.microsoft.com/office/powerpoint/2010/main">
+        <mc:Choice Requires="p14">
           <p:contentPart p14:bwMode="auto" r:id="rId4">
             <p14:nvContentPartPr>
               <p14:cNvPr id="70" name="Tinta 69">
@@ -13794,7 +13794,7 @@
             </p14:xfrm>
           </p:contentPart>
         </mc:Choice>
-        <mc:Fallback>
+        <mc:Fallback xmlns="">
           <p:pic>
             <p:nvPicPr>
               <p:cNvPr id="70" name="Tinta 69">
@@ -13825,8 +13825,8 @@
           </p:pic>
         </mc:Fallback>
       </mc:AlternateContent>
-      <mc:AlternateContent xmlns:mc="http://schemas.openxmlformats.org/markup-compatibility/2006">
-        <mc:Choice xmlns:p14="http://schemas.microsoft.com/office/powerpoint/2010/main" Requires="p14">
+      <mc:AlternateContent xmlns:mc="http://schemas.openxmlformats.org/markup-compatibility/2006" xmlns:p14="http://schemas.microsoft.com/office/powerpoint/2010/main">
+        <mc:Choice Requires="p14">
           <p:contentPart p14:bwMode="auto" r:id="rId6">
             <p14:nvContentPartPr>
               <p14:cNvPr id="2" name="Tinta 1">
@@ -13845,7 +13845,7 @@
             </p14:xfrm>
           </p:contentPart>
         </mc:Choice>
-        <mc:Fallback>
+        <mc:Fallback xmlns="">
           <p:pic>
             <p:nvPicPr>
               <p:cNvPr id="2" name="Tinta 1">
@@ -13876,8 +13876,8 @@
           </p:pic>
         </mc:Fallback>
       </mc:AlternateContent>
-      <mc:AlternateContent xmlns:mc="http://schemas.openxmlformats.org/markup-compatibility/2006">
-        <mc:Choice xmlns:p14="http://schemas.microsoft.com/office/powerpoint/2010/main" Requires="p14">
+      <mc:AlternateContent xmlns:mc="http://schemas.openxmlformats.org/markup-compatibility/2006" xmlns:p14="http://schemas.microsoft.com/office/powerpoint/2010/main">
+        <mc:Choice Requires="p14">
           <p:contentPart p14:bwMode="auto" r:id="rId8">
             <p14:nvContentPartPr>
               <p14:cNvPr id="3" name="Tinta 2">
@@ -13896,7 +13896,7 @@
             </p14:xfrm>
           </p:contentPart>
         </mc:Choice>
-        <mc:Fallback>
+        <mc:Fallback xmlns="">
           <p:pic>
             <p:nvPicPr>
               <p:cNvPr id="3" name="Tinta 2">
@@ -13927,8 +13927,8 @@
           </p:pic>
         </mc:Fallback>
       </mc:AlternateContent>
-      <mc:AlternateContent xmlns:mc="http://schemas.openxmlformats.org/markup-compatibility/2006">
-        <mc:Choice xmlns:p14="http://schemas.microsoft.com/office/powerpoint/2010/main" Requires="p14">
+      <mc:AlternateContent xmlns:mc="http://schemas.openxmlformats.org/markup-compatibility/2006" xmlns:p14="http://schemas.microsoft.com/office/powerpoint/2010/main">
+        <mc:Choice Requires="p14">
           <p:contentPart p14:bwMode="auto" r:id="rId10">
             <p14:nvContentPartPr>
               <p14:cNvPr id="4" name="Tinta 3">
@@ -13947,7 +13947,7 @@
             </p14:xfrm>
           </p:contentPart>
         </mc:Choice>
-        <mc:Fallback>
+        <mc:Fallback xmlns="">
           <p:pic>
             <p:nvPicPr>
               <p:cNvPr id="4" name="Tinta 3">
@@ -13978,8 +13978,8 @@
           </p:pic>
         </mc:Fallback>
       </mc:AlternateContent>
-      <mc:AlternateContent xmlns:mc="http://schemas.openxmlformats.org/markup-compatibility/2006">
-        <mc:Choice xmlns:p14="http://schemas.microsoft.com/office/powerpoint/2010/main" Requires="p14">
+      <mc:AlternateContent xmlns:mc="http://schemas.openxmlformats.org/markup-compatibility/2006" xmlns:p14="http://schemas.microsoft.com/office/powerpoint/2010/main">
+        <mc:Choice Requires="p14">
           <p:contentPart p14:bwMode="auto" r:id="rId12">
             <p14:nvContentPartPr>
               <p14:cNvPr id="5" name="Tinta 4">
@@ -13998,7 +13998,7 @@
             </p14:xfrm>
           </p:contentPart>
         </mc:Choice>
-        <mc:Fallback>
+        <mc:Fallback xmlns="">
           <p:pic>
             <p:nvPicPr>
               <p:cNvPr id="5" name="Tinta 4">
@@ -14029,8 +14029,8 @@
           </p:pic>
         </mc:Fallback>
       </mc:AlternateContent>
-      <mc:AlternateContent xmlns:mc="http://schemas.openxmlformats.org/markup-compatibility/2006">
-        <mc:Choice xmlns:p14="http://schemas.microsoft.com/office/powerpoint/2010/main" Requires="p14">
+      <mc:AlternateContent xmlns:mc="http://schemas.openxmlformats.org/markup-compatibility/2006" xmlns:p14="http://schemas.microsoft.com/office/powerpoint/2010/main">
+        <mc:Choice Requires="p14">
           <p:contentPart p14:bwMode="auto" r:id="rId14">
             <p14:nvContentPartPr>
               <p14:cNvPr id="7" name="Tinta 6">
@@ -14049,7 +14049,7 @@
             </p14:xfrm>
           </p:contentPart>
         </mc:Choice>
-        <mc:Fallback>
+        <mc:Fallback xmlns="">
           <p:pic>
             <p:nvPicPr>
               <p:cNvPr id="7" name="Tinta 6">
@@ -14080,8 +14080,8 @@
           </p:pic>
         </mc:Fallback>
       </mc:AlternateContent>
-      <mc:AlternateContent xmlns:mc="http://schemas.openxmlformats.org/markup-compatibility/2006">
-        <mc:Choice xmlns:p14="http://schemas.microsoft.com/office/powerpoint/2010/main" Requires="p14">
+      <mc:AlternateContent xmlns:mc="http://schemas.openxmlformats.org/markup-compatibility/2006" xmlns:p14="http://schemas.microsoft.com/office/powerpoint/2010/main">
+        <mc:Choice Requires="p14">
           <p:contentPart p14:bwMode="auto" r:id="rId16">
             <p14:nvContentPartPr>
               <p14:cNvPr id="8" name="Tinta 7">
@@ -14100,7 +14100,7 @@
             </p14:xfrm>
           </p:contentPart>
         </mc:Choice>
-        <mc:Fallback>
+        <mc:Fallback xmlns="">
           <p:pic>
             <p:nvPicPr>
               <p:cNvPr id="8" name="Tinta 7">
@@ -14131,8 +14131,8 @@
           </p:pic>
         </mc:Fallback>
       </mc:AlternateContent>
-      <mc:AlternateContent xmlns:mc="http://schemas.openxmlformats.org/markup-compatibility/2006">
-        <mc:Choice xmlns:p14="http://schemas.microsoft.com/office/powerpoint/2010/main" Requires="p14">
+      <mc:AlternateContent xmlns:mc="http://schemas.openxmlformats.org/markup-compatibility/2006" xmlns:p14="http://schemas.microsoft.com/office/powerpoint/2010/main">
+        <mc:Choice Requires="p14">
           <p:contentPart p14:bwMode="auto" r:id="rId18">
             <p14:nvContentPartPr>
               <p14:cNvPr id="10" name="Tinta 9">
@@ -14151,7 +14151,7 @@
             </p14:xfrm>
           </p:contentPart>
         </mc:Choice>
-        <mc:Fallback>
+        <mc:Fallback xmlns="">
           <p:pic>
             <p:nvPicPr>
               <p:cNvPr id="10" name="Tinta 9">
@@ -14182,8 +14182,8 @@
           </p:pic>
         </mc:Fallback>
       </mc:AlternateContent>
-      <mc:AlternateContent xmlns:mc="http://schemas.openxmlformats.org/markup-compatibility/2006">
-        <mc:Choice xmlns:p14="http://schemas.microsoft.com/office/powerpoint/2010/main" Requires="p14">
+      <mc:AlternateContent xmlns:mc="http://schemas.openxmlformats.org/markup-compatibility/2006" xmlns:p14="http://schemas.microsoft.com/office/powerpoint/2010/main">
+        <mc:Choice Requires="p14">
           <p:contentPart p14:bwMode="auto" r:id="rId20">
             <p14:nvContentPartPr>
               <p14:cNvPr id="11" name="Tinta 10">
@@ -14202,7 +14202,7 @@
             </p14:xfrm>
           </p:contentPart>
         </mc:Choice>
-        <mc:Fallback>
+        <mc:Fallback xmlns="">
           <p:pic>
             <p:nvPicPr>
               <p:cNvPr id="11" name="Tinta 10">
@@ -14233,8 +14233,8 @@
           </p:pic>
         </mc:Fallback>
       </mc:AlternateContent>
-      <mc:AlternateContent xmlns:mc="http://schemas.openxmlformats.org/markup-compatibility/2006">
-        <mc:Choice xmlns:p14="http://schemas.microsoft.com/office/powerpoint/2010/main" Requires="p14">
+      <mc:AlternateContent xmlns:mc="http://schemas.openxmlformats.org/markup-compatibility/2006" xmlns:p14="http://schemas.microsoft.com/office/powerpoint/2010/main">
+        <mc:Choice Requires="p14">
           <p:contentPart p14:bwMode="auto" r:id="rId22">
             <p14:nvContentPartPr>
               <p14:cNvPr id="12" name="Tinta 11">
@@ -14253,7 +14253,7 @@
             </p14:xfrm>
           </p:contentPart>
         </mc:Choice>
-        <mc:Fallback>
+        <mc:Fallback xmlns="">
           <p:pic>
             <p:nvPicPr>
               <p:cNvPr id="12" name="Tinta 11">
@@ -14284,8 +14284,8 @@
           </p:pic>
         </mc:Fallback>
       </mc:AlternateContent>
-      <mc:AlternateContent xmlns:mc="http://schemas.openxmlformats.org/markup-compatibility/2006">
-        <mc:Choice xmlns:p14="http://schemas.microsoft.com/office/powerpoint/2010/main" Requires="p14">
+      <mc:AlternateContent xmlns:mc="http://schemas.openxmlformats.org/markup-compatibility/2006" xmlns:p14="http://schemas.microsoft.com/office/powerpoint/2010/main">
+        <mc:Choice Requires="p14">
           <p:contentPart p14:bwMode="auto" r:id="rId24">
             <p14:nvContentPartPr>
               <p14:cNvPr id="13" name="Tinta 12">
@@ -14304,7 +14304,7 @@
             </p14:xfrm>
           </p:contentPart>
         </mc:Choice>
-        <mc:Fallback>
+        <mc:Fallback xmlns="">
           <p:pic>
             <p:nvPicPr>
               <p:cNvPr id="13" name="Tinta 12">
@@ -14335,8 +14335,8 @@
           </p:pic>
         </mc:Fallback>
       </mc:AlternateContent>
-      <mc:AlternateContent xmlns:mc="http://schemas.openxmlformats.org/markup-compatibility/2006">
-        <mc:Choice xmlns:p14="http://schemas.microsoft.com/office/powerpoint/2010/main" Requires="p14">
+      <mc:AlternateContent xmlns:mc="http://schemas.openxmlformats.org/markup-compatibility/2006" xmlns:p14="http://schemas.microsoft.com/office/powerpoint/2010/main">
+        <mc:Choice Requires="p14">
           <p:contentPart p14:bwMode="auto" r:id="rId26">
             <p14:nvContentPartPr>
               <p14:cNvPr id="14" name="Tinta 13">
@@ -14355,7 +14355,7 @@
             </p14:xfrm>
           </p:contentPart>
         </mc:Choice>
-        <mc:Fallback>
+        <mc:Fallback xmlns="">
           <p:pic>
             <p:nvPicPr>
               <p:cNvPr id="14" name="Tinta 13">
@@ -14386,8 +14386,8 @@
           </p:pic>
         </mc:Fallback>
       </mc:AlternateContent>
-      <mc:AlternateContent xmlns:mc="http://schemas.openxmlformats.org/markup-compatibility/2006">
-        <mc:Choice xmlns:p14="http://schemas.microsoft.com/office/powerpoint/2010/main" Requires="p14">
+      <mc:AlternateContent xmlns:mc="http://schemas.openxmlformats.org/markup-compatibility/2006" xmlns:p14="http://schemas.microsoft.com/office/powerpoint/2010/main">
+        <mc:Choice Requires="p14">
           <p:contentPart p14:bwMode="auto" r:id="rId28">
             <p14:nvContentPartPr>
               <p14:cNvPr id="15" name="Tinta 14">
@@ -14406,7 +14406,7 @@
             </p14:xfrm>
           </p:contentPart>
         </mc:Choice>
-        <mc:Fallback>
+        <mc:Fallback xmlns="">
           <p:pic>
             <p:nvPicPr>
               <p:cNvPr id="15" name="Tinta 14">
@@ -14437,8 +14437,8 @@
           </p:pic>
         </mc:Fallback>
       </mc:AlternateContent>
-      <mc:AlternateContent xmlns:mc="http://schemas.openxmlformats.org/markup-compatibility/2006">
-        <mc:Choice xmlns:p14="http://schemas.microsoft.com/office/powerpoint/2010/main" Requires="p14">
+      <mc:AlternateContent xmlns:mc="http://schemas.openxmlformats.org/markup-compatibility/2006" xmlns:p14="http://schemas.microsoft.com/office/powerpoint/2010/main">
+        <mc:Choice Requires="p14">
           <p:contentPart p14:bwMode="auto" r:id="rId30">
             <p14:nvContentPartPr>
               <p14:cNvPr id="16" name="Tinta 15">
@@ -14457,7 +14457,7 @@
             </p14:xfrm>
           </p:contentPart>
         </mc:Choice>
-        <mc:Fallback>
+        <mc:Fallback xmlns="">
           <p:pic>
             <p:nvPicPr>
               <p:cNvPr id="16" name="Tinta 15">
@@ -14488,8 +14488,8 @@
           </p:pic>
         </mc:Fallback>
       </mc:AlternateContent>
-      <mc:AlternateContent xmlns:mc="http://schemas.openxmlformats.org/markup-compatibility/2006">
-        <mc:Choice xmlns:p14="http://schemas.microsoft.com/office/powerpoint/2010/main" Requires="p14">
+      <mc:AlternateContent xmlns:mc="http://schemas.openxmlformats.org/markup-compatibility/2006" xmlns:p14="http://schemas.microsoft.com/office/powerpoint/2010/main">
+        <mc:Choice Requires="p14">
           <p:contentPart p14:bwMode="auto" r:id="rId32">
             <p14:nvContentPartPr>
               <p14:cNvPr id="18" name="Tinta 17">
@@ -14508,7 +14508,7 @@
             </p14:xfrm>
           </p:contentPart>
         </mc:Choice>
-        <mc:Fallback>
+        <mc:Fallback xmlns="">
           <p:pic>
             <p:nvPicPr>
               <p:cNvPr id="18" name="Tinta 17">
@@ -14539,8 +14539,8 @@
           </p:pic>
         </mc:Fallback>
       </mc:AlternateContent>
-      <mc:AlternateContent xmlns:mc="http://schemas.openxmlformats.org/markup-compatibility/2006">
-        <mc:Choice xmlns:p14="http://schemas.microsoft.com/office/powerpoint/2010/main" Requires="p14">
+      <mc:AlternateContent xmlns:mc="http://schemas.openxmlformats.org/markup-compatibility/2006" xmlns:p14="http://schemas.microsoft.com/office/powerpoint/2010/main">
+        <mc:Choice Requires="p14">
           <p:contentPart p14:bwMode="auto" r:id="rId34">
             <p14:nvContentPartPr>
               <p14:cNvPr id="19" name="Tinta 18">
@@ -14559,7 +14559,7 @@
             </p14:xfrm>
           </p:contentPart>
         </mc:Choice>
-        <mc:Fallback>
+        <mc:Fallback xmlns="">
           <p:pic>
             <p:nvPicPr>
               <p:cNvPr id="19" name="Tinta 18">
@@ -14590,8 +14590,8 @@
           </p:pic>
         </mc:Fallback>
       </mc:AlternateContent>
-      <mc:AlternateContent xmlns:mc="http://schemas.openxmlformats.org/markup-compatibility/2006">
-        <mc:Choice xmlns:p14="http://schemas.microsoft.com/office/powerpoint/2010/main" Requires="p14">
+      <mc:AlternateContent xmlns:mc="http://schemas.openxmlformats.org/markup-compatibility/2006" xmlns:p14="http://schemas.microsoft.com/office/powerpoint/2010/main">
+        <mc:Choice Requires="p14">
           <p:contentPart p14:bwMode="auto" r:id="rId36">
             <p14:nvContentPartPr>
               <p14:cNvPr id="20" name="Tinta 19">
@@ -14610,7 +14610,7 @@
             </p14:xfrm>
           </p:contentPart>
         </mc:Choice>
-        <mc:Fallback>
+        <mc:Fallback xmlns="">
           <p:pic>
             <p:nvPicPr>
               <p:cNvPr id="20" name="Tinta 19">
@@ -14641,8 +14641,8 @@
           </p:pic>
         </mc:Fallback>
       </mc:AlternateContent>
-      <mc:AlternateContent xmlns:mc="http://schemas.openxmlformats.org/markup-compatibility/2006">
-        <mc:Choice xmlns:p14="http://schemas.microsoft.com/office/powerpoint/2010/main" Requires="p14">
+      <mc:AlternateContent xmlns:mc="http://schemas.openxmlformats.org/markup-compatibility/2006" xmlns:p14="http://schemas.microsoft.com/office/powerpoint/2010/main">
+        <mc:Choice Requires="p14">
           <p:contentPart p14:bwMode="auto" r:id="rId38">
             <p14:nvContentPartPr>
               <p14:cNvPr id="21" name="Tinta 20">
@@ -14661,7 +14661,7 @@
             </p14:xfrm>
           </p:contentPart>
         </mc:Choice>
-        <mc:Fallback>
+        <mc:Fallback xmlns="">
           <p:pic>
             <p:nvPicPr>
               <p:cNvPr id="21" name="Tinta 20">
@@ -14692,8 +14692,8 @@
           </p:pic>
         </mc:Fallback>
       </mc:AlternateContent>
-      <mc:AlternateContent xmlns:mc="http://schemas.openxmlformats.org/markup-compatibility/2006">
-        <mc:Choice xmlns:p14="http://schemas.microsoft.com/office/powerpoint/2010/main" Requires="p14">
+      <mc:AlternateContent xmlns:mc="http://schemas.openxmlformats.org/markup-compatibility/2006" xmlns:p14="http://schemas.microsoft.com/office/powerpoint/2010/main">
+        <mc:Choice Requires="p14">
           <p:contentPart p14:bwMode="auto" r:id="rId40">
             <p14:nvContentPartPr>
               <p14:cNvPr id="22" name="Tinta 21">
@@ -14712,7 +14712,7 @@
             </p14:xfrm>
           </p:contentPart>
         </mc:Choice>
-        <mc:Fallback>
+        <mc:Fallback xmlns="">
           <p:pic>
             <p:nvPicPr>
               <p:cNvPr id="22" name="Tinta 21">
@@ -14743,8 +14743,8 @@
           </p:pic>
         </mc:Fallback>
       </mc:AlternateContent>
-      <mc:AlternateContent xmlns:mc="http://schemas.openxmlformats.org/markup-compatibility/2006">
-        <mc:Choice xmlns:p14="http://schemas.microsoft.com/office/powerpoint/2010/main" Requires="p14">
+      <mc:AlternateContent xmlns:mc="http://schemas.openxmlformats.org/markup-compatibility/2006" xmlns:p14="http://schemas.microsoft.com/office/powerpoint/2010/main">
+        <mc:Choice Requires="p14">
           <p:contentPart p14:bwMode="auto" r:id="rId42">
             <p14:nvContentPartPr>
               <p14:cNvPr id="23" name="Tinta 22">
@@ -14763,7 +14763,7 @@
             </p14:xfrm>
           </p:contentPart>
         </mc:Choice>
-        <mc:Fallback>
+        <mc:Fallback xmlns="">
           <p:pic>
             <p:nvPicPr>
               <p:cNvPr id="23" name="Tinta 22">
@@ -14794,8 +14794,8 @@
           </p:pic>
         </mc:Fallback>
       </mc:AlternateContent>
-      <mc:AlternateContent xmlns:mc="http://schemas.openxmlformats.org/markup-compatibility/2006">
-        <mc:Choice xmlns:p14="http://schemas.microsoft.com/office/powerpoint/2010/main" Requires="p14">
+      <mc:AlternateContent xmlns:mc="http://schemas.openxmlformats.org/markup-compatibility/2006" xmlns:p14="http://schemas.microsoft.com/office/powerpoint/2010/main">
+        <mc:Choice Requires="p14">
           <p:contentPart p14:bwMode="auto" r:id="rId44">
             <p14:nvContentPartPr>
               <p14:cNvPr id="24" name="Tinta 23">
@@ -14814,7 +14814,7 @@
             </p14:xfrm>
           </p:contentPart>
         </mc:Choice>
-        <mc:Fallback>
+        <mc:Fallback xmlns="">
           <p:pic>
             <p:nvPicPr>
               <p:cNvPr id="24" name="Tinta 23">
@@ -14845,8 +14845,8 @@
           </p:pic>
         </mc:Fallback>
       </mc:AlternateContent>
-      <mc:AlternateContent xmlns:mc="http://schemas.openxmlformats.org/markup-compatibility/2006">
-        <mc:Choice xmlns:p14="http://schemas.microsoft.com/office/powerpoint/2010/main" Requires="p14">
+      <mc:AlternateContent xmlns:mc="http://schemas.openxmlformats.org/markup-compatibility/2006" xmlns:p14="http://schemas.microsoft.com/office/powerpoint/2010/main">
+        <mc:Choice Requires="p14">
           <p:contentPart p14:bwMode="auto" r:id="rId46">
             <p14:nvContentPartPr>
               <p14:cNvPr id="25" name="Tinta 24">
@@ -14865,7 +14865,7 @@
             </p14:xfrm>
           </p:contentPart>
         </mc:Choice>
-        <mc:Fallback>
+        <mc:Fallback xmlns="">
           <p:pic>
             <p:nvPicPr>
               <p:cNvPr id="25" name="Tinta 24">
@@ -14896,8 +14896,8 @@
           </p:pic>
         </mc:Fallback>
       </mc:AlternateContent>
-      <mc:AlternateContent xmlns:mc="http://schemas.openxmlformats.org/markup-compatibility/2006">
-        <mc:Choice xmlns:p14="http://schemas.microsoft.com/office/powerpoint/2010/main" Requires="p14">
+      <mc:AlternateContent xmlns:mc="http://schemas.openxmlformats.org/markup-compatibility/2006" xmlns:p14="http://schemas.microsoft.com/office/powerpoint/2010/main">
+        <mc:Choice Requires="p14">
           <p:contentPart p14:bwMode="auto" r:id="rId48">
             <p14:nvContentPartPr>
               <p14:cNvPr id="27" name="Tinta 26">
@@ -14916,7 +14916,7 @@
             </p14:xfrm>
           </p:contentPart>
         </mc:Choice>
-        <mc:Fallback>
+        <mc:Fallback xmlns="">
           <p:pic>
             <p:nvPicPr>
               <p:cNvPr id="27" name="Tinta 26">
@@ -14947,8 +14947,8 @@
           </p:pic>
         </mc:Fallback>
       </mc:AlternateContent>
-      <mc:AlternateContent xmlns:mc="http://schemas.openxmlformats.org/markup-compatibility/2006">
-        <mc:Choice xmlns:p14="http://schemas.microsoft.com/office/powerpoint/2010/main" Requires="p14">
+      <mc:AlternateContent xmlns:mc="http://schemas.openxmlformats.org/markup-compatibility/2006" xmlns:p14="http://schemas.microsoft.com/office/powerpoint/2010/main">
+        <mc:Choice Requires="p14">
           <p:contentPart p14:bwMode="auto" r:id="rId50">
             <p14:nvContentPartPr>
               <p14:cNvPr id="28" name="Tinta 27">
@@ -14967,7 +14967,7 @@
             </p14:xfrm>
           </p:contentPart>
         </mc:Choice>
-        <mc:Fallback>
+        <mc:Fallback xmlns="">
           <p:pic>
             <p:nvPicPr>
               <p:cNvPr id="28" name="Tinta 27">
@@ -14998,8 +14998,8 @@
           </p:pic>
         </mc:Fallback>
       </mc:AlternateContent>
-      <mc:AlternateContent xmlns:mc="http://schemas.openxmlformats.org/markup-compatibility/2006">
-        <mc:Choice xmlns:p14="http://schemas.microsoft.com/office/powerpoint/2010/main" Requires="p14">
+      <mc:AlternateContent xmlns:mc="http://schemas.openxmlformats.org/markup-compatibility/2006" xmlns:p14="http://schemas.microsoft.com/office/powerpoint/2010/main">
+        <mc:Choice Requires="p14">
           <p:contentPart p14:bwMode="auto" r:id="rId52">
             <p14:nvContentPartPr>
               <p14:cNvPr id="30" name="Tinta 29">
@@ -15018,7 +15018,7 @@
             </p14:xfrm>
           </p:contentPart>
         </mc:Choice>
-        <mc:Fallback>
+        <mc:Fallback xmlns="">
           <p:pic>
             <p:nvPicPr>
               <p:cNvPr id="30" name="Tinta 29">
@@ -15049,8 +15049,8 @@
           </p:pic>
         </mc:Fallback>
       </mc:AlternateContent>
-      <mc:AlternateContent xmlns:mc="http://schemas.openxmlformats.org/markup-compatibility/2006">
-        <mc:Choice xmlns:p14="http://schemas.microsoft.com/office/powerpoint/2010/main" Requires="p14">
+      <mc:AlternateContent xmlns:mc="http://schemas.openxmlformats.org/markup-compatibility/2006" xmlns:p14="http://schemas.microsoft.com/office/powerpoint/2010/main">
+        <mc:Choice Requires="p14">
           <p:contentPart p14:bwMode="auto" r:id="rId54">
             <p14:nvContentPartPr>
               <p14:cNvPr id="31" name="Tinta 30">
@@ -15069,7 +15069,7 @@
             </p14:xfrm>
           </p:contentPart>
         </mc:Choice>
-        <mc:Fallback>
+        <mc:Fallback xmlns="">
           <p:pic>
             <p:nvPicPr>
               <p:cNvPr id="31" name="Tinta 30">
@@ -15100,8 +15100,8 @@
           </p:pic>
         </mc:Fallback>
       </mc:AlternateContent>
-      <mc:AlternateContent xmlns:mc="http://schemas.openxmlformats.org/markup-compatibility/2006">
-        <mc:Choice xmlns:p14="http://schemas.microsoft.com/office/powerpoint/2010/main" Requires="p14">
+      <mc:AlternateContent xmlns:mc="http://schemas.openxmlformats.org/markup-compatibility/2006" xmlns:p14="http://schemas.microsoft.com/office/powerpoint/2010/main">
+        <mc:Choice Requires="p14">
           <p:contentPart p14:bwMode="auto" r:id="rId56">
             <p14:nvContentPartPr>
               <p14:cNvPr id="32" name="Tinta 31">
@@ -15120,7 +15120,7 @@
             </p14:xfrm>
           </p:contentPart>
         </mc:Choice>
-        <mc:Fallback>
+        <mc:Fallback xmlns="">
           <p:pic>
             <p:nvPicPr>
               <p:cNvPr id="32" name="Tinta 31">
@@ -15151,8 +15151,8 @@
           </p:pic>
         </mc:Fallback>
       </mc:AlternateContent>
-      <mc:AlternateContent xmlns:mc="http://schemas.openxmlformats.org/markup-compatibility/2006">
-        <mc:Choice xmlns:p14="http://schemas.microsoft.com/office/powerpoint/2010/main" Requires="p14">
+      <mc:AlternateContent xmlns:mc="http://schemas.openxmlformats.org/markup-compatibility/2006" xmlns:p14="http://schemas.microsoft.com/office/powerpoint/2010/main">
+        <mc:Choice Requires="p14">
           <p:contentPart p14:bwMode="auto" r:id="rId58">
             <p14:nvContentPartPr>
               <p14:cNvPr id="33" name="Tinta 32">
@@ -15171,7 +15171,7 @@
             </p14:xfrm>
           </p:contentPart>
         </mc:Choice>
-        <mc:Fallback>
+        <mc:Fallback xmlns="">
           <p:pic>
             <p:nvPicPr>
               <p:cNvPr id="33" name="Tinta 32">
@@ -15202,8 +15202,8 @@
           </p:pic>
         </mc:Fallback>
       </mc:AlternateContent>
-      <mc:AlternateContent xmlns:mc="http://schemas.openxmlformats.org/markup-compatibility/2006">
-        <mc:Choice xmlns:p14="http://schemas.microsoft.com/office/powerpoint/2010/main" Requires="p14">
+      <mc:AlternateContent xmlns:mc="http://schemas.openxmlformats.org/markup-compatibility/2006" xmlns:p14="http://schemas.microsoft.com/office/powerpoint/2010/main">
+        <mc:Choice Requires="p14">
           <p:contentPart p14:bwMode="auto" r:id="rId60">
             <p14:nvContentPartPr>
               <p14:cNvPr id="34" name="Tinta 33">
@@ -15222,7 +15222,7 @@
             </p14:xfrm>
           </p:contentPart>
         </mc:Choice>
-        <mc:Fallback>
+        <mc:Fallback xmlns="">
           <p:pic>
             <p:nvPicPr>
               <p:cNvPr id="34" name="Tinta 33">
@@ -15253,8 +15253,8 @@
           </p:pic>
         </mc:Fallback>
       </mc:AlternateContent>
-      <mc:AlternateContent xmlns:mc="http://schemas.openxmlformats.org/markup-compatibility/2006">
-        <mc:Choice xmlns:p14="http://schemas.microsoft.com/office/powerpoint/2010/main" Requires="p14">
+      <mc:AlternateContent xmlns:mc="http://schemas.openxmlformats.org/markup-compatibility/2006" xmlns:p14="http://schemas.microsoft.com/office/powerpoint/2010/main">
+        <mc:Choice Requires="p14">
           <p:contentPart p14:bwMode="auto" r:id="rId62">
             <p14:nvContentPartPr>
               <p14:cNvPr id="35" name="Tinta 34">
@@ -15273,7 +15273,7 @@
             </p14:xfrm>
           </p:contentPart>
         </mc:Choice>
-        <mc:Fallback>
+        <mc:Fallback xmlns="">
           <p:pic>
             <p:nvPicPr>
               <p:cNvPr id="35" name="Tinta 34">
@@ -15304,8 +15304,8 @@
           </p:pic>
         </mc:Fallback>
       </mc:AlternateContent>
-      <mc:AlternateContent xmlns:mc="http://schemas.openxmlformats.org/markup-compatibility/2006">
-        <mc:Choice xmlns:p14="http://schemas.microsoft.com/office/powerpoint/2010/main" Requires="p14">
+      <mc:AlternateContent xmlns:mc="http://schemas.openxmlformats.org/markup-compatibility/2006" xmlns:p14="http://schemas.microsoft.com/office/powerpoint/2010/main">
+        <mc:Choice Requires="p14">
           <p:contentPart p14:bwMode="auto" r:id="rId64">
             <p14:nvContentPartPr>
               <p14:cNvPr id="36" name="Tinta 35">
@@ -15324,7 +15324,7 @@
             </p14:xfrm>
           </p:contentPart>
         </mc:Choice>
-        <mc:Fallback>
+        <mc:Fallback xmlns="">
           <p:pic>
             <p:nvPicPr>
               <p:cNvPr id="36" name="Tinta 35">
@@ -15355,8 +15355,8 @@
           </p:pic>
         </mc:Fallback>
       </mc:AlternateContent>
-      <mc:AlternateContent xmlns:mc="http://schemas.openxmlformats.org/markup-compatibility/2006">
-        <mc:Choice xmlns:p14="http://schemas.microsoft.com/office/powerpoint/2010/main" Requires="p14">
+      <mc:AlternateContent xmlns:mc="http://schemas.openxmlformats.org/markup-compatibility/2006" xmlns:p14="http://schemas.microsoft.com/office/powerpoint/2010/main">
+        <mc:Choice Requires="p14">
           <p:contentPart p14:bwMode="auto" r:id="rId66">
             <p14:nvContentPartPr>
               <p14:cNvPr id="37" name="Tinta 36">
@@ -15375,7 +15375,7 @@
             </p14:xfrm>
           </p:contentPart>
         </mc:Choice>
-        <mc:Fallback>
+        <mc:Fallback xmlns="">
           <p:pic>
             <p:nvPicPr>
               <p:cNvPr id="37" name="Tinta 36">
@@ -15406,8 +15406,8 @@
           </p:pic>
         </mc:Fallback>
       </mc:AlternateContent>
-      <mc:AlternateContent xmlns:mc="http://schemas.openxmlformats.org/markup-compatibility/2006">
-        <mc:Choice xmlns:p14="http://schemas.microsoft.com/office/powerpoint/2010/main" Requires="p14">
+      <mc:AlternateContent xmlns:mc="http://schemas.openxmlformats.org/markup-compatibility/2006" xmlns:p14="http://schemas.microsoft.com/office/powerpoint/2010/main">
+        <mc:Choice Requires="p14">
           <p:contentPart p14:bwMode="auto" r:id="rId68">
             <p14:nvContentPartPr>
               <p14:cNvPr id="39" name="Tinta 38">
@@ -15426,7 +15426,7 @@
             </p14:xfrm>
           </p:contentPart>
         </mc:Choice>
-        <mc:Fallback>
+        <mc:Fallback xmlns="">
           <p:pic>
             <p:nvPicPr>
               <p:cNvPr id="39" name="Tinta 38">
@@ -15457,8 +15457,8 @@
           </p:pic>
         </mc:Fallback>
       </mc:AlternateContent>
-      <mc:AlternateContent xmlns:mc="http://schemas.openxmlformats.org/markup-compatibility/2006">
-        <mc:Choice xmlns:p14="http://schemas.microsoft.com/office/powerpoint/2010/main" Requires="p14">
+      <mc:AlternateContent xmlns:mc="http://schemas.openxmlformats.org/markup-compatibility/2006" xmlns:p14="http://schemas.microsoft.com/office/powerpoint/2010/main">
+        <mc:Choice Requires="p14">
           <p:contentPart p14:bwMode="auto" r:id="rId70">
             <p14:nvContentPartPr>
               <p14:cNvPr id="40" name="Tinta 39">
@@ -15477,7 +15477,7 @@
             </p14:xfrm>
           </p:contentPart>
         </mc:Choice>
-        <mc:Fallback>
+        <mc:Fallback xmlns="">
           <p:pic>
             <p:nvPicPr>
               <p:cNvPr id="40" name="Tinta 39">
@@ -15508,8 +15508,8 @@
           </p:pic>
         </mc:Fallback>
       </mc:AlternateContent>
-      <mc:AlternateContent xmlns:mc="http://schemas.openxmlformats.org/markup-compatibility/2006">
-        <mc:Choice xmlns:p14="http://schemas.microsoft.com/office/powerpoint/2010/main" Requires="p14">
+      <mc:AlternateContent xmlns:mc="http://schemas.openxmlformats.org/markup-compatibility/2006" xmlns:p14="http://schemas.microsoft.com/office/powerpoint/2010/main">
+        <mc:Choice Requires="p14">
           <p:contentPart p14:bwMode="auto" r:id="rId72">
             <p14:nvContentPartPr>
               <p14:cNvPr id="41" name="Tinta 40">
@@ -15528,7 +15528,7 @@
             </p14:xfrm>
           </p:contentPart>
         </mc:Choice>
-        <mc:Fallback>
+        <mc:Fallback xmlns="">
           <p:pic>
             <p:nvPicPr>
               <p:cNvPr id="41" name="Tinta 40">
@@ -15559,8 +15559,8 @@
           </p:pic>
         </mc:Fallback>
       </mc:AlternateContent>
-      <mc:AlternateContent xmlns:mc="http://schemas.openxmlformats.org/markup-compatibility/2006">
-        <mc:Choice xmlns:p14="http://schemas.microsoft.com/office/powerpoint/2010/main" Requires="p14">
+      <mc:AlternateContent xmlns:mc="http://schemas.openxmlformats.org/markup-compatibility/2006" xmlns:p14="http://schemas.microsoft.com/office/powerpoint/2010/main">
+        <mc:Choice Requires="p14">
           <p:contentPart p14:bwMode="auto" r:id="rId74">
             <p14:nvContentPartPr>
               <p14:cNvPr id="42" name="Tinta 41">
@@ -15579,7 +15579,7 @@
             </p14:xfrm>
           </p:contentPart>
         </mc:Choice>
-        <mc:Fallback>
+        <mc:Fallback xmlns="">
           <p:pic>
             <p:nvPicPr>
               <p:cNvPr id="42" name="Tinta 41">
@@ -15610,8 +15610,8 @@
           </p:pic>
         </mc:Fallback>
       </mc:AlternateContent>
-      <mc:AlternateContent xmlns:mc="http://schemas.openxmlformats.org/markup-compatibility/2006">
-        <mc:Choice xmlns:p14="http://schemas.microsoft.com/office/powerpoint/2010/main" Requires="p14">
+      <mc:AlternateContent xmlns:mc="http://schemas.openxmlformats.org/markup-compatibility/2006" xmlns:p14="http://schemas.microsoft.com/office/powerpoint/2010/main">
+        <mc:Choice Requires="p14">
           <p:contentPart p14:bwMode="auto" r:id="rId76">
             <p14:nvContentPartPr>
               <p14:cNvPr id="43" name="Tinta 42">
@@ -15630,7 +15630,7 @@
             </p14:xfrm>
           </p:contentPart>
         </mc:Choice>
-        <mc:Fallback>
+        <mc:Fallback xmlns="">
           <p:pic>
             <p:nvPicPr>
               <p:cNvPr id="43" name="Tinta 42">
@@ -15661,8 +15661,8 @@
           </p:pic>
         </mc:Fallback>
       </mc:AlternateContent>
-      <mc:AlternateContent xmlns:mc="http://schemas.openxmlformats.org/markup-compatibility/2006">
-        <mc:Choice xmlns:p14="http://schemas.microsoft.com/office/powerpoint/2010/main" Requires="p14">
+      <mc:AlternateContent xmlns:mc="http://schemas.openxmlformats.org/markup-compatibility/2006" xmlns:p14="http://schemas.microsoft.com/office/powerpoint/2010/main">
+        <mc:Choice Requires="p14">
           <p:contentPart p14:bwMode="auto" r:id="rId78">
             <p14:nvContentPartPr>
               <p14:cNvPr id="44" name="Tinta 43">
@@ -15681,7 +15681,7 @@
             </p14:xfrm>
           </p:contentPart>
         </mc:Choice>
-        <mc:Fallback>
+        <mc:Fallback xmlns="">
           <p:pic>
             <p:nvPicPr>
               <p:cNvPr id="44" name="Tinta 43">
@@ -15712,8 +15712,8 @@
           </p:pic>
         </mc:Fallback>
       </mc:AlternateContent>
-      <mc:AlternateContent xmlns:mc="http://schemas.openxmlformats.org/markup-compatibility/2006">
-        <mc:Choice xmlns:p14="http://schemas.microsoft.com/office/powerpoint/2010/main" Requires="p14">
+      <mc:AlternateContent xmlns:mc="http://schemas.openxmlformats.org/markup-compatibility/2006" xmlns:p14="http://schemas.microsoft.com/office/powerpoint/2010/main">
+        <mc:Choice Requires="p14">
           <p:contentPart p14:bwMode="auto" r:id="rId80">
             <p14:nvContentPartPr>
               <p14:cNvPr id="45" name="Tinta 44">
@@ -15732,7 +15732,7 @@
             </p14:xfrm>
           </p:contentPart>
         </mc:Choice>
-        <mc:Fallback>
+        <mc:Fallback xmlns="">
           <p:pic>
             <p:nvPicPr>
               <p:cNvPr id="45" name="Tinta 44">
@@ -15763,8 +15763,8 @@
           </p:pic>
         </mc:Fallback>
       </mc:AlternateContent>
-      <mc:AlternateContent xmlns:mc="http://schemas.openxmlformats.org/markup-compatibility/2006">
-        <mc:Choice xmlns:p14="http://schemas.microsoft.com/office/powerpoint/2010/main" Requires="p14">
+      <mc:AlternateContent xmlns:mc="http://schemas.openxmlformats.org/markup-compatibility/2006" xmlns:p14="http://schemas.microsoft.com/office/powerpoint/2010/main">
+        <mc:Choice Requires="p14">
           <p:contentPart p14:bwMode="auto" r:id="rId82">
             <p14:nvContentPartPr>
               <p14:cNvPr id="48" name="Tinta 47">
@@ -15783,7 +15783,7 @@
             </p14:xfrm>
           </p:contentPart>
         </mc:Choice>
-        <mc:Fallback>
+        <mc:Fallback xmlns="">
           <p:pic>
             <p:nvPicPr>
               <p:cNvPr id="48" name="Tinta 47">
@@ -15814,8 +15814,8 @@
           </p:pic>
         </mc:Fallback>
       </mc:AlternateContent>
-      <mc:AlternateContent xmlns:mc="http://schemas.openxmlformats.org/markup-compatibility/2006">
-        <mc:Choice xmlns:p14="http://schemas.microsoft.com/office/powerpoint/2010/main" Requires="p14">
+      <mc:AlternateContent xmlns:mc="http://schemas.openxmlformats.org/markup-compatibility/2006" xmlns:p14="http://schemas.microsoft.com/office/powerpoint/2010/main">
+        <mc:Choice Requires="p14">
           <p:contentPart p14:bwMode="auto" r:id="rId84">
             <p14:nvContentPartPr>
               <p14:cNvPr id="49" name="Tinta 48">
@@ -15834,7 +15834,7 @@
             </p14:xfrm>
           </p:contentPart>
         </mc:Choice>
-        <mc:Fallback>
+        <mc:Fallback xmlns="">
           <p:pic>
             <p:nvPicPr>
               <p:cNvPr id="49" name="Tinta 48">
@@ -15865,8 +15865,8 @@
           </p:pic>
         </mc:Fallback>
       </mc:AlternateContent>
-      <mc:AlternateContent xmlns:mc="http://schemas.openxmlformats.org/markup-compatibility/2006">
-        <mc:Choice xmlns:p14="http://schemas.microsoft.com/office/powerpoint/2010/main" Requires="p14">
+      <mc:AlternateContent xmlns:mc="http://schemas.openxmlformats.org/markup-compatibility/2006" xmlns:p14="http://schemas.microsoft.com/office/powerpoint/2010/main">
+        <mc:Choice Requires="p14">
           <p:contentPart p14:bwMode="auto" r:id="rId86">
             <p14:nvContentPartPr>
               <p14:cNvPr id="50" name="Tinta 49">
@@ -15885,7 +15885,7 @@
             </p14:xfrm>
           </p:contentPart>
         </mc:Choice>
-        <mc:Fallback>
+        <mc:Fallback xmlns="">
           <p:pic>
             <p:nvPicPr>
               <p:cNvPr id="50" name="Tinta 49">
@@ -15916,8 +15916,8 @@
           </p:pic>
         </mc:Fallback>
       </mc:AlternateContent>
-      <mc:AlternateContent xmlns:mc="http://schemas.openxmlformats.org/markup-compatibility/2006">
-        <mc:Choice xmlns:p14="http://schemas.microsoft.com/office/powerpoint/2010/main" Requires="p14">
+      <mc:AlternateContent xmlns:mc="http://schemas.openxmlformats.org/markup-compatibility/2006" xmlns:p14="http://schemas.microsoft.com/office/powerpoint/2010/main">
+        <mc:Choice Requires="p14">
           <p:contentPart p14:bwMode="auto" r:id="rId88">
             <p14:nvContentPartPr>
               <p14:cNvPr id="51" name="Tinta 50">
@@ -15936,7 +15936,7 @@
             </p14:xfrm>
           </p:contentPart>
         </mc:Choice>
-        <mc:Fallback>
+        <mc:Fallback xmlns="">
           <p:pic>
             <p:nvPicPr>
               <p:cNvPr id="51" name="Tinta 50">
@@ -15967,8 +15967,8 @@
           </p:pic>
         </mc:Fallback>
       </mc:AlternateContent>
-      <mc:AlternateContent xmlns:mc="http://schemas.openxmlformats.org/markup-compatibility/2006">
-        <mc:Choice xmlns:p14="http://schemas.microsoft.com/office/powerpoint/2010/main" Requires="p14">
+      <mc:AlternateContent xmlns:mc="http://schemas.openxmlformats.org/markup-compatibility/2006" xmlns:p14="http://schemas.microsoft.com/office/powerpoint/2010/main">
+        <mc:Choice Requires="p14">
           <p:contentPart p14:bwMode="auto" r:id="rId90">
             <p14:nvContentPartPr>
               <p14:cNvPr id="52" name="Tinta 51">
@@ -15987,7 +15987,7 @@
             </p14:xfrm>
           </p:contentPart>
         </mc:Choice>
-        <mc:Fallback>
+        <mc:Fallback xmlns="">
           <p:pic>
             <p:nvPicPr>
               <p:cNvPr id="52" name="Tinta 51">
@@ -16018,8 +16018,8 @@
           </p:pic>
         </mc:Fallback>
       </mc:AlternateContent>
-      <mc:AlternateContent xmlns:mc="http://schemas.openxmlformats.org/markup-compatibility/2006">
-        <mc:Choice xmlns:p14="http://schemas.microsoft.com/office/powerpoint/2010/main" Requires="p14">
+      <mc:AlternateContent xmlns:mc="http://schemas.openxmlformats.org/markup-compatibility/2006" xmlns:p14="http://schemas.microsoft.com/office/powerpoint/2010/main">
+        <mc:Choice Requires="p14">
           <p:contentPart p14:bwMode="auto" r:id="rId92">
             <p14:nvContentPartPr>
               <p14:cNvPr id="53" name="Tinta 52">
@@ -16038,7 +16038,7 @@
             </p14:xfrm>
           </p:contentPart>
         </mc:Choice>
-        <mc:Fallback>
+        <mc:Fallback xmlns="">
           <p:pic>
             <p:nvPicPr>
               <p:cNvPr id="53" name="Tinta 52">
@@ -16069,8 +16069,8 @@
           </p:pic>
         </mc:Fallback>
       </mc:AlternateContent>
-      <mc:AlternateContent xmlns:mc="http://schemas.openxmlformats.org/markup-compatibility/2006">
-        <mc:Choice xmlns:p14="http://schemas.microsoft.com/office/powerpoint/2010/main" Requires="p14">
+      <mc:AlternateContent xmlns:mc="http://schemas.openxmlformats.org/markup-compatibility/2006" xmlns:p14="http://schemas.microsoft.com/office/powerpoint/2010/main">
+        <mc:Choice Requires="p14">
           <p:contentPart p14:bwMode="auto" r:id="rId94">
             <p14:nvContentPartPr>
               <p14:cNvPr id="54" name="Tinta 53">
@@ -16089,7 +16089,7 @@
             </p14:xfrm>
           </p:contentPart>
         </mc:Choice>
-        <mc:Fallback>
+        <mc:Fallback xmlns="">
           <p:pic>
             <p:nvPicPr>
               <p:cNvPr id="54" name="Tinta 53">
@@ -16120,8 +16120,8 @@
           </p:pic>
         </mc:Fallback>
       </mc:AlternateContent>
-      <mc:AlternateContent xmlns:mc="http://schemas.openxmlformats.org/markup-compatibility/2006">
-        <mc:Choice xmlns:p14="http://schemas.microsoft.com/office/powerpoint/2010/main" Requires="p14">
+      <mc:AlternateContent xmlns:mc="http://schemas.openxmlformats.org/markup-compatibility/2006" xmlns:p14="http://schemas.microsoft.com/office/powerpoint/2010/main">
+        <mc:Choice Requires="p14">
           <p:contentPart p14:bwMode="auto" r:id="rId96">
             <p14:nvContentPartPr>
               <p14:cNvPr id="55" name="Tinta 54">
@@ -16140,7 +16140,7 @@
             </p14:xfrm>
           </p:contentPart>
         </mc:Choice>
-        <mc:Fallback>
+        <mc:Fallback xmlns="">
           <p:pic>
             <p:nvPicPr>
               <p:cNvPr id="55" name="Tinta 54">
@@ -16171,8 +16171,8 @@
           </p:pic>
         </mc:Fallback>
       </mc:AlternateContent>
-      <mc:AlternateContent xmlns:mc="http://schemas.openxmlformats.org/markup-compatibility/2006">
-        <mc:Choice xmlns:p14="http://schemas.microsoft.com/office/powerpoint/2010/main" Requires="p14">
+      <mc:AlternateContent xmlns:mc="http://schemas.openxmlformats.org/markup-compatibility/2006" xmlns:p14="http://schemas.microsoft.com/office/powerpoint/2010/main">
+        <mc:Choice Requires="p14">
           <p:contentPart p14:bwMode="auto" r:id="rId98">
             <p14:nvContentPartPr>
               <p14:cNvPr id="56" name="Tinta 55">
@@ -16191,7 +16191,7 @@
             </p14:xfrm>
           </p:contentPart>
         </mc:Choice>
-        <mc:Fallback>
+        <mc:Fallback xmlns="">
           <p:pic>
             <p:nvPicPr>
               <p:cNvPr id="56" name="Tinta 55">
@@ -16222,8 +16222,8 @@
           </p:pic>
         </mc:Fallback>
       </mc:AlternateContent>
-      <mc:AlternateContent xmlns:mc="http://schemas.openxmlformats.org/markup-compatibility/2006">
-        <mc:Choice xmlns:p14="http://schemas.microsoft.com/office/powerpoint/2010/main" Requires="p14">
+      <mc:AlternateContent xmlns:mc="http://schemas.openxmlformats.org/markup-compatibility/2006" xmlns:p14="http://schemas.microsoft.com/office/powerpoint/2010/main">
+        <mc:Choice Requires="p14">
           <p:contentPart p14:bwMode="auto" r:id="rId100">
             <p14:nvContentPartPr>
               <p14:cNvPr id="57" name="Tinta 56">
@@ -16242,7 +16242,7 @@
             </p14:xfrm>
           </p:contentPart>
         </mc:Choice>
-        <mc:Fallback>
+        <mc:Fallback xmlns="">
           <p:pic>
             <p:nvPicPr>
               <p:cNvPr id="57" name="Tinta 56">
@@ -16273,8 +16273,8 @@
           </p:pic>
         </mc:Fallback>
       </mc:AlternateContent>
-      <mc:AlternateContent xmlns:mc="http://schemas.openxmlformats.org/markup-compatibility/2006">
-        <mc:Choice xmlns:p14="http://schemas.microsoft.com/office/powerpoint/2010/main" Requires="p14">
+      <mc:AlternateContent xmlns:mc="http://schemas.openxmlformats.org/markup-compatibility/2006" xmlns:p14="http://schemas.microsoft.com/office/powerpoint/2010/main">
+        <mc:Choice Requires="p14">
           <p:contentPart p14:bwMode="auto" r:id="rId102">
             <p14:nvContentPartPr>
               <p14:cNvPr id="58" name="Tinta 57">
@@ -16293,7 +16293,7 @@
             </p14:xfrm>
           </p:contentPart>
         </mc:Choice>
-        <mc:Fallback>
+        <mc:Fallback xmlns="">
           <p:pic>
             <p:nvPicPr>
               <p:cNvPr id="58" name="Tinta 57">
@@ -16324,8 +16324,8 @@
           </p:pic>
         </mc:Fallback>
       </mc:AlternateContent>
-      <mc:AlternateContent xmlns:mc="http://schemas.openxmlformats.org/markup-compatibility/2006">
-        <mc:Choice xmlns:p14="http://schemas.microsoft.com/office/powerpoint/2010/main" Requires="p14">
+      <mc:AlternateContent xmlns:mc="http://schemas.openxmlformats.org/markup-compatibility/2006" xmlns:p14="http://schemas.microsoft.com/office/powerpoint/2010/main">
+        <mc:Choice Requires="p14">
           <p:contentPart p14:bwMode="auto" r:id="rId104">
             <p14:nvContentPartPr>
               <p14:cNvPr id="59" name="Tinta 58">
@@ -16344,7 +16344,7 @@
             </p14:xfrm>
           </p:contentPart>
         </mc:Choice>
-        <mc:Fallback>
+        <mc:Fallback xmlns="">
           <p:pic>
             <p:nvPicPr>
               <p:cNvPr id="59" name="Tinta 58">
@@ -16375,8 +16375,8 @@
           </p:pic>
         </mc:Fallback>
       </mc:AlternateContent>
-      <mc:AlternateContent xmlns:mc="http://schemas.openxmlformats.org/markup-compatibility/2006">
-        <mc:Choice xmlns:p14="http://schemas.microsoft.com/office/powerpoint/2010/main" Requires="p14">
+      <mc:AlternateContent xmlns:mc="http://schemas.openxmlformats.org/markup-compatibility/2006" xmlns:p14="http://schemas.microsoft.com/office/powerpoint/2010/main">
+        <mc:Choice Requires="p14">
           <p:contentPart p14:bwMode="auto" r:id="rId106">
             <p14:nvContentPartPr>
               <p14:cNvPr id="60" name="Tinta 59">
@@ -16395,7 +16395,7 @@
             </p14:xfrm>
           </p:contentPart>
         </mc:Choice>
-        <mc:Fallback>
+        <mc:Fallback xmlns="">
           <p:pic>
             <p:nvPicPr>
               <p:cNvPr id="60" name="Tinta 59">
@@ -16426,8 +16426,8 @@
           </p:pic>
         </mc:Fallback>
       </mc:AlternateContent>
-      <mc:AlternateContent xmlns:mc="http://schemas.openxmlformats.org/markup-compatibility/2006">
-        <mc:Choice xmlns:p14="http://schemas.microsoft.com/office/powerpoint/2010/main" Requires="p14">
+      <mc:AlternateContent xmlns:mc="http://schemas.openxmlformats.org/markup-compatibility/2006" xmlns:p14="http://schemas.microsoft.com/office/powerpoint/2010/main">
+        <mc:Choice Requires="p14">
           <p:contentPart p14:bwMode="auto" r:id="rId108">
             <p14:nvContentPartPr>
               <p14:cNvPr id="61" name="Tinta 60">
@@ -16446,7 +16446,7 @@
             </p14:xfrm>
           </p:contentPart>
         </mc:Choice>
-        <mc:Fallback>
+        <mc:Fallback xmlns="">
           <p:pic>
             <p:nvPicPr>
               <p:cNvPr id="61" name="Tinta 60">
@@ -16477,8 +16477,8 @@
           </p:pic>
         </mc:Fallback>
       </mc:AlternateContent>
-      <mc:AlternateContent xmlns:mc="http://schemas.openxmlformats.org/markup-compatibility/2006">
-        <mc:Choice xmlns:p14="http://schemas.microsoft.com/office/powerpoint/2010/main" Requires="p14">
+      <mc:AlternateContent xmlns:mc="http://schemas.openxmlformats.org/markup-compatibility/2006" xmlns:p14="http://schemas.microsoft.com/office/powerpoint/2010/main">
+        <mc:Choice Requires="p14">
           <p:contentPart p14:bwMode="auto" r:id="rId110">
             <p14:nvContentPartPr>
               <p14:cNvPr id="62" name="Tinta 61">
@@ -16497,7 +16497,7 @@
             </p14:xfrm>
           </p:contentPart>
         </mc:Choice>
-        <mc:Fallback>
+        <mc:Fallback xmlns="">
           <p:pic>
             <p:nvPicPr>
               <p:cNvPr id="62" name="Tinta 61">
@@ -16528,8 +16528,8 @@
           </p:pic>
         </mc:Fallback>
       </mc:AlternateContent>
-      <mc:AlternateContent xmlns:mc="http://schemas.openxmlformats.org/markup-compatibility/2006">
-        <mc:Choice xmlns:p14="http://schemas.microsoft.com/office/powerpoint/2010/main" Requires="p14">
+      <mc:AlternateContent xmlns:mc="http://schemas.openxmlformats.org/markup-compatibility/2006" xmlns:p14="http://schemas.microsoft.com/office/powerpoint/2010/main">
+        <mc:Choice Requires="p14">
           <p:contentPart p14:bwMode="auto" r:id="rId112">
             <p14:nvContentPartPr>
               <p14:cNvPr id="63" name="Tinta 62">
@@ -16548,7 +16548,7 @@
             </p14:xfrm>
           </p:contentPart>
         </mc:Choice>
-        <mc:Fallback>
+        <mc:Fallback xmlns="">
           <p:pic>
             <p:nvPicPr>
               <p:cNvPr id="63" name="Tinta 62">
@@ -16579,8 +16579,8 @@
           </p:pic>
         </mc:Fallback>
       </mc:AlternateContent>
-      <mc:AlternateContent xmlns:mc="http://schemas.openxmlformats.org/markup-compatibility/2006">
-        <mc:Choice xmlns:p14="http://schemas.microsoft.com/office/powerpoint/2010/main" Requires="p14">
+      <mc:AlternateContent xmlns:mc="http://schemas.openxmlformats.org/markup-compatibility/2006" xmlns:p14="http://schemas.microsoft.com/office/powerpoint/2010/main">
+        <mc:Choice Requires="p14">
           <p:contentPart p14:bwMode="auto" r:id="rId114">
             <p14:nvContentPartPr>
               <p14:cNvPr id="64" name="Tinta 63">
@@ -16599,7 +16599,7 @@
             </p14:xfrm>
           </p:contentPart>
         </mc:Choice>
-        <mc:Fallback>
+        <mc:Fallback xmlns="">
           <p:pic>
             <p:nvPicPr>
               <p:cNvPr id="64" name="Tinta 63">
@@ -16630,8 +16630,8 @@
           </p:pic>
         </mc:Fallback>
       </mc:AlternateContent>
-      <mc:AlternateContent xmlns:mc="http://schemas.openxmlformats.org/markup-compatibility/2006">
-        <mc:Choice xmlns:p14="http://schemas.microsoft.com/office/powerpoint/2010/main" Requires="p14">
+      <mc:AlternateContent xmlns:mc="http://schemas.openxmlformats.org/markup-compatibility/2006" xmlns:p14="http://schemas.microsoft.com/office/powerpoint/2010/main">
+        <mc:Choice Requires="p14">
           <p:contentPart p14:bwMode="auto" r:id="rId116">
             <p14:nvContentPartPr>
               <p14:cNvPr id="65" name="Tinta 64">
@@ -16650,7 +16650,7 @@
             </p14:xfrm>
           </p:contentPart>
         </mc:Choice>
-        <mc:Fallback>
+        <mc:Fallback xmlns="">
           <p:pic>
             <p:nvPicPr>
               <p:cNvPr id="65" name="Tinta 64">
@@ -16681,8 +16681,8 @@
           </p:pic>
         </mc:Fallback>
       </mc:AlternateContent>
-      <mc:AlternateContent xmlns:mc="http://schemas.openxmlformats.org/markup-compatibility/2006">
-        <mc:Choice xmlns:p14="http://schemas.microsoft.com/office/powerpoint/2010/main" Requires="p14">
+      <mc:AlternateContent xmlns:mc="http://schemas.openxmlformats.org/markup-compatibility/2006" xmlns:p14="http://schemas.microsoft.com/office/powerpoint/2010/main">
+        <mc:Choice Requires="p14">
           <p:contentPart p14:bwMode="auto" r:id="rId117">
             <p14:nvContentPartPr>
               <p14:cNvPr id="67" name="Tinta 66">
@@ -16701,7 +16701,7 @@
             </p14:xfrm>
           </p:contentPart>
         </mc:Choice>
-        <mc:Fallback>
+        <mc:Fallback xmlns="">
           <p:pic>
             <p:nvPicPr>
               <p:cNvPr id="67" name="Tinta 66">
@@ -16732,8 +16732,8 @@
           </p:pic>
         </mc:Fallback>
       </mc:AlternateContent>
-      <mc:AlternateContent xmlns:mc="http://schemas.openxmlformats.org/markup-compatibility/2006">
-        <mc:Choice xmlns:p14="http://schemas.microsoft.com/office/powerpoint/2010/main" Requires="p14">
+      <mc:AlternateContent xmlns:mc="http://schemas.openxmlformats.org/markup-compatibility/2006" xmlns:p14="http://schemas.microsoft.com/office/powerpoint/2010/main">
+        <mc:Choice Requires="p14">
           <p:contentPart p14:bwMode="auto" r:id="rId119">
             <p14:nvContentPartPr>
               <p14:cNvPr id="68" name="Tinta 67">
@@ -16752,7 +16752,7 @@
             </p14:xfrm>
           </p:contentPart>
         </mc:Choice>
-        <mc:Fallback>
+        <mc:Fallback xmlns="">
           <p:pic>
             <p:nvPicPr>
               <p:cNvPr id="68" name="Tinta 67">
@@ -16783,8 +16783,8 @@
           </p:pic>
         </mc:Fallback>
       </mc:AlternateContent>
-      <mc:AlternateContent xmlns:mc="http://schemas.openxmlformats.org/markup-compatibility/2006">
-        <mc:Choice xmlns:p14="http://schemas.microsoft.com/office/powerpoint/2010/main" Requires="p14">
+      <mc:AlternateContent xmlns:mc="http://schemas.openxmlformats.org/markup-compatibility/2006" xmlns:p14="http://schemas.microsoft.com/office/powerpoint/2010/main">
+        <mc:Choice Requires="p14">
           <p:contentPart p14:bwMode="auto" r:id="rId121">
             <p14:nvContentPartPr>
               <p14:cNvPr id="73" name="Tinta 72">
@@ -16803,7 +16803,7 @@
             </p14:xfrm>
           </p:contentPart>
         </mc:Choice>
-        <mc:Fallback>
+        <mc:Fallback xmlns="">
           <p:pic>
             <p:nvPicPr>
               <p:cNvPr id="73" name="Tinta 72">
@@ -16834,8 +16834,8 @@
           </p:pic>
         </mc:Fallback>
       </mc:AlternateContent>
-      <mc:AlternateContent xmlns:mc="http://schemas.openxmlformats.org/markup-compatibility/2006">
-        <mc:Choice xmlns:p14="http://schemas.microsoft.com/office/powerpoint/2010/main" Requires="p14">
+      <mc:AlternateContent xmlns:mc="http://schemas.openxmlformats.org/markup-compatibility/2006" xmlns:p14="http://schemas.microsoft.com/office/powerpoint/2010/main">
+        <mc:Choice Requires="p14">
           <p:contentPart p14:bwMode="auto" r:id="rId123">
             <p14:nvContentPartPr>
               <p14:cNvPr id="74" name="Tinta 73">
@@ -16854,7 +16854,7 @@
             </p14:xfrm>
           </p:contentPart>
         </mc:Choice>
-        <mc:Fallback>
+        <mc:Fallback xmlns="">
           <p:pic>
             <p:nvPicPr>
               <p:cNvPr id="74" name="Tinta 73">
@@ -16885,8 +16885,8 @@
           </p:pic>
         </mc:Fallback>
       </mc:AlternateContent>
-      <mc:AlternateContent xmlns:mc="http://schemas.openxmlformats.org/markup-compatibility/2006">
-        <mc:Choice xmlns:p14="http://schemas.microsoft.com/office/powerpoint/2010/main" Requires="p14">
+      <mc:AlternateContent xmlns:mc="http://schemas.openxmlformats.org/markup-compatibility/2006" xmlns:p14="http://schemas.microsoft.com/office/powerpoint/2010/main">
+        <mc:Choice Requires="p14">
           <p:contentPart p14:bwMode="auto" r:id="rId125">
             <p14:nvContentPartPr>
               <p14:cNvPr id="75" name="Tinta 74">
@@ -16905,7 +16905,7 @@
             </p14:xfrm>
           </p:contentPart>
         </mc:Choice>
-        <mc:Fallback>
+        <mc:Fallback xmlns="">
           <p:pic>
             <p:nvPicPr>
               <p:cNvPr id="75" name="Tinta 74">
@@ -16936,8 +16936,8 @@
           </p:pic>
         </mc:Fallback>
       </mc:AlternateContent>
-      <mc:AlternateContent xmlns:mc="http://schemas.openxmlformats.org/markup-compatibility/2006">
-        <mc:Choice xmlns:p14="http://schemas.microsoft.com/office/powerpoint/2010/main" Requires="p14">
+      <mc:AlternateContent xmlns:mc="http://schemas.openxmlformats.org/markup-compatibility/2006" xmlns:p14="http://schemas.microsoft.com/office/powerpoint/2010/main">
+        <mc:Choice Requires="p14">
           <p:contentPart p14:bwMode="auto" r:id="rId127">
             <p14:nvContentPartPr>
               <p14:cNvPr id="77" name="Tinta 76">
@@ -16956,7 +16956,7 @@
             </p14:xfrm>
           </p:contentPart>
         </mc:Choice>
-        <mc:Fallback>
+        <mc:Fallback xmlns="">
           <p:pic>
             <p:nvPicPr>
               <p:cNvPr id="77" name="Tinta 76">
@@ -16987,8 +16987,8 @@
           </p:pic>
         </mc:Fallback>
       </mc:AlternateContent>
-      <mc:AlternateContent xmlns:mc="http://schemas.openxmlformats.org/markup-compatibility/2006">
-        <mc:Choice xmlns:p14="http://schemas.microsoft.com/office/powerpoint/2010/main" Requires="p14">
+      <mc:AlternateContent xmlns:mc="http://schemas.openxmlformats.org/markup-compatibility/2006" xmlns:p14="http://schemas.microsoft.com/office/powerpoint/2010/main">
+        <mc:Choice Requires="p14">
           <p:contentPart p14:bwMode="auto" r:id="rId129">
             <p14:nvContentPartPr>
               <p14:cNvPr id="78" name="Tinta 77">
@@ -17007,7 +17007,7 @@
             </p14:xfrm>
           </p:contentPart>
         </mc:Choice>
-        <mc:Fallback>
+        <mc:Fallback xmlns="">
           <p:pic>
             <p:nvPicPr>
               <p:cNvPr id="78" name="Tinta 77">
@@ -17038,8 +17038,8 @@
           </p:pic>
         </mc:Fallback>
       </mc:AlternateContent>
-      <mc:AlternateContent xmlns:mc="http://schemas.openxmlformats.org/markup-compatibility/2006">
-        <mc:Choice xmlns:p14="http://schemas.microsoft.com/office/powerpoint/2010/main" Requires="p14">
+      <mc:AlternateContent xmlns:mc="http://schemas.openxmlformats.org/markup-compatibility/2006" xmlns:p14="http://schemas.microsoft.com/office/powerpoint/2010/main">
+        <mc:Choice Requires="p14">
           <p:contentPart p14:bwMode="auto" r:id="rId131">
             <p14:nvContentPartPr>
               <p14:cNvPr id="80" name="Tinta 79">
@@ -17058,7 +17058,7 @@
             </p14:xfrm>
           </p:contentPart>
         </mc:Choice>
-        <mc:Fallback>
+        <mc:Fallback xmlns="">
           <p:pic>
             <p:nvPicPr>
               <p:cNvPr id="80" name="Tinta 79">
@@ -17089,8 +17089,8 @@
           </p:pic>
         </mc:Fallback>
       </mc:AlternateContent>
-      <mc:AlternateContent xmlns:mc="http://schemas.openxmlformats.org/markup-compatibility/2006">
-        <mc:Choice xmlns:p14="http://schemas.microsoft.com/office/powerpoint/2010/main" Requires="p14">
+      <mc:AlternateContent xmlns:mc="http://schemas.openxmlformats.org/markup-compatibility/2006" xmlns:p14="http://schemas.microsoft.com/office/powerpoint/2010/main">
+        <mc:Choice Requires="p14">
           <p:contentPart p14:bwMode="auto" r:id="rId133">
             <p14:nvContentPartPr>
               <p14:cNvPr id="81" name="Tinta 80">
@@ -17109,7 +17109,7 @@
             </p14:xfrm>
           </p:contentPart>
         </mc:Choice>
-        <mc:Fallback>
+        <mc:Fallback xmlns="">
           <p:pic>
             <p:nvPicPr>
               <p:cNvPr id="81" name="Tinta 80">
@@ -17140,8 +17140,8 @@
           </p:pic>
         </mc:Fallback>
       </mc:AlternateContent>
-      <mc:AlternateContent xmlns:mc="http://schemas.openxmlformats.org/markup-compatibility/2006">
-        <mc:Choice xmlns:p14="http://schemas.microsoft.com/office/powerpoint/2010/main" Requires="p14">
+      <mc:AlternateContent xmlns:mc="http://schemas.openxmlformats.org/markup-compatibility/2006" xmlns:p14="http://schemas.microsoft.com/office/powerpoint/2010/main">
+        <mc:Choice Requires="p14">
           <p:contentPart p14:bwMode="auto" r:id="rId135">
             <p14:nvContentPartPr>
               <p14:cNvPr id="82" name="Tinta 81">
@@ -17160,7 +17160,7 @@
             </p14:xfrm>
           </p:contentPart>
         </mc:Choice>
-        <mc:Fallback>
+        <mc:Fallback xmlns="">
           <p:pic>
             <p:nvPicPr>
               <p:cNvPr id="82" name="Tinta 81">
@@ -17191,8 +17191,8 @@
           </p:pic>
         </mc:Fallback>
       </mc:AlternateContent>
-      <mc:AlternateContent xmlns:mc="http://schemas.openxmlformats.org/markup-compatibility/2006">
-        <mc:Choice xmlns:p14="http://schemas.microsoft.com/office/powerpoint/2010/main" Requires="p14">
+      <mc:AlternateContent xmlns:mc="http://schemas.openxmlformats.org/markup-compatibility/2006" xmlns:p14="http://schemas.microsoft.com/office/powerpoint/2010/main">
+        <mc:Choice Requires="p14">
           <p:contentPart p14:bwMode="auto" r:id="rId137">
             <p14:nvContentPartPr>
               <p14:cNvPr id="84" name="Tinta 83">
@@ -17211,7 +17211,7 @@
             </p14:xfrm>
           </p:contentPart>
         </mc:Choice>
-        <mc:Fallback>
+        <mc:Fallback xmlns="">
           <p:pic>
             <p:nvPicPr>
               <p:cNvPr id="84" name="Tinta 83">
@@ -17242,8 +17242,8 @@
           </p:pic>
         </mc:Fallback>
       </mc:AlternateContent>
-      <mc:AlternateContent xmlns:mc="http://schemas.openxmlformats.org/markup-compatibility/2006">
-        <mc:Choice xmlns:p14="http://schemas.microsoft.com/office/powerpoint/2010/main" Requires="p14">
+      <mc:AlternateContent xmlns:mc="http://schemas.openxmlformats.org/markup-compatibility/2006" xmlns:p14="http://schemas.microsoft.com/office/powerpoint/2010/main">
+        <mc:Choice Requires="p14">
           <p:contentPart p14:bwMode="auto" r:id="rId139">
             <p14:nvContentPartPr>
               <p14:cNvPr id="85" name="Tinta 84">
@@ -17262,7 +17262,7 @@
             </p14:xfrm>
           </p:contentPart>
         </mc:Choice>
-        <mc:Fallback>
+        <mc:Fallback xmlns="">
           <p:pic>
             <p:nvPicPr>
               <p:cNvPr id="85" name="Tinta 84">
@@ -17293,8 +17293,8 @@
           </p:pic>
         </mc:Fallback>
       </mc:AlternateContent>
-      <mc:AlternateContent xmlns:mc="http://schemas.openxmlformats.org/markup-compatibility/2006">
-        <mc:Choice xmlns:p14="http://schemas.microsoft.com/office/powerpoint/2010/main" Requires="p14">
+      <mc:AlternateContent xmlns:mc="http://schemas.openxmlformats.org/markup-compatibility/2006" xmlns:p14="http://schemas.microsoft.com/office/powerpoint/2010/main">
+        <mc:Choice Requires="p14">
           <p:contentPart p14:bwMode="auto" r:id="rId141">
             <p14:nvContentPartPr>
               <p14:cNvPr id="86" name="Tinta 85">
@@ -17313,7 +17313,7 @@
             </p14:xfrm>
           </p:contentPart>
         </mc:Choice>
-        <mc:Fallback>
+        <mc:Fallback xmlns="">
           <p:pic>
             <p:nvPicPr>
               <p:cNvPr id="86" name="Tinta 85">
@@ -17344,8 +17344,8 @@
           </p:pic>
         </mc:Fallback>
       </mc:AlternateContent>
-      <mc:AlternateContent xmlns:mc="http://schemas.openxmlformats.org/markup-compatibility/2006">
-        <mc:Choice xmlns:p14="http://schemas.microsoft.com/office/powerpoint/2010/main" Requires="p14">
+      <mc:AlternateContent xmlns:mc="http://schemas.openxmlformats.org/markup-compatibility/2006" xmlns:p14="http://schemas.microsoft.com/office/powerpoint/2010/main">
+        <mc:Choice Requires="p14">
           <p:contentPart p14:bwMode="auto" r:id="rId143">
             <p14:nvContentPartPr>
               <p14:cNvPr id="87" name="Tinta 86">
@@ -17364,7 +17364,7 @@
             </p14:xfrm>
           </p:contentPart>
         </mc:Choice>
-        <mc:Fallback>
+        <mc:Fallback xmlns="">
           <p:pic>
             <p:nvPicPr>
               <p:cNvPr id="87" name="Tinta 86">
@@ -17395,8 +17395,8 @@
           </p:pic>
         </mc:Fallback>
       </mc:AlternateContent>
-      <mc:AlternateContent xmlns:mc="http://schemas.openxmlformats.org/markup-compatibility/2006">
-        <mc:Choice xmlns:p14="http://schemas.microsoft.com/office/powerpoint/2010/main" Requires="p14">
+      <mc:AlternateContent xmlns:mc="http://schemas.openxmlformats.org/markup-compatibility/2006" xmlns:p14="http://schemas.microsoft.com/office/powerpoint/2010/main">
+        <mc:Choice Requires="p14">
           <p:contentPart p14:bwMode="auto" r:id="rId145">
             <p14:nvContentPartPr>
               <p14:cNvPr id="88" name="Tinta 87">
@@ -17415,7 +17415,7 @@
             </p14:xfrm>
           </p:contentPart>
         </mc:Choice>
-        <mc:Fallback>
+        <mc:Fallback xmlns="">
           <p:pic>
             <p:nvPicPr>
               <p:cNvPr id="88" name="Tinta 87">
@@ -17446,8 +17446,8 @@
           </p:pic>
         </mc:Fallback>
       </mc:AlternateContent>
-      <mc:AlternateContent xmlns:mc="http://schemas.openxmlformats.org/markup-compatibility/2006">
-        <mc:Choice xmlns:p14="http://schemas.microsoft.com/office/powerpoint/2010/main" Requires="p14">
+      <mc:AlternateContent xmlns:mc="http://schemas.openxmlformats.org/markup-compatibility/2006" xmlns:p14="http://schemas.microsoft.com/office/powerpoint/2010/main">
+        <mc:Choice Requires="p14">
           <p:contentPart p14:bwMode="auto" r:id="rId147">
             <p14:nvContentPartPr>
               <p14:cNvPr id="89" name="Tinta 88">
@@ -17466,7 +17466,7 @@
             </p14:xfrm>
           </p:contentPart>
         </mc:Choice>
-        <mc:Fallback>
+        <mc:Fallback xmlns="">
           <p:pic>
             <p:nvPicPr>
               <p:cNvPr id="89" name="Tinta 88">
@@ -17497,8 +17497,8 @@
           </p:pic>
         </mc:Fallback>
       </mc:AlternateContent>
-      <mc:AlternateContent xmlns:mc="http://schemas.openxmlformats.org/markup-compatibility/2006">
-        <mc:Choice xmlns:p14="http://schemas.microsoft.com/office/powerpoint/2010/main" Requires="p14">
+      <mc:AlternateContent xmlns:mc="http://schemas.openxmlformats.org/markup-compatibility/2006" xmlns:p14="http://schemas.microsoft.com/office/powerpoint/2010/main">
+        <mc:Choice Requires="p14">
           <p:contentPart p14:bwMode="auto" r:id="rId149">
             <p14:nvContentPartPr>
               <p14:cNvPr id="90" name="Tinta 89">
@@ -17517,7 +17517,7 @@
             </p14:xfrm>
           </p:contentPart>
         </mc:Choice>
-        <mc:Fallback>
+        <mc:Fallback xmlns="">
           <p:pic>
             <p:nvPicPr>
               <p:cNvPr id="90" name="Tinta 89">
@@ -17548,8 +17548,8 @@
           </p:pic>
         </mc:Fallback>
       </mc:AlternateContent>
-      <mc:AlternateContent xmlns:mc="http://schemas.openxmlformats.org/markup-compatibility/2006">
-        <mc:Choice xmlns:p14="http://schemas.microsoft.com/office/powerpoint/2010/main" Requires="p14">
+      <mc:AlternateContent xmlns:mc="http://schemas.openxmlformats.org/markup-compatibility/2006" xmlns:p14="http://schemas.microsoft.com/office/powerpoint/2010/main">
+        <mc:Choice Requires="p14">
           <p:contentPart p14:bwMode="auto" r:id="rId151">
             <p14:nvContentPartPr>
               <p14:cNvPr id="91" name="Tinta 90">
@@ -17568,7 +17568,7 @@
             </p14:xfrm>
           </p:contentPart>
         </mc:Choice>
-        <mc:Fallback>
+        <mc:Fallback xmlns="">
           <p:pic>
             <p:nvPicPr>
               <p:cNvPr id="91" name="Tinta 90">
@@ -17599,8 +17599,8 @@
           </p:pic>
         </mc:Fallback>
       </mc:AlternateContent>
-      <mc:AlternateContent xmlns:mc="http://schemas.openxmlformats.org/markup-compatibility/2006">
-        <mc:Choice xmlns:p14="http://schemas.microsoft.com/office/powerpoint/2010/main" Requires="p14">
+      <mc:AlternateContent xmlns:mc="http://schemas.openxmlformats.org/markup-compatibility/2006" xmlns:p14="http://schemas.microsoft.com/office/powerpoint/2010/main">
+        <mc:Choice Requires="p14">
           <p:contentPart p14:bwMode="auto" r:id="rId153">
             <p14:nvContentPartPr>
               <p14:cNvPr id="92" name="Tinta 91">
@@ -17619,7 +17619,7 @@
             </p14:xfrm>
           </p:contentPart>
         </mc:Choice>
-        <mc:Fallback>
+        <mc:Fallback xmlns="">
           <p:pic>
             <p:nvPicPr>
               <p:cNvPr id="92" name="Tinta 91">
@@ -17650,8 +17650,8 @@
           </p:pic>
         </mc:Fallback>
       </mc:AlternateContent>
-      <mc:AlternateContent xmlns:mc="http://schemas.openxmlformats.org/markup-compatibility/2006">
-        <mc:Choice xmlns:p14="http://schemas.microsoft.com/office/powerpoint/2010/main" Requires="p14">
+      <mc:AlternateContent xmlns:mc="http://schemas.openxmlformats.org/markup-compatibility/2006" xmlns:p14="http://schemas.microsoft.com/office/powerpoint/2010/main">
+        <mc:Choice Requires="p14">
           <p:contentPart p14:bwMode="auto" r:id="rId155">
             <p14:nvContentPartPr>
               <p14:cNvPr id="93" name="Tinta 92">
@@ -17670,7 +17670,7 @@
             </p14:xfrm>
           </p:contentPart>
         </mc:Choice>
-        <mc:Fallback>
+        <mc:Fallback xmlns="">
           <p:pic>
             <p:nvPicPr>
               <p:cNvPr id="93" name="Tinta 92">
@@ -17701,8 +17701,8 @@
           </p:pic>
         </mc:Fallback>
       </mc:AlternateContent>
-      <mc:AlternateContent xmlns:mc="http://schemas.openxmlformats.org/markup-compatibility/2006">
-        <mc:Choice xmlns:p14="http://schemas.microsoft.com/office/powerpoint/2010/main" Requires="p14">
+      <mc:AlternateContent xmlns:mc="http://schemas.openxmlformats.org/markup-compatibility/2006" xmlns:p14="http://schemas.microsoft.com/office/powerpoint/2010/main">
+        <mc:Choice Requires="p14">
           <p:contentPart p14:bwMode="auto" r:id="rId157">
             <p14:nvContentPartPr>
               <p14:cNvPr id="94" name="Tinta 93">
@@ -17721,7 +17721,7 @@
             </p14:xfrm>
           </p:contentPart>
         </mc:Choice>
-        <mc:Fallback>
+        <mc:Fallback xmlns="">
           <p:pic>
             <p:nvPicPr>
               <p:cNvPr id="94" name="Tinta 93">
@@ -17752,8 +17752,8 @@
           </p:pic>
         </mc:Fallback>
       </mc:AlternateContent>
-      <mc:AlternateContent xmlns:mc="http://schemas.openxmlformats.org/markup-compatibility/2006">
-        <mc:Choice xmlns:p14="http://schemas.microsoft.com/office/powerpoint/2010/main" Requires="p14">
+      <mc:AlternateContent xmlns:mc="http://schemas.openxmlformats.org/markup-compatibility/2006" xmlns:p14="http://schemas.microsoft.com/office/powerpoint/2010/main">
+        <mc:Choice Requires="p14">
           <p:contentPart p14:bwMode="auto" r:id="rId159">
             <p14:nvContentPartPr>
               <p14:cNvPr id="95" name="Tinta 94">
@@ -17772,7 +17772,7 @@
             </p14:xfrm>
           </p:contentPart>
         </mc:Choice>
-        <mc:Fallback>
+        <mc:Fallback xmlns="">
           <p:pic>
             <p:nvPicPr>
               <p:cNvPr id="95" name="Tinta 94">
@@ -17803,8 +17803,8 @@
           </p:pic>
         </mc:Fallback>
       </mc:AlternateContent>
-      <mc:AlternateContent xmlns:mc="http://schemas.openxmlformats.org/markup-compatibility/2006">
-        <mc:Choice xmlns:p14="http://schemas.microsoft.com/office/powerpoint/2010/main" Requires="p14">
+      <mc:AlternateContent xmlns:mc="http://schemas.openxmlformats.org/markup-compatibility/2006" xmlns:p14="http://schemas.microsoft.com/office/powerpoint/2010/main">
+        <mc:Choice Requires="p14">
           <p:contentPart p14:bwMode="auto" r:id="rId161">
             <p14:nvContentPartPr>
               <p14:cNvPr id="96" name="Tinta 95">
@@ -17823,7 +17823,7 @@
             </p14:xfrm>
           </p:contentPart>
         </mc:Choice>
-        <mc:Fallback>
+        <mc:Fallback xmlns="">
           <p:pic>
             <p:nvPicPr>
               <p:cNvPr id="96" name="Tinta 95">
@@ -17854,8 +17854,8 @@
           </p:pic>
         </mc:Fallback>
       </mc:AlternateContent>
-      <mc:AlternateContent xmlns:mc="http://schemas.openxmlformats.org/markup-compatibility/2006">
-        <mc:Choice xmlns:p14="http://schemas.microsoft.com/office/powerpoint/2010/main" Requires="p14">
+      <mc:AlternateContent xmlns:mc="http://schemas.openxmlformats.org/markup-compatibility/2006" xmlns:p14="http://schemas.microsoft.com/office/powerpoint/2010/main">
+        <mc:Choice Requires="p14">
           <p:contentPart p14:bwMode="auto" r:id="rId163">
             <p14:nvContentPartPr>
               <p14:cNvPr id="97" name="Tinta 96">
@@ -17874,7 +17874,7 @@
             </p14:xfrm>
           </p:contentPart>
         </mc:Choice>
-        <mc:Fallback>
+        <mc:Fallback xmlns="">
           <p:pic>
             <p:nvPicPr>
               <p:cNvPr id="97" name="Tinta 96">
@@ -17905,8 +17905,8 @@
           </p:pic>
         </mc:Fallback>
       </mc:AlternateContent>
-      <mc:AlternateContent xmlns:mc="http://schemas.openxmlformats.org/markup-compatibility/2006">
-        <mc:Choice xmlns:p14="http://schemas.microsoft.com/office/powerpoint/2010/main" Requires="p14">
+      <mc:AlternateContent xmlns:mc="http://schemas.openxmlformats.org/markup-compatibility/2006" xmlns:p14="http://schemas.microsoft.com/office/powerpoint/2010/main">
+        <mc:Choice Requires="p14">
           <p:contentPart p14:bwMode="auto" r:id="rId165">
             <p14:nvContentPartPr>
               <p14:cNvPr id="99" name="Tinta 98">
@@ -17925,7 +17925,7 @@
             </p14:xfrm>
           </p:contentPart>
         </mc:Choice>
-        <mc:Fallback>
+        <mc:Fallback xmlns="">
           <p:pic>
             <p:nvPicPr>
               <p:cNvPr id="99" name="Tinta 98">
@@ -17956,8 +17956,8 @@
           </p:pic>
         </mc:Fallback>
       </mc:AlternateContent>
-      <mc:AlternateContent xmlns:mc="http://schemas.openxmlformats.org/markup-compatibility/2006">
-        <mc:Choice xmlns:p14="http://schemas.microsoft.com/office/powerpoint/2010/main" Requires="p14">
+      <mc:AlternateContent xmlns:mc="http://schemas.openxmlformats.org/markup-compatibility/2006" xmlns:p14="http://schemas.microsoft.com/office/powerpoint/2010/main">
+        <mc:Choice Requires="p14">
           <p:contentPart p14:bwMode="auto" r:id="rId167">
             <p14:nvContentPartPr>
               <p14:cNvPr id="100" name="Tinta 99">
@@ -17976,7 +17976,7 @@
             </p14:xfrm>
           </p:contentPart>
         </mc:Choice>
-        <mc:Fallback>
+        <mc:Fallback xmlns="">
           <p:pic>
             <p:nvPicPr>
               <p:cNvPr id="100" name="Tinta 99">
@@ -18007,8 +18007,8 @@
           </p:pic>
         </mc:Fallback>
       </mc:AlternateContent>
-      <mc:AlternateContent xmlns:mc="http://schemas.openxmlformats.org/markup-compatibility/2006">
-        <mc:Choice xmlns:p14="http://schemas.microsoft.com/office/powerpoint/2010/main" Requires="p14">
+      <mc:AlternateContent xmlns:mc="http://schemas.openxmlformats.org/markup-compatibility/2006" xmlns:p14="http://schemas.microsoft.com/office/powerpoint/2010/main">
+        <mc:Choice Requires="p14">
           <p:contentPart p14:bwMode="auto" r:id="rId169">
             <p14:nvContentPartPr>
               <p14:cNvPr id="101" name="Tinta 100">
@@ -18027,7 +18027,7 @@
             </p14:xfrm>
           </p:contentPart>
         </mc:Choice>
-        <mc:Fallback>
+        <mc:Fallback xmlns="">
           <p:pic>
             <p:nvPicPr>
               <p:cNvPr id="101" name="Tinta 100">
@@ -18058,8 +18058,8 @@
           </p:pic>
         </mc:Fallback>
       </mc:AlternateContent>
-      <mc:AlternateContent xmlns:mc="http://schemas.openxmlformats.org/markup-compatibility/2006">
-        <mc:Choice xmlns:p14="http://schemas.microsoft.com/office/powerpoint/2010/main" Requires="p14">
+      <mc:AlternateContent xmlns:mc="http://schemas.openxmlformats.org/markup-compatibility/2006" xmlns:p14="http://schemas.microsoft.com/office/powerpoint/2010/main">
+        <mc:Choice Requires="p14">
           <p:contentPart p14:bwMode="auto" r:id="rId171">
             <p14:nvContentPartPr>
               <p14:cNvPr id="102" name="Tinta 101">
@@ -18078,7 +18078,7 @@
             </p14:xfrm>
           </p:contentPart>
         </mc:Choice>
-        <mc:Fallback>
+        <mc:Fallback xmlns="">
           <p:pic>
             <p:nvPicPr>
               <p:cNvPr id="102" name="Tinta 101">
@@ -18109,8 +18109,8 @@
           </p:pic>
         </mc:Fallback>
       </mc:AlternateContent>
-      <mc:AlternateContent xmlns:mc="http://schemas.openxmlformats.org/markup-compatibility/2006">
-        <mc:Choice xmlns:p14="http://schemas.microsoft.com/office/powerpoint/2010/main" Requires="p14">
+      <mc:AlternateContent xmlns:mc="http://schemas.openxmlformats.org/markup-compatibility/2006" xmlns:p14="http://schemas.microsoft.com/office/powerpoint/2010/main">
+        <mc:Choice Requires="p14">
           <p:contentPart p14:bwMode="auto" r:id="rId173">
             <p14:nvContentPartPr>
               <p14:cNvPr id="103" name="Tinta 102">
@@ -18129,7 +18129,7 @@
             </p14:xfrm>
           </p:contentPart>
         </mc:Choice>
-        <mc:Fallback>
+        <mc:Fallback xmlns="">
           <p:pic>
             <p:nvPicPr>
               <p:cNvPr id="103" name="Tinta 102">
@@ -18180,8 +18180,8 @@
             <a:chExt cx="2288160" cy="681480"/>
           </a:xfrm>
         </p:grpSpPr>
-        <mc:AlternateContent xmlns:mc="http://schemas.openxmlformats.org/markup-compatibility/2006">
-          <mc:Choice xmlns:p14="http://schemas.microsoft.com/office/powerpoint/2010/main" Requires="p14">
+        <mc:AlternateContent xmlns:mc="http://schemas.openxmlformats.org/markup-compatibility/2006" xmlns:p14="http://schemas.microsoft.com/office/powerpoint/2010/main">
+          <mc:Choice Requires="p14">
             <p:contentPart p14:bwMode="auto" r:id="rId175">
               <p14:nvContentPartPr>
                 <p14:cNvPr id="104" name="Tinta 103">
@@ -18200,7 +18200,7 @@
               </p14:xfrm>
             </p:contentPart>
           </mc:Choice>
-          <mc:Fallback>
+          <mc:Fallback xmlns="">
             <p:pic>
               <p:nvPicPr>
                 <p:cNvPr id="104" name="Tinta 103">
@@ -18231,8 +18231,8 @@
             </p:pic>
           </mc:Fallback>
         </mc:AlternateContent>
-        <mc:AlternateContent xmlns:mc="http://schemas.openxmlformats.org/markup-compatibility/2006">
-          <mc:Choice xmlns:p14="http://schemas.microsoft.com/office/powerpoint/2010/main" Requires="p14">
+        <mc:AlternateContent xmlns:mc="http://schemas.openxmlformats.org/markup-compatibility/2006" xmlns:p14="http://schemas.microsoft.com/office/powerpoint/2010/main">
+          <mc:Choice Requires="p14">
             <p:contentPart p14:bwMode="auto" r:id="rId177">
               <p14:nvContentPartPr>
                 <p14:cNvPr id="105" name="Tinta 104">
@@ -18251,7 +18251,7 @@
               </p14:xfrm>
             </p:contentPart>
           </mc:Choice>
-          <mc:Fallback>
+          <mc:Fallback xmlns="">
             <p:pic>
               <p:nvPicPr>
                 <p:cNvPr id="105" name="Tinta 104">
@@ -18282,8 +18282,8 @@
             </p:pic>
           </mc:Fallback>
         </mc:AlternateContent>
-        <mc:AlternateContent xmlns:mc="http://schemas.openxmlformats.org/markup-compatibility/2006">
-          <mc:Choice xmlns:p14="http://schemas.microsoft.com/office/powerpoint/2010/main" Requires="p14">
+        <mc:AlternateContent xmlns:mc="http://schemas.openxmlformats.org/markup-compatibility/2006" xmlns:p14="http://schemas.microsoft.com/office/powerpoint/2010/main">
+          <mc:Choice Requires="p14">
             <p:contentPart p14:bwMode="auto" r:id="rId179">
               <p14:nvContentPartPr>
                 <p14:cNvPr id="106" name="Tinta 105">
@@ -18302,7 +18302,7 @@
               </p14:xfrm>
             </p:contentPart>
           </mc:Choice>
-          <mc:Fallback>
+          <mc:Fallback xmlns="">
             <p:pic>
               <p:nvPicPr>
                 <p:cNvPr id="106" name="Tinta 105">
@@ -18333,8 +18333,8 @@
             </p:pic>
           </mc:Fallback>
         </mc:AlternateContent>
-        <mc:AlternateContent xmlns:mc="http://schemas.openxmlformats.org/markup-compatibility/2006">
-          <mc:Choice xmlns:p14="http://schemas.microsoft.com/office/powerpoint/2010/main" Requires="p14">
+        <mc:AlternateContent xmlns:mc="http://schemas.openxmlformats.org/markup-compatibility/2006" xmlns:p14="http://schemas.microsoft.com/office/powerpoint/2010/main">
+          <mc:Choice Requires="p14">
             <p:contentPart p14:bwMode="auto" r:id="rId181">
               <p14:nvContentPartPr>
                 <p14:cNvPr id="107" name="Tinta 106">
@@ -18353,7 +18353,7 @@
               </p14:xfrm>
             </p:contentPart>
           </mc:Choice>
-          <mc:Fallback>
+          <mc:Fallback xmlns="">
             <p:pic>
               <p:nvPicPr>
                 <p:cNvPr id="107" name="Tinta 106">
@@ -18384,8 +18384,8 @@
             </p:pic>
           </mc:Fallback>
         </mc:AlternateContent>
-        <mc:AlternateContent xmlns:mc="http://schemas.openxmlformats.org/markup-compatibility/2006">
-          <mc:Choice xmlns:p14="http://schemas.microsoft.com/office/powerpoint/2010/main" Requires="p14">
+        <mc:AlternateContent xmlns:mc="http://schemas.openxmlformats.org/markup-compatibility/2006" xmlns:p14="http://schemas.microsoft.com/office/powerpoint/2010/main">
+          <mc:Choice Requires="p14">
             <p:contentPart p14:bwMode="auto" r:id="rId183">
               <p14:nvContentPartPr>
                 <p14:cNvPr id="108" name="Tinta 107">
@@ -18404,7 +18404,7 @@
               </p14:xfrm>
             </p:contentPart>
           </mc:Choice>
-          <mc:Fallback>
+          <mc:Fallback xmlns="">
             <p:pic>
               <p:nvPicPr>
                 <p:cNvPr id="108" name="Tinta 107">
@@ -18435,8 +18435,8 @@
             </p:pic>
           </mc:Fallback>
         </mc:AlternateContent>
-        <mc:AlternateContent xmlns:mc="http://schemas.openxmlformats.org/markup-compatibility/2006">
-          <mc:Choice xmlns:p14="http://schemas.microsoft.com/office/powerpoint/2010/main" Requires="p14">
+        <mc:AlternateContent xmlns:mc="http://schemas.openxmlformats.org/markup-compatibility/2006" xmlns:p14="http://schemas.microsoft.com/office/powerpoint/2010/main">
+          <mc:Choice Requires="p14">
             <p:contentPart p14:bwMode="auto" r:id="rId185">
               <p14:nvContentPartPr>
                 <p14:cNvPr id="109" name="Tinta 108">
@@ -18455,7 +18455,7 @@
               </p14:xfrm>
             </p:contentPart>
           </mc:Choice>
-          <mc:Fallback>
+          <mc:Fallback xmlns="">
             <p:pic>
               <p:nvPicPr>
                 <p:cNvPr id="109" name="Tinta 108">
@@ -18486,8 +18486,8 @@
             </p:pic>
           </mc:Fallback>
         </mc:AlternateContent>
-        <mc:AlternateContent xmlns:mc="http://schemas.openxmlformats.org/markup-compatibility/2006">
-          <mc:Choice xmlns:p14="http://schemas.microsoft.com/office/powerpoint/2010/main" Requires="p14">
+        <mc:AlternateContent xmlns:mc="http://schemas.openxmlformats.org/markup-compatibility/2006" xmlns:p14="http://schemas.microsoft.com/office/powerpoint/2010/main">
+          <mc:Choice Requires="p14">
             <p:contentPart p14:bwMode="auto" r:id="rId187">
               <p14:nvContentPartPr>
                 <p14:cNvPr id="112" name="Tinta 111">
@@ -18506,7 +18506,7 @@
               </p14:xfrm>
             </p:contentPart>
           </mc:Choice>
-          <mc:Fallback>
+          <mc:Fallback xmlns="">
             <p:pic>
               <p:nvPicPr>
                 <p:cNvPr id="112" name="Tinta 111">
@@ -18558,8 +18558,8 @@
             <a:chExt cx="1058040" cy="971640"/>
           </a:xfrm>
         </p:grpSpPr>
-        <mc:AlternateContent xmlns:mc="http://schemas.openxmlformats.org/markup-compatibility/2006">
-          <mc:Choice xmlns:p14="http://schemas.microsoft.com/office/powerpoint/2010/main" Requires="p14">
+        <mc:AlternateContent xmlns:mc="http://schemas.openxmlformats.org/markup-compatibility/2006" xmlns:p14="http://schemas.microsoft.com/office/powerpoint/2010/main">
+          <mc:Choice Requires="p14">
             <p:contentPart p14:bwMode="auto" r:id="rId189">
               <p14:nvContentPartPr>
                 <p14:cNvPr id="113" name="Tinta 112">
@@ -18578,7 +18578,7 @@
               </p14:xfrm>
             </p:contentPart>
           </mc:Choice>
-          <mc:Fallback>
+          <mc:Fallback xmlns="">
             <p:pic>
               <p:nvPicPr>
                 <p:cNvPr id="113" name="Tinta 112">
@@ -18609,8 +18609,8 @@
             </p:pic>
           </mc:Fallback>
         </mc:AlternateContent>
-        <mc:AlternateContent xmlns:mc="http://schemas.openxmlformats.org/markup-compatibility/2006">
-          <mc:Choice xmlns:p14="http://schemas.microsoft.com/office/powerpoint/2010/main" Requires="p14">
+        <mc:AlternateContent xmlns:mc="http://schemas.openxmlformats.org/markup-compatibility/2006" xmlns:p14="http://schemas.microsoft.com/office/powerpoint/2010/main">
+          <mc:Choice Requires="p14">
             <p:contentPart p14:bwMode="auto" r:id="rId191">
               <p14:nvContentPartPr>
                 <p14:cNvPr id="114" name="Tinta 113">
@@ -18629,7 +18629,7 @@
               </p14:xfrm>
             </p:contentPart>
           </mc:Choice>
-          <mc:Fallback>
+          <mc:Fallback xmlns="">
             <p:pic>
               <p:nvPicPr>
                 <p:cNvPr id="114" name="Tinta 113">
@@ -18660,8 +18660,8 @@
             </p:pic>
           </mc:Fallback>
         </mc:AlternateContent>
-        <mc:AlternateContent xmlns:mc="http://schemas.openxmlformats.org/markup-compatibility/2006">
-          <mc:Choice xmlns:p14="http://schemas.microsoft.com/office/powerpoint/2010/main" Requires="p14">
+        <mc:AlternateContent xmlns:mc="http://schemas.openxmlformats.org/markup-compatibility/2006" xmlns:p14="http://schemas.microsoft.com/office/powerpoint/2010/main">
+          <mc:Choice Requires="p14">
             <p:contentPart p14:bwMode="auto" r:id="rId193">
               <p14:nvContentPartPr>
                 <p14:cNvPr id="115" name="Tinta 114">
@@ -18680,7 +18680,7 @@
               </p14:xfrm>
             </p:contentPart>
           </mc:Choice>
-          <mc:Fallback>
+          <mc:Fallback xmlns="">
             <p:pic>
               <p:nvPicPr>
                 <p:cNvPr id="115" name="Tinta 114">
@@ -18711,8 +18711,8 @@
             </p:pic>
           </mc:Fallback>
         </mc:AlternateContent>
-        <mc:AlternateContent xmlns:mc="http://schemas.openxmlformats.org/markup-compatibility/2006">
-          <mc:Choice xmlns:p14="http://schemas.microsoft.com/office/powerpoint/2010/main" Requires="p14">
+        <mc:AlternateContent xmlns:mc="http://schemas.openxmlformats.org/markup-compatibility/2006" xmlns:p14="http://schemas.microsoft.com/office/powerpoint/2010/main">
+          <mc:Choice Requires="p14">
             <p:contentPart p14:bwMode="auto" r:id="rId195">
               <p14:nvContentPartPr>
                 <p14:cNvPr id="116" name="Tinta 115">
@@ -18731,7 +18731,7 @@
               </p14:xfrm>
             </p:contentPart>
           </mc:Choice>
-          <mc:Fallback>
+          <mc:Fallback xmlns="">
             <p:pic>
               <p:nvPicPr>
                 <p:cNvPr id="116" name="Tinta 115">
@@ -18762,8 +18762,8 @@
             </p:pic>
           </mc:Fallback>
         </mc:AlternateContent>
-        <mc:AlternateContent xmlns:mc="http://schemas.openxmlformats.org/markup-compatibility/2006">
-          <mc:Choice xmlns:p14="http://schemas.microsoft.com/office/powerpoint/2010/main" Requires="p14">
+        <mc:AlternateContent xmlns:mc="http://schemas.openxmlformats.org/markup-compatibility/2006" xmlns:p14="http://schemas.microsoft.com/office/powerpoint/2010/main">
+          <mc:Choice Requires="p14">
             <p:contentPart p14:bwMode="auto" r:id="rId197">
               <p14:nvContentPartPr>
                 <p14:cNvPr id="117" name="Tinta 116">
@@ -18782,7 +18782,7 @@
               </p14:xfrm>
             </p:contentPart>
           </mc:Choice>
-          <mc:Fallback>
+          <mc:Fallback xmlns="">
             <p:pic>
               <p:nvPicPr>
                 <p:cNvPr id="117" name="Tinta 116">
@@ -18813,8 +18813,8 @@
             </p:pic>
           </mc:Fallback>
         </mc:AlternateContent>
-        <mc:AlternateContent xmlns:mc="http://schemas.openxmlformats.org/markup-compatibility/2006">
-          <mc:Choice xmlns:p14="http://schemas.microsoft.com/office/powerpoint/2010/main" Requires="p14">
+        <mc:AlternateContent xmlns:mc="http://schemas.openxmlformats.org/markup-compatibility/2006" xmlns:p14="http://schemas.microsoft.com/office/powerpoint/2010/main">
+          <mc:Choice Requires="p14">
             <p:contentPart p14:bwMode="auto" r:id="rId199">
               <p14:nvContentPartPr>
                 <p14:cNvPr id="118" name="Tinta 117">
@@ -18833,7 +18833,7 @@
               </p14:xfrm>
             </p:contentPart>
           </mc:Choice>
-          <mc:Fallback>
+          <mc:Fallback xmlns="">
             <p:pic>
               <p:nvPicPr>
                 <p:cNvPr id="118" name="Tinta 117">
@@ -18864,8 +18864,8 @@
             </p:pic>
           </mc:Fallback>
         </mc:AlternateContent>
-        <mc:AlternateContent xmlns:mc="http://schemas.openxmlformats.org/markup-compatibility/2006">
-          <mc:Choice xmlns:p14="http://schemas.microsoft.com/office/powerpoint/2010/main" Requires="p14">
+        <mc:AlternateContent xmlns:mc="http://schemas.openxmlformats.org/markup-compatibility/2006" xmlns:p14="http://schemas.microsoft.com/office/powerpoint/2010/main">
+          <mc:Choice Requires="p14">
             <p:contentPart p14:bwMode="auto" r:id="rId201">
               <p14:nvContentPartPr>
                 <p14:cNvPr id="119" name="Tinta 118">
@@ -18884,7 +18884,7 @@
               </p14:xfrm>
             </p:contentPart>
           </mc:Choice>
-          <mc:Fallback>
+          <mc:Fallback xmlns="">
             <p:pic>
               <p:nvPicPr>
                 <p:cNvPr id="119" name="Tinta 118">
@@ -18936,8 +18936,8 @@
             <a:chExt cx="1163520" cy="472680"/>
           </a:xfrm>
         </p:grpSpPr>
-        <mc:AlternateContent xmlns:mc="http://schemas.openxmlformats.org/markup-compatibility/2006">
-          <mc:Choice xmlns:p14="http://schemas.microsoft.com/office/powerpoint/2010/main" Requires="p14">
+        <mc:AlternateContent xmlns:mc="http://schemas.openxmlformats.org/markup-compatibility/2006" xmlns:p14="http://schemas.microsoft.com/office/powerpoint/2010/main">
+          <mc:Choice Requires="p14">
             <p:contentPart p14:bwMode="auto" r:id="rId202">
               <p14:nvContentPartPr>
                 <p14:cNvPr id="122" name="Tinta 121">
@@ -18956,7 +18956,7 @@
               </p14:xfrm>
             </p:contentPart>
           </mc:Choice>
-          <mc:Fallback>
+          <mc:Fallback xmlns="">
             <p:pic>
               <p:nvPicPr>
                 <p:cNvPr id="122" name="Tinta 121">
@@ -18987,8 +18987,8 @@
             </p:pic>
           </mc:Fallback>
         </mc:AlternateContent>
-        <mc:AlternateContent xmlns:mc="http://schemas.openxmlformats.org/markup-compatibility/2006">
-          <mc:Choice xmlns:p14="http://schemas.microsoft.com/office/powerpoint/2010/main" Requires="p14">
+        <mc:AlternateContent xmlns:mc="http://schemas.openxmlformats.org/markup-compatibility/2006" xmlns:p14="http://schemas.microsoft.com/office/powerpoint/2010/main">
+          <mc:Choice Requires="p14">
             <p:contentPart p14:bwMode="auto" r:id="rId204">
               <p14:nvContentPartPr>
                 <p14:cNvPr id="123" name="Tinta 122">
@@ -19007,7 +19007,7 @@
               </p14:xfrm>
             </p:contentPart>
           </mc:Choice>
-          <mc:Fallback>
+          <mc:Fallback xmlns="">
             <p:pic>
               <p:nvPicPr>
                 <p:cNvPr id="123" name="Tinta 122">
@@ -19038,8 +19038,8 @@
             </p:pic>
           </mc:Fallback>
         </mc:AlternateContent>
-        <mc:AlternateContent xmlns:mc="http://schemas.openxmlformats.org/markup-compatibility/2006">
-          <mc:Choice xmlns:p14="http://schemas.microsoft.com/office/powerpoint/2010/main" Requires="p14">
+        <mc:AlternateContent xmlns:mc="http://schemas.openxmlformats.org/markup-compatibility/2006" xmlns:p14="http://schemas.microsoft.com/office/powerpoint/2010/main">
+          <mc:Choice Requires="p14">
             <p:contentPart p14:bwMode="auto" r:id="rId206">
               <p14:nvContentPartPr>
                 <p14:cNvPr id="124" name="Tinta 123">
@@ -19058,7 +19058,7 @@
               </p14:xfrm>
             </p:contentPart>
           </mc:Choice>
-          <mc:Fallback>
+          <mc:Fallback xmlns="">
             <p:pic>
               <p:nvPicPr>
                 <p:cNvPr id="124" name="Tinta 123">
@@ -19089,8 +19089,8 @@
             </p:pic>
           </mc:Fallback>
         </mc:AlternateContent>
-        <mc:AlternateContent xmlns:mc="http://schemas.openxmlformats.org/markup-compatibility/2006">
-          <mc:Choice xmlns:p14="http://schemas.microsoft.com/office/powerpoint/2010/main" Requires="p14">
+        <mc:AlternateContent xmlns:mc="http://schemas.openxmlformats.org/markup-compatibility/2006" xmlns:p14="http://schemas.microsoft.com/office/powerpoint/2010/main">
+          <mc:Choice Requires="p14">
             <p:contentPart p14:bwMode="auto" r:id="rId208">
               <p14:nvContentPartPr>
                 <p14:cNvPr id="125" name="Tinta 124">
@@ -19109,7 +19109,7 @@
               </p14:xfrm>
             </p:contentPart>
           </mc:Choice>
-          <mc:Fallback>
+          <mc:Fallback xmlns="">
             <p:pic>
               <p:nvPicPr>
                 <p:cNvPr id="125" name="Tinta 124">
@@ -19140,8 +19140,8 @@
             </p:pic>
           </mc:Fallback>
         </mc:AlternateContent>
-        <mc:AlternateContent xmlns:mc="http://schemas.openxmlformats.org/markup-compatibility/2006">
-          <mc:Choice xmlns:p14="http://schemas.microsoft.com/office/powerpoint/2010/main" Requires="p14">
+        <mc:AlternateContent xmlns:mc="http://schemas.openxmlformats.org/markup-compatibility/2006" xmlns:p14="http://schemas.microsoft.com/office/powerpoint/2010/main">
+          <mc:Choice Requires="p14">
             <p:contentPart p14:bwMode="auto" r:id="rId210">
               <p14:nvContentPartPr>
                 <p14:cNvPr id="127" name="Tinta 126">
@@ -19160,7 +19160,7 @@
               </p14:xfrm>
             </p:contentPart>
           </mc:Choice>
-          <mc:Fallback>
+          <mc:Fallback xmlns="">
             <p:pic>
               <p:nvPicPr>
                 <p:cNvPr id="127" name="Tinta 126">
@@ -19191,8 +19191,8 @@
             </p:pic>
           </mc:Fallback>
         </mc:AlternateContent>
-        <mc:AlternateContent xmlns:mc="http://schemas.openxmlformats.org/markup-compatibility/2006">
-          <mc:Choice xmlns:p14="http://schemas.microsoft.com/office/powerpoint/2010/main" Requires="p14">
+        <mc:AlternateContent xmlns:mc="http://schemas.openxmlformats.org/markup-compatibility/2006" xmlns:p14="http://schemas.microsoft.com/office/powerpoint/2010/main">
+          <mc:Choice Requires="p14">
             <p:contentPart p14:bwMode="auto" r:id="rId212">
               <p14:nvContentPartPr>
                 <p14:cNvPr id="128" name="Tinta 127">
@@ -19211,7 +19211,7 @@
               </p14:xfrm>
             </p:contentPart>
           </mc:Choice>
-          <mc:Fallback>
+          <mc:Fallback xmlns="">
             <p:pic>
               <p:nvPicPr>
                 <p:cNvPr id="128" name="Tinta 127">
@@ -19242,8 +19242,8 @@
             </p:pic>
           </mc:Fallback>
         </mc:AlternateContent>
-        <mc:AlternateContent xmlns:mc="http://schemas.openxmlformats.org/markup-compatibility/2006">
-          <mc:Choice xmlns:p14="http://schemas.microsoft.com/office/powerpoint/2010/main" Requires="p14">
+        <mc:AlternateContent xmlns:mc="http://schemas.openxmlformats.org/markup-compatibility/2006" xmlns:p14="http://schemas.microsoft.com/office/powerpoint/2010/main">
+          <mc:Choice Requires="p14">
             <p:contentPart p14:bwMode="auto" r:id="rId214">
               <p14:nvContentPartPr>
                 <p14:cNvPr id="129" name="Tinta 128">
@@ -19262,7 +19262,7 @@
               </p14:xfrm>
             </p:contentPart>
           </mc:Choice>
-          <mc:Fallback>
+          <mc:Fallback xmlns="">
             <p:pic>
               <p:nvPicPr>
                 <p:cNvPr id="129" name="Tinta 128">
@@ -19293,8 +19293,8 @@
             </p:pic>
           </mc:Fallback>
         </mc:AlternateContent>
-        <mc:AlternateContent xmlns:mc="http://schemas.openxmlformats.org/markup-compatibility/2006">
-          <mc:Choice xmlns:p14="http://schemas.microsoft.com/office/powerpoint/2010/main" Requires="p14">
+        <mc:AlternateContent xmlns:mc="http://schemas.openxmlformats.org/markup-compatibility/2006" xmlns:p14="http://schemas.microsoft.com/office/powerpoint/2010/main">
+          <mc:Choice Requires="p14">
             <p:contentPart p14:bwMode="auto" r:id="rId216">
               <p14:nvContentPartPr>
                 <p14:cNvPr id="130" name="Tinta 129">
@@ -19313,7 +19313,7 @@
               </p14:xfrm>
             </p:contentPart>
           </mc:Choice>
-          <mc:Fallback>
+          <mc:Fallback xmlns="">
             <p:pic>
               <p:nvPicPr>
                 <p:cNvPr id="130" name="Tinta 129">
@@ -19344,8 +19344,8 @@
             </p:pic>
           </mc:Fallback>
         </mc:AlternateContent>
-        <mc:AlternateContent xmlns:mc="http://schemas.openxmlformats.org/markup-compatibility/2006">
-          <mc:Choice xmlns:p14="http://schemas.microsoft.com/office/powerpoint/2010/main" Requires="p14">
+        <mc:AlternateContent xmlns:mc="http://schemas.openxmlformats.org/markup-compatibility/2006" xmlns:p14="http://schemas.microsoft.com/office/powerpoint/2010/main">
+          <mc:Choice Requires="p14">
             <p:contentPart p14:bwMode="auto" r:id="rId218">
               <p14:nvContentPartPr>
                 <p14:cNvPr id="131" name="Tinta 130">
@@ -19364,7 +19364,7 @@
               </p14:xfrm>
             </p:contentPart>
           </mc:Choice>
-          <mc:Fallback>
+          <mc:Fallback xmlns="">
             <p:pic>
               <p:nvPicPr>
                 <p:cNvPr id="131" name="Tinta 130">
@@ -19395,8 +19395,8 @@
             </p:pic>
           </mc:Fallback>
         </mc:AlternateContent>
-        <mc:AlternateContent xmlns:mc="http://schemas.openxmlformats.org/markup-compatibility/2006">
-          <mc:Choice xmlns:p14="http://schemas.microsoft.com/office/powerpoint/2010/main" Requires="p14">
+        <mc:AlternateContent xmlns:mc="http://schemas.openxmlformats.org/markup-compatibility/2006" xmlns:p14="http://schemas.microsoft.com/office/powerpoint/2010/main">
+          <mc:Choice Requires="p14">
             <p:contentPart p14:bwMode="auto" r:id="rId220">
               <p14:nvContentPartPr>
                 <p14:cNvPr id="132" name="Tinta 131">
@@ -19415,7 +19415,7 @@
               </p14:xfrm>
             </p:contentPart>
           </mc:Choice>
-          <mc:Fallback>
+          <mc:Fallback xmlns="">
             <p:pic>
               <p:nvPicPr>
                 <p:cNvPr id="132" name="Tinta 131">
@@ -19467,8 +19467,8 @@
             <a:chExt cx="759600" cy="885960"/>
           </a:xfrm>
         </p:grpSpPr>
-        <mc:AlternateContent xmlns:mc="http://schemas.openxmlformats.org/markup-compatibility/2006">
-          <mc:Choice xmlns:p14="http://schemas.microsoft.com/office/powerpoint/2010/main" Requires="p14">
+        <mc:AlternateContent xmlns:mc="http://schemas.openxmlformats.org/markup-compatibility/2006" xmlns:p14="http://schemas.microsoft.com/office/powerpoint/2010/main">
+          <mc:Choice Requires="p14">
             <p:contentPart p14:bwMode="auto" r:id="rId222">
               <p14:nvContentPartPr>
                 <p14:cNvPr id="145" name="Tinta 144">
@@ -19487,7 +19487,7 @@
               </p14:xfrm>
             </p:contentPart>
           </mc:Choice>
-          <mc:Fallback>
+          <mc:Fallback xmlns="">
             <p:pic>
               <p:nvPicPr>
                 <p:cNvPr id="145" name="Tinta 144">
@@ -19518,8 +19518,8 @@
             </p:pic>
           </mc:Fallback>
         </mc:AlternateContent>
-        <mc:AlternateContent xmlns:mc="http://schemas.openxmlformats.org/markup-compatibility/2006">
-          <mc:Choice xmlns:p14="http://schemas.microsoft.com/office/powerpoint/2010/main" Requires="p14">
+        <mc:AlternateContent xmlns:mc="http://schemas.openxmlformats.org/markup-compatibility/2006" xmlns:p14="http://schemas.microsoft.com/office/powerpoint/2010/main">
+          <mc:Choice Requires="p14">
             <p:contentPart p14:bwMode="auto" r:id="rId224">
               <p14:nvContentPartPr>
                 <p14:cNvPr id="146" name="Tinta 145">
@@ -19538,7 +19538,7 @@
               </p14:xfrm>
             </p:contentPart>
           </mc:Choice>
-          <mc:Fallback>
+          <mc:Fallback xmlns="">
             <p:pic>
               <p:nvPicPr>
                 <p:cNvPr id="146" name="Tinta 145">
@@ -19569,8 +19569,8 @@
             </p:pic>
           </mc:Fallback>
         </mc:AlternateContent>
-        <mc:AlternateContent xmlns:mc="http://schemas.openxmlformats.org/markup-compatibility/2006">
-          <mc:Choice xmlns:p14="http://schemas.microsoft.com/office/powerpoint/2010/main" Requires="p14">
+        <mc:AlternateContent xmlns:mc="http://schemas.openxmlformats.org/markup-compatibility/2006" xmlns:p14="http://schemas.microsoft.com/office/powerpoint/2010/main">
+          <mc:Choice Requires="p14">
             <p:contentPart p14:bwMode="auto" r:id="rId226">
               <p14:nvContentPartPr>
                 <p14:cNvPr id="147" name="Tinta 146">
@@ -19589,7 +19589,7 @@
               </p14:xfrm>
             </p:contentPart>
           </mc:Choice>
-          <mc:Fallback>
+          <mc:Fallback xmlns="">
             <p:pic>
               <p:nvPicPr>
                 <p:cNvPr id="147" name="Tinta 146">
@@ -19620,8 +19620,8 @@
             </p:pic>
           </mc:Fallback>
         </mc:AlternateContent>
-        <mc:AlternateContent xmlns:mc="http://schemas.openxmlformats.org/markup-compatibility/2006">
-          <mc:Choice xmlns:p14="http://schemas.microsoft.com/office/powerpoint/2010/main" Requires="p14">
+        <mc:AlternateContent xmlns:mc="http://schemas.openxmlformats.org/markup-compatibility/2006" xmlns:p14="http://schemas.microsoft.com/office/powerpoint/2010/main">
+          <mc:Choice Requires="p14">
             <p:contentPart p14:bwMode="auto" r:id="rId228">
               <p14:nvContentPartPr>
                 <p14:cNvPr id="148" name="Tinta 147">
@@ -19640,7 +19640,7 @@
               </p14:xfrm>
             </p:contentPart>
           </mc:Choice>
-          <mc:Fallback>
+          <mc:Fallback xmlns="">
             <p:pic>
               <p:nvPicPr>
                 <p:cNvPr id="148" name="Tinta 147">
@@ -19671,8 +19671,8 @@
             </p:pic>
           </mc:Fallback>
         </mc:AlternateContent>
-        <mc:AlternateContent xmlns:mc="http://schemas.openxmlformats.org/markup-compatibility/2006">
-          <mc:Choice xmlns:p14="http://schemas.microsoft.com/office/powerpoint/2010/main" Requires="p14">
+        <mc:AlternateContent xmlns:mc="http://schemas.openxmlformats.org/markup-compatibility/2006" xmlns:p14="http://schemas.microsoft.com/office/powerpoint/2010/main">
+          <mc:Choice Requires="p14">
             <p:contentPart p14:bwMode="auto" r:id="rId230">
               <p14:nvContentPartPr>
                 <p14:cNvPr id="150" name="Tinta 149">
@@ -19691,7 +19691,7 @@
               </p14:xfrm>
             </p:contentPart>
           </mc:Choice>
-          <mc:Fallback>
+          <mc:Fallback xmlns="">
             <p:pic>
               <p:nvPicPr>
                 <p:cNvPr id="150" name="Tinta 149">
@@ -19722,8 +19722,8 @@
             </p:pic>
           </mc:Fallback>
         </mc:AlternateContent>
-        <mc:AlternateContent xmlns:mc="http://schemas.openxmlformats.org/markup-compatibility/2006">
-          <mc:Choice xmlns:p14="http://schemas.microsoft.com/office/powerpoint/2010/main" Requires="p14">
+        <mc:AlternateContent xmlns:mc="http://schemas.openxmlformats.org/markup-compatibility/2006" xmlns:p14="http://schemas.microsoft.com/office/powerpoint/2010/main">
+          <mc:Choice Requires="p14">
             <p:contentPart p14:bwMode="auto" r:id="rId232">
               <p14:nvContentPartPr>
                 <p14:cNvPr id="151" name="Tinta 150">
@@ -19742,7 +19742,7 @@
               </p14:xfrm>
             </p:contentPart>
           </mc:Choice>
-          <mc:Fallback>
+          <mc:Fallback xmlns="">
             <p:pic>
               <p:nvPicPr>
                 <p:cNvPr id="151" name="Tinta 150">
@@ -19773,8 +19773,8 @@
             </p:pic>
           </mc:Fallback>
         </mc:AlternateContent>
-        <mc:AlternateContent xmlns:mc="http://schemas.openxmlformats.org/markup-compatibility/2006">
-          <mc:Choice xmlns:p14="http://schemas.microsoft.com/office/powerpoint/2010/main" Requires="p14">
+        <mc:AlternateContent xmlns:mc="http://schemas.openxmlformats.org/markup-compatibility/2006" xmlns:p14="http://schemas.microsoft.com/office/powerpoint/2010/main">
+          <mc:Choice Requires="p14">
             <p:contentPart p14:bwMode="auto" r:id="rId234">
               <p14:nvContentPartPr>
                 <p14:cNvPr id="152" name="Tinta 151">
@@ -19793,7 +19793,7 @@
               </p14:xfrm>
             </p:contentPart>
           </mc:Choice>
-          <mc:Fallback>
+          <mc:Fallback xmlns="">
             <p:pic>
               <p:nvPicPr>
                 <p:cNvPr id="152" name="Tinta 151">
@@ -19824,8 +19824,8 @@
             </p:pic>
           </mc:Fallback>
         </mc:AlternateContent>
-        <mc:AlternateContent xmlns:mc="http://schemas.openxmlformats.org/markup-compatibility/2006">
-          <mc:Choice xmlns:p14="http://schemas.microsoft.com/office/powerpoint/2010/main" Requires="p14">
+        <mc:AlternateContent xmlns:mc="http://schemas.openxmlformats.org/markup-compatibility/2006" xmlns:p14="http://schemas.microsoft.com/office/powerpoint/2010/main">
+          <mc:Choice Requires="p14">
             <p:contentPart p14:bwMode="auto" r:id="rId236">
               <p14:nvContentPartPr>
                 <p14:cNvPr id="153" name="Tinta 152">
@@ -19844,7 +19844,7 @@
               </p14:xfrm>
             </p:contentPart>
           </mc:Choice>
-          <mc:Fallback>
+          <mc:Fallback xmlns="">
             <p:pic>
               <p:nvPicPr>
                 <p:cNvPr id="153" name="Tinta 152">
@@ -19875,8 +19875,8 @@
             </p:pic>
           </mc:Fallback>
         </mc:AlternateContent>
-        <mc:AlternateContent xmlns:mc="http://schemas.openxmlformats.org/markup-compatibility/2006">
-          <mc:Choice xmlns:p14="http://schemas.microsoft.com/office/powerpoint/2010/main" Requires="p14">
+        <mc:AlternateContent xmlns:mc="http://schemas.openxmlformats.org/markup-compatibility/2006" xmlns:p14="http://schemas.microsoft.com/office/powerpoint/2010/main">
+          <mc:Choice Requires="p14">
             <p:contentPart p14:bwMode="auto" r:id="rId238">
               <p14:nvContentPartPr>
                 <p14:cNvPr id="154" name="Tinta 153">
@@ -19895,7 +19895,7 @@
               </p14:xfrm>
             </p:contentPart>
           </mc:Choice>
-          <mc:Fallback>
+          <mc:Fallback xmlns="">
             <p:pic>
               <p:nvPicPr>
                 <p:cNvPr id="154" name="Tinta 153">
@@ -19926,8 +19926,8 @@
             </p:pic>
           </mc:Fallback>
         </mc:AlternateContent>
-        <mc:AlternateContent xmlns:mc="http://schemas.openxmlformats.org/markup-compatibility/2006">
-          <mc:Choice xmlns:p14="http://schemas.microsoft.com/office/powerpoint/2010/main" Requires="p14">
+        <mc:AlternateContent xmlns:mc="http://schemas.openxmlformats.org/markup-compatibility/2006" xmlns:p14="http://schemas.microsoft.com/office/powerpoint/2010/main">
+          <mc:Choice Requires="p14">
             <p:contentPart p14:bwMode="auto" r:id="rId240">
               <p14:nvContentPartPr>
                 <p14:cNvPr id="155" name="Tinta 154">
@@ -19946,7 +19946,7 @@
               </p14:xfrm>
             </p:contentPart>
           </mc:Choice>
-          <mc:Fallback>
+          <mc:Fallback xmlns="">
             <p:pic>
               <p:nvPicPr>
                 <p:cNvPr id="155" name="Tinta 154">
@@ -19998,8 +19998,8 @@
             <a:chExt cx="751320" cy="1428480"/>
           </a:xfrm>
         </p:grpSpPr>
-        <mc:AlternateContent xmlns:mc="http://schemas.openxmlformats.org/markup-compatibility/2006">
-          <mc:Choice xmlns:p14="http://schemas.microsoft.com/office/powerpoint/2010/main" Requires="p14">
+        <mc:AlternateContent xmlns:mc="http://schemas.openxmlformats.org/markup-compatibility/2006" xmlns:p14="http://schemas.microsoft.com/office/powerpoint/2010/main">
+          <mc:Choice Requires="p14">
             <p:contentPart p14:bwMode="auto" r:id="rId242">
               <p14:nvContentPartPr>
                 <p14:cNvPr id="157" name="Tinta 156">
@@ -20018,7 +20018,7 @@
               </p14:xfrm>
             </p:contentPart>
           </mc:Choice>
-          <mc:Fallback>
+          <mc:Fallback xmlns="">
             <p:pic>
               <p:nvPicPr>
                 <p:cNvPr id="157" name="Tinta 156">
@@ -20049,8 +20049,8 @@
             </p:pic>
           </mc:Fallback>
         </mc:AlternateContent>
-        <mc:AlternateContent xmlns:mc="http://schemas.openxmlformats.org/markup-compatibility/2006">
-          <mc:Choice xmlns:p14="http://schemas.microsoft.com/office/powerpoint/2010/main" Requires="p14">
+        <mc:AlternateContent xmlns:mc="http://schemas.openxmlformats.org/markup-compatibility/2006" xmlns:p14="http://schemas.microsoft.com/office/powerpoint/2010/main">
+          <mc:Choice Requires="p14">
             <p:contentPart p14:bwMode="auto" r:id="rId244">
               <p14:nvContentPartPr>
                 <p14:cNvPr id="158" name="Tinta 157">
@@ -20069,7 +20069,7 @@
               </p14:xfrm>
             </p:contentPart>
           </mc:Choice>
-          <mc:Fallback>
+          <mc:Fallback xmlns="">
             <p:pic>
               <p:nvPicPr>
                 <p:cNvPr id="158" name="Tinta 157">
@@ -20100,8 +20100,8 @@
             </p:pic>
           </mc:Fallback>
         </mc:AlternateContent>
-        <mc:AlternateContent xmlns:mc="http://schemas.openxmlformats.org/markup-compatibility/2006">
-          <mc:Choice xmlns:p14="http://schemas.microsoft.com/office/powerpoint/2010/main" Requires="p14">
+        <mc:AlternateContent xmlns:mc="http://schemas.openxmlformats.org/markup-compatibility/2006" xmlns:p14="http://schemas.microsoft.com/office/powerpoint/2010/main">
+          <mc:Choice Requires="p14">
             <p:contentPart p14:bwMode="auto" r:id="rId246">
               <p14:nvContentPartPr>
                 <p14:cNvPr id="159" name="Tinta 158">
@@ -20120,7 +20120,7 @@
               </p14:xfrm>
             </p:contentPart>
           </mc:Choice>
-          <mc:Fallback>
+          <mc:Fallback xmlns="">
             <p:pic>
               <p:nvPicPr>
                 <p:cNvPr id="159" name="Tinta 158">
@@ -20151,8 +20151,8 @@
             </p:pic>
           </mc:Fallback>
         </mc:AlternateContent>
-        <mc:AlternateContent xmlns:mc="http://schemas.openxmlformats.org/markup-compatibility/2006">
-          <mc:Choice xmlns:p14="http://schemas.microsoft.com/office/powerpoint/2010/main" Requires="p14">
+        <mc:AlternateContent xmlns:mc="http://schemas.openxmlformats.org/markup-compatibility/2006" xmlns:p14="http://schemas.microsoft.com/office/powerpoint/2010/main">
+          <mc:Choice Requires="p14">
             <p:contentPart p14:bwMode="auto" r:id="rId248">
               <p14:nvContentPartPr>
                 <p14:cNvPr id="160" name="Tinta 159">
@@ -20171,7 +20171,7 @@
               </p14:xfrm>
             </p:contentPart>
           </mc:Choice>
-          <mc:Fallback>
+          <mc:Fallback xmlns="">
             <p:pic>
               <p:nvPicPr>
                 <p:cNvPr id="160" name="Tinta 159">
@@ -20202,8 +20202,8 @@
             </p:pic>
           </mc:Fallback>
         </mc:AlternateContent>
-        <mc:AlternateContent xmlns:mc="http://schemas.openxmlformats.org/markup-compatibility/2006">
-          <mc:Choice xmlns:p14="http://schemas.microsoft.com/office/powerpoint/2010/main" Requires="p14">
+        <mc:AlternateContent xmlns:mc="http://schemas.openxmlformats.org/markup-compatibility/2006" xmlns:p14="http://schemas.microsoft.com/office/powerpoint/2010/main">
+          <mc:Choice Requires="p14">
             <p:contentPart p14:bwMode="auto" r:id="rId250">
               <p14:nvContentPartPr>
                 <p14:cNvPr id="161" name="Tinta 160">
@@ -20222,7 +20222,7 @@
               </p14:xfrm>
             </p:contentPart>
           </mc:Choice>
-          <mc:Fallback>
+          <mc:Fallback xmlns="">
             <p:pic>
               <p:nvPicPr>
                 <p:cNvPr id="161" name="Tinta 160">
@@ -20253,8 +20253,8 @@
             </p:pic>
           </mc:Fallback>
         </mc:AlternateContent>
-        <mc:AlternateContent xmlns:mc="http://schemas.openxmlformats.org/markup-compatibility/2006">
-          <mc:Choice xmlns:p14="http://schemas.microsoft.com/office/powerpoint/2010/main" Requires="p14">
+        <mc:AlternateContent xmlns:mc="http://schemas.openxmlformats.org/markup-compatibility/2006" xmlns:p14="http://schemas.microsoft.com/office/powerpoint/2010/main">
+          <mc:Choice Requires="p14">
             <p:contentPart p14:bwMode="auto" r:id="rId252">
               <p14:nvContentPartPr>
                 <p14:cNvPr id="162" name="Tinta 161">
@@ -20273,7 +20273,7 @@
               </p14:xfrm>
             </p:contentPart>
           </mc:Choice>
-          <mc:Fallback>
+          <mc:Fallback xmlns="">
             <p:pic>
               <p:nvPicPr>
                 <p:cNvPr id="162" name="Tinta 161">
@@ -20304,8 +20304,8 @@
             </p:pic>
           </mc:Fallback>
         </mc:AlternateContent>
-        <mc:AlternateContent xmlns:mc="http://schemas.openxmlformats.org/markup-compatibility/2006">
-          <mc:Choice xmlns:p14="http://schemas.microsoft.com/office/powerpoint/2010/main" Requires="p14">
+        <mc:AlternateContent xmlns:mc="http://schemas.openxmlformats.org/markup-compatibility/2006" xmlns:p14="http://schemas.microsoft.com/office/powerpoint/2010/main">
+          <mc:Choice Requires="p14">
             <p:contentPart p14:bwMode="auto" r:id="rId254">
               <p14:nvContentPartPr>
                 <p14:cNvPr id="163" name="Tinta 162">
@@ -20324,7 +20324,7 @@
               </p14:xfrm>
             </p:contentPart>
           </mc:Choice>
-          <mc:Fallback>
+          <mc:Fallback xmlns="">
             <p:pic>
               <p:nvPicPr>
                 <p:cNvPr id="163" name="Tinta 162">
@@ -20355,8 +20355,8 @@
             </p:pic>
           </mc:Fallback>
         </mc:AlternateContent>
-        <mc:AlternateContent xmlns:mc="http://schemas.openxmlformats.org/markup-compatibility/2006">
-          <mc:Choice xmlns:p14="http://schemas.microsoft.com/office/powerpoint/2010/main" Requires="p14">
+        <mc:AlternateContent xmlns:mc="http://schemas.openxmlformats.org/markup-compatibility/2006" xmlns:p14="http://schemas.microsoft.com/office/powerpoint/2010/main">
+          <mc:Choice Requires="p14">
             <p:contentPart p14:bwMode="auto" r:id="rId256">
               <p14:nvContentPartPr>
                 <p14:cNvPr id="164" name="Tinta 163">
@@ -20375,7 +20375,7 @@
               </p14:xfrm>
             </p:contentPart>
           </mc:Choice>
-          <mc:Fallback>
+          <mc:Fallback xmlns="">
             <p:pic>
               <p:nvPicPr>
                 <p:cNvPr id="164" name="Tinta 163">
@@ -20427,8 +20427,8 @@
             <a:chExt cx="2152800" cy="3177360"/>
           </a:xfrm>
         </p:grpSpPr>
-        <mc:AlternateContent xmlns:mc="http://schemas.openxmlformats.org/markup-compatibility/2006">
-          <mc:Choice xmlns:p14="http://schemas.microsoft.com/office/powerpoint/2010/main" Requires="p14">
+        <mc:AlternateContent xmlns:mc="http://schemas.openxmlformats.org/markup-compatibility/2006" xmlns:p14="http://schemas.microsoft.com/office/powerpoint/2010/main">
+          <mc:Choice Requires="p14">
             <p:contentPart p14:bwMode="auto" r:id="rId258">
               <p14:nvContentPartPr>
                 <p14:cNvPr id="167" name="Tinta 166">
@@ -20447,7 +20447,7 @@
               </p14:xfrm>
             </p:contentPart>
           </mc:Choice>
-          <mc:Fallback>
+          <mc:Fallback xmlns="">
             <p:pic>
               <p:nvPicPr>
                 <p:cNvPr id="167" name="Tinta 166">
@@ -20478,8 +20478,8 @@
             </p:pic>
           </mc:Fallback>
         </mc:AlternateContent>
-        <mc:AlternateContent xmlns:mc="http://schemas.openxmlformats.org/markup-compatibility/2006">
-          <mc:Choice xmlns:p14="http://schemas.microsoft.com/office/powerpoint/2010/main" Requires="p14">
+        <mc:AlternateContent xmlns:mc="http://schemas.openxmlformats.org/markup-compatibility/2006" xmlns:p14="http://schemas.microsoft.com/office/powerpoint/2010/main">
+          <mc:Choice Requires="p14">
             <p:contentPart p14:bwMode="auto" r:id="rId260">
               <p14:nvContentPartPr>
                 <p14:cNvPr id="168" name="Tinta 167">
@@ -20498,7 +20498,7 @@
               </p14:xfrm>
             </p:contentPart>
           </mc:Choice>
-          <mc:Fallback>
+          <mc:Fallback xmlns="">
             <p:pic>
               <p:nvPicPr>
                 <p:cNvPr id="168" name="Tinta 167">
@@ -20529,8 +20529,8 @@
             </p:pic>
           </mc:Fallback>
         </mc:AlternateContent>
-        <mc:AlternateContent xmlns:mc="http://schemas.openxmlformats.org/markup-compatibility/2006">
-          <mc:Choice xmlns:p14="http://schemas.microsoft.com/office/powerpoint/2010/main" Requires="p14">
+        <mc:AlternateContent xmlns:mc="http://schemas.openxmlformats.org/markup-compatibility/2006" xmlns:p14="http://schemas.microsoft.com/office/powerpoint/2010/main">
+          <mc:Choice Requires="p14">
             <p:contentPart p14:bwMode="auto" r:id="rId262">
               <p14:nvContentPartPr>
                 <p14:cNvPr id="170" name="Tinta 169">
@@ -20549,7 +20549,7 @@
               </p14:xfrm>
             </p:contentPart>
           </mc:Choice>
-          <mc:Fallback>
+          <mc:Fallback xmlns="">
             <p:pic>
               <p:nvPicPr>
                 <p:cNvPr id="170" name="Tinta 169">
@@ -20580,8 +20580,8 @@
             </p:pic>
           </mc:Fallback>
         </mc:AlternateContent>
-        <mc:AlternateContent xmlns:mc="http://schemas.openxmlformats.org/markup-compatibility/2006">
-          <mc:Choice xmlns:p14="http://schemas.microsoft.com/office/powerpoint/2010/main" Requires="p14">
+        <mc:AlternateContent xmlns:mc="http://schemas.openxmlformats.org/markup-compatibility/2006" xmlns:p14="http://schemas.microsoft.com/office/powerpoint/2010/main">
+          <mc:Choice Requires="p14">
             <p:contentPart p14:bwMode="auto" r:id="rId264">
               <p14:nvContentPartPr>
                 <p14:cNvPr id="171" name="Tinta 170">
@@ -20600,7 +20600,7 @@
               </p14:xfrm>
             </p:contentPart>
           </mc:Choice>
-          <mc:Fallback>
+          <mc:Fallback xmlns="">
             <p:pic>
               <p:nvPicPr>
                 <p:cNvPr id="171" name="Tinta 170">
@@ -20631,8 +20631,8 @@
             </p:pic>
           </mc:Fallback>
         </mc:AlternateContent>
-        <mc:AlternateContent xmlns:mc="http://schemas.openxmlformats.org/markup-compatibility/2006">
-          <mc:Choice xmlns:p14="http://schemas.microsoft.com/office/powerpoint/2010/main" Requires="p14">
+        <mc:AlternateContent xmlns:mc="http://schemas.openxmlformats.org/markup-compatibility/2006" xmlns:p14="http://schemas.microsoft.com/office/powerpoint/2010/main">
+          <mc:Choice Requires="p14">
             <p:contentPart p14:bwMode="auto" r:id="rId266">
               <p14:nvContentPartPr>
                 <p14:cNvPr id="172" name="Tinta 171">
@@ -20651,7 +20651,7 @@
               </p14:xfrm>
             </p:contentPart>
           </mc:Choice>
-          <mc:Fallback>
+          <mc:Fallback xmlns="">
             <p:pic>
               <p:nvPicPr>
                 <p:cNvPr id="172" name="Tinta 171">
@@ -20682,8 +20682,8 @@
             </p:pic>
           </mc:Fallback>
         </mc:AlternateContent>
-        <mc:AlternateContent xmlns:mc="http://schemas.openxmlformats.org/markup-compatibility/2006">
-          <mc:Choice xmlns:p14="http://schemas.microsoft.com/office/powerpoint/2010/main" Requires="p14">
+        <mc:AlternateContent xmlns:mc="http://schemas.openxmlformats.org/markup-compatibility/2006" xmlns:p14="http://schemas.microsoft.com/office/powerpoint/2010/main">
+          <mc:Choice Requires="p14">
             <p:contentPart p14:bwMode="auto" r:id="rId268">
               <p14:nvContentPartPr>
                 <p14:cNvPr id="173" name="Tinta 172">
@@ -20702,7 +20702,7 @@
               </p14:xfrm>
             </p:contentPart>
           </mc:Choice>
-          <mc:Fallback>
+          <mc:Fallback xmlns="">
             <p:pic>
               <p:nvPicPr>
                 <p:cNvPr id="173" name="Tinta 172">
@@ -20733,8 +20733,8 @@
             </p:pic>
           </mc:Fallback>
         </mc:AlternateContent>
-        <mc:AlternateContent xmlns:mc="http://schemas.openxmlformats.org/markup-compatibility/2006">
-          <mc:Choice xmlns:p14="http://schemas.microsoft.com/office/powerpoint/2010/main" Requires="p14">
+        <mc:AlternateContent xmlns:mc="http://schemas.openxmlformats.org/markup-compatibility/2006" xmlns:p14="http://schemas.microsoft.com/office/powerpoint/2010/main">
+          <mc:Choice Requires="p14">
             <p:contentPart p14:bwMode="auto" r:id="rId270">
               <p14:nvContentPartPr>
                 <p14:cNvPr id="174" name="Tinta 173">
@@ -20753,7 +20753,7 @@
               </p14:xfrm>
             </p:contentPart>
           </mc:Choice>
-          <mc:Fallback>
+          <mc:Fallback xmlns="">
             <p:pic>
               <p:nvPicPr>
                 <p:cNvPr id="174" name="Tinta 173">
@@ -20784,8 +20784,8 @@
             </p:pic>
           </mc:Fallback>
         </mc:AlternateContent>
-        <mc:AlternateContent xmlns:mc="http://schemas.openxmlformats.org/markup-compatibility/2006">
-          <mc:Choice xmlns:p14="http://schemas.microsoft.com/office/powerpoint/2010/main" Requires="p14">
+        <mc:AlternateContent xmlns:mc="http://schemas.openxmlformats.org/markup-compatibility/2006" xmlns:p14="http://schemas.microsoft.com/office/powerpoint/2010/main">
+          <mc:Choice Requires="p14">
             <p:contentPart p14:bwMode="auto" r:id="rId272">
               <p14:nvContentPartPr>
                 <p14:cNvPr id="175" name="Tinta 174">
@@ -20804,7 +20804,7 @@
               </p14:xfrm>
             </p:contentPart>
           </mc:Choice>
-          <mc:Fallback>
+          <mc:Fallback xmlns="">
             <p:pic>
               <p:nvPicPr>
                 <p:cNvPr id="175" name="Tinta 174">
@@ -20835,8 +20835,8 @@
             </p:pic>
           </mc:Fallback>
         </mc:AlternateContent>
-        <mc:AlternateContent xmlns:mc="http://schemas.openxmlformats.org/markup-compatibility/2006">
-          <mc:Choice xmlns:p14="http://schemas.microsoft.com/office/powerpoint/2010/main" Requires="p14">
+        <mc:AlternateContent xmlns:mc="http://schemas.openxmlformats.org/markup-compatibility/2006" xmlns:p14="http://schemas.microsoft.com/office/powerpoint/2010/main">
+          <mc:Choice Requires="p14">
             <p:contentPart p14:bwMode="auto" r:id="rId274">
               <p14:nvContentPartPr>
                 <p14:cNvPr id="176" name="Tinta 175">
@@ -20855,7 +20855,7 @@
               </p14:xfrm>
             </p:contentPart>
           </mc:Choice>
-          <mc:Fallback>
+          <mc:Fallback xmlns="">
             <p:pic>
               <p:nvPicPr>
                 <p:cNvPr id="176" name="Tinta 175">
@@ -20886,8 +20886,8 @@
             </p:pic>
           </mc:Fallback>
         </mc:AlternateContent>
-        <mc:AlternateContent xmlns:mc="http://schemas.openxmlformats.org/markup-compatibility/2006">
-          <mc:Choice xmlns:p14="http://schemas.microsoft.com/office/powerpoint/2010/main" Requires="p14">
+        <mc:AlternateContent xmlns:mc="http://schemas.openxmlformats.org/markup-compatibility/2006" xmlns:p14="http://schemas.microsoft.com/office/powerpoint/2010/main">
+          <mc:Choice Requires="p14">
             <p:contentPart p14:bwMode="auto" r:id="rId276">
               <p14:nvContentPartPr>
                 <p14:cNvPr id="177" name="Tinta 176">
@@ -20906,7 +20906,7 @@
               </p14:xfrm>
             </p:contentPart>
           </mc:Choice>
-          <mc:Fallback>
+          <mc:Fallback xmlns="">
             <p:pic>
               <p:nvPicPr>
                 <p:cNvPr id="177" name="Tinta 176">
@@ -20937,8 +20937,8 @@
             </p:pic>
           </mc:Fallback>
         </mc:AlternateContent>
-        <mc:AlternateContent xmlns:mc="http://schemas.openxmlformats.org/markup-compatibility/2006">
-          <mc:Choice xmlns:p14="http://schemas.microsoft.com/office/powerpoint/2010/main" Requires="p14">
+        <mc:AlternateContent xmlns:mc="http://schemas.openxmlformats.org/markup-compatibility/2006" xmlns:p14="http://schemas.microsoft.com/office/powerpoint/2010/main">
+          <mc:Choice Requires="p14">
             <p:contentPart p14:bwMode="auto" r:id="rId278">
               <p14:nvContentPartPr>
                 <p14:cNvPr id="178" name="Tinta 177">
@@ -20957,7 +20957,7 @@
               </p14:xfrm>
             </p:contentPart>
           </mc:Choice>
-          <mc:Fallback>
+          <mc:Fallback xmlns="">
             <p:pic>
               <p:nvPicPr>
                 <p:cNvPr id="178" name="Tinta 177">
@@ -20988,8 +20988,8 @@
             </p:pic>
           </mc:Fallback>
         </mc:AlternateContent>
-        <mc:AlternateContent xmlns:mc="http://schemas.openxmlformats.org/markup-compatibility/2006">
-          <mc:Choice xmlns:p14="http://schemas.microsoft.com/office/powerpoint/2010/main" Requires="p14">
+        <mc:AlternateContent xmlns:mc="http://schemas.openxmlformats.org/markup-compatibility/2006" xmlns:p14="http://schemas.microsoft.com/office/powerpoint/2010/main">
+          <mc:Choice Requires="p14">
             <p:contentPart p14:bwMode="auto" r:id="rId280">
               <p14:nvContentPartPr>
                 <p14:cNvPr id="179" name="Tinta 178">
@@ -21008,7 +21008,7 @@
               </p14:xfrm>
             </p:contentPart>
           </mc:Choice>
-          <mc:Fallback>
+          <mc:Fallback xmlns="">
             <p:pic>
               <p:nvPicPr>
                 <p:cNvPr id="179" name="Tinta 178">
@@ -21039,8 +21039,8 @@
             </p:pic>
           </mc:Fallback>
         </mc:AlternateContent>
-        <mc:AlternateContent xmlns:mc="http://schemas.openxmlformats.org/markup-compatibility/2006">
-          <mc:Choice xmlns:p14="http://schemas.microsoft.com/office/powerpoint/2010/main" Requires="p14">
+        <mc:AlternateContent xmlns:mc="http://schemas.openxmlformats.org/markup-compatibility/2006" xmlns:p14="http://schemas.microsoft.com/office/powerpoint/2010/main">
+          <mc:Choice Requires="p14">
             <p:contentPart p14:bwMode="auto" r:id="rId282">
               <p14:nvContentPartPr>
                 <p14:cNvPr id="180" name="Tinta 179">
@@ -21059,7 +21059,7 @@
               </p14:xfrm>
             </p:contentPart>
           </mc:Choice>
-          <mc:Fallback>
+          <mc:Fallback xmlns="">
             <p:pic>
               <p:nvPicPr>
                 <p:cNvPr id="180" name="Tinta 179">
@@ -21090,8 +21090,8 @@
             </p:pic>
           </mc:Fallback>
         </mc:AlternateContent>
-        <mc:AlternateContent xmlns:mc="http://schemas.openxmlformats.org/markup-compatibility/2006">
-          <mc:Choice xmlns:p14="http://schemas.microsoft.com/office/powerpoint/2010/main" Requires="p14">
+        <mc:AlternateContent xmlns:mc="http://schemas.openxmlformats.org/markup-compatibility/2006" xmlns:p14="http://schemas.microsoft.com/office/powerpoint/2010/main">
+          <mc:Choice Requires="p14">
             <p:contentPart p14:bwMode="auto" r:id="rId284">
               <p14:nvContentPartPr>
                 <p14:cNvPr id="186" name="Tinta 185">
@@ -21110,7 +21110,7 @@
               </p14:xfrm>
             </p:contentPart>
           </mc:Choice>
-          <mc:Fallback>
+          <mc:Fallback xmlns="">
             <p:pic>
               <p:nvPicPr>
                 <p:cNvPr id="186" name="Tinta 185">
@@ -21141,8 +21141,8 @@
             </p:pic>
           </mc:Fallback>
         </mc:AlternateContent>
-        <mc:AlternateContent xmlns:mc="http://schemas.openxmlformats.org/markup-compatibility/2006">
-          <mc:Choice xmlns:p14="http://schemas.microsoft.com/office/powerpoint/2010/main" Requires="p14">
+        <mc:AlternateContent xmlns:mc="http://schemas.openxmlformats.org/markup-compatibility/2006" xmlns:p14="http://schemas.microsoft.com/office/powerpoint/2010/main">
+          <mc:Choice Requires="p14">
             <p:contentPart p14:bwMode="auto" r:id="rId286">
               <p14:nvContentPartPr>
                 <p14:cNvPr id="187" name="Tinta 186">
@@ -21161,7 +21161,7 @@
               </p14:xfrm>
             </p:contentPart>
           </mc:Choice>
-          <mc:Fallback>
+          <mc:Fallback xmlns="">
             <p:pic>
               <p:nvPicPr>
                 <p:cNvPr id="187" name="Tinta 186">
@@ -21192,8 +21192,8 @@
             </p:pic>
           </mc:Fallback>
         </mc:AlternateContent>
-        <mc:AlternateContent xmlns:mc="http://schemas.openxmlformats.org/markup-compatibility/2006">
-          <mc:Choice xmlns:p14="http://schemas.microsoft.com/office/powerpoint/2010/main" Requires="p14">
+        <mc:AlternateContent xmlns:mc="http://schemas.openxmlformats.org/markup-compatibility/2006" xmlns:p14="http://schemas.microsoft.com/office/powerpoint/2010/main">
+          <mc:Choice Requires="p14">
             <p:contentPart p14:bwMode="auto" r:id="rId288">
               <p14:nvContentPartPr>
                 <p14:cNvPr id="188" name="Tinta 187">
@@ -21212,7 +21212,7 @@
               </p14:xfrm>
             </p:contentPart>
           </mc:Choice>
-          <mc:Fallback>
+          <mc:Fallback xmlns="">
             <p:pic>
               <p:nvPicPr>
                 <p:cNvPr id="188" name="Tinta 187">
@@ -21243,8 +21243,8 @@
             </p:pic>
           </mc:Fallback>
         </mc:AlternateContent>
-        <mc:AlternateContent xmlns:mc="http://schemas.openxmlformats.org/markup-compatibility/2006">
-          <mc:Choice xmlns:p14="http://schemas.microsoft.com/office/powerpoint/2010/main" Requires="p14">
+        <mc:AlternateContent xmlns:mc="http://schemas.openxmlformats.org/markup-compatibility/2006" xmlns:p14="http://schemas.microsoft.com/office/powerpoint/2010/main">
+          <mc:Choice Requires="p14">
             <p:contentPart p14:bwMode="auto" r:id="rId290">
               <p14:nvContentPartPr>
                 <p14:cNvPr id="191" name="Tinta 190">
@@ -21263,7 +21263,7 @@
               </p14:xfrm>
             </p:contentPart>
           </mc:Choice>
-          <mc:Fallback>
+          <mc:Fallback xmlns="">
             <p:pic>
               <p:nvPicPr>
                 <p:cNvPr id="191" name="Tinta 190">
@@ -21294,8 +21294,8 @@
             </p:pic>
           </mc:Fallback>
         </mc:AlternateContent>
-        <mc:AlternateContent xmlns:mc="http://schemas.openxmlformats.org/markup-compatibility/2006">
-          <mc:Choice xmlns:p14="http://schemas.microsoft.com/office/powerpoint/2010/main" Requires="p14">
+        <mc:AlternateContent xmlns:mc="http://schemas.openxmlformats.org/markup-compatibility/2006" xmlns:p14="http://schemas.microsoft.com/office/powerpoint/2010/main">
+          <mc:Choice Requires="p14">
             <p:contentPart p14:bwMode="auto" r:id="rId292">
               <p14:nvContentPartPr>
                 <p14:cNvPr id="192" name="Tinta 191">
@@ -21314,7 +21314,7 @@
               </p14:xfrm>
             </p:contentPart>
           </mc:Choice>
-          <mc:Fallback>
+          <mc:Fallback xmlns="">
             <p:pic>
               <p:nvPicPr>
                 <p:cNvPr id="192" name="Tinta 191">
@@ -21345,8 +21345,8 @@
             </p:pic>
           </mc:Fallback>
         </mc:AlternateContent>
-        <mc:AlternateContent xmlns:mc="http://schemas.openxmlformats.org/markup-compatibility/2006">
-          <mc:Choice xmlns:p14="http://schemas.microsoft.com/office/powerpoint/2010/main" Requires="p14">
+        <mc:AlternateContent xmlns:mc="http://schemas.openxmlformats.org/markup-compatibility/2006" xmlns:p14="http://schemas.microsoft.com/office/powerpoint/2010/main">
+          <mc:Choice Requires="p14">
             <p:contentPart p14:bwMode="auto" r:id="rId294">
               <p14:nvContentPartPr>
                 <p14:cNvPr id="193" name="Tinta 192">
@@ -21365,7 +21365,7 @@
               </p14:xfrm>
             </p:contentPart>
           </mc:Choice>
-          <mc:Fallback>
+          <mc:Fallback xmlns="">
             <p:pic>
               <p:nvPicPr>
                 <p:cNvPr id="193" name="Tinta 192">
@@ -21396,8 +21396,8 @@
             </p:pic>
           </mc:Fallback>
         </mc:AlternateContent>
-        <mc:AlternateContent xmlns:mc="http://schemas.openxmlformats.org/markup-compatibility/2006">
-          <mc:Choice xmlns:p14="http://schemas.microsoft.com/office/powerpoint/2010/main" Requires="p14">
+        <mc:AlternateContent xmlns:mc="http://schemas.openxmlformats.org/markup-compatibility/2006" xmlns:p14="http://schemas.microsoft.com/office/powerpoint/2010/main">
+          <mc:Choice Requires="p14">
             <p:contentPart p14:bwMode="auto" r:id="rId296">
               <p14:nvContentPartPr>
                 <p14:cNvPr id="194" name="Tinta 193">
@@ -21416,7 +21416,7 @@
               </p14:xfrm>
             </p:contentPart>
           </mc:Choice>
-          <mc:Fallback>
+          <mc:Fallback xmlns="">
             <p:pic>
               <p:nvPicPr>
                 <p:cNvPr id="194" name="Tinta 193">
@@ -21447,8 +21447,8 @@
             </p:pic>
           </mc:Fallback>
         </mc:AlternateContent>
-        <mc:AlternateContent xmlns:mc="http://schemas.openxmlformats.org/markup-compatibility/2006">
-          <mc:Choice xmlns:p14="http://schemas.microsoft.com/office/powerpoint/2010/main" Requires="p14">
+        <mc:AlternateContent xmlns:mc="http://schemas.openxmlformats.org/markup-compatibility/2006" xmlns:p14="http://schemas.microsoft.com/office/powerpoint/2010/main">
+          <mc:Choice Requires="p14">
             <p:contentPart p14:bwMode="auto" r:id="rId298">
               <p14:nvContentPartPr>
                 <p14:cNvPr id="195" name="Tinta 194">
@@ -21467,7 +21467,7 @@
               </p14:xfrm>
             </p:contentPart>
           </mc:Choice>
-          <mc:Fallback>
+          <mc:Fallback xmlns="">
             <p:pic>
               <p:nvPicPr>
                 <p:cNvPr id="195" name="Tinta 194">
@@ -21498,8 +21498,8 @@
             </p:pic>
           </mc:Fallback>
         </mc:AlternateContent>
-        <mc:AlternateContent xmlns:mc="http://schemas.openxmlformats.org/markup-compatibility/2006">
-          <mc:Choice xmlns:p14="http://schemas.microsoft.com/office/powerpoint/2010/main" Requires="p14">
+        <mc:AlternateContent xmlns:mc="http://schemas.openxmlformats.org/markup-compatibility/2006" xmlns:p14="http://schemas.microsoft.com/office/powerpoint/2010/main">
+          <mc:Choice Requires="p14">
             <p:contentPart p14:bwMode="auto" r:id="rId300">
               <p14:nvContentPartPr>
                 <p14:cNvPr id="196" name="Tinta 195">
@@ -21518,7 +21518,7 @@
               </p14:xfrm>
             </p:contentPart>
           </mc:Choice>
-          <mc:Fallback>
+          <mc:Fallback xmlns="">
             <p:pic>
               <p:nvPicPr>
                 <p:cNvPr id="196" name="Tinta 195">
@@ -21549,8 +21549,8 @@
             </p:pic>
           </mc:Fallback>
         </mc:AlternateContent>
-        <mc:AlternateContent xmlns:mc="http://schemas.openxmlformats.org/markup-compatibility/2006">
-          <mc:Choice xmlns:p14="http://schemas.microsoft.com/office/powerpoint/2010/main" Requires="p14">
+        <mc:AlternateContent xmlns:mc="http://schemas.openxmlformats.org/markup-compatibility/2006" xmlns:p14="http://schemas.microsoft.com/office/powerpoint/2010/main">
+          <mc:Choice Requires="p14">
             <p:contentPart p14:bwMode="auto" r:id="rId302">
               <p14:nvContentPartPr>
                 <p14:cNvPr id="197" name="Tinta 196">
@@ -21569,7 +21569,7 @@
               </p14:xfrm>
             </p:contentPart>
           </mc:Choice>
-          <mc:Fallback>
+          <mc:Fallback xmlns="">
             <p:pic>
               <p:nvPicPr>
                 <p:cNvPr id="197" name="Tinta 196">
@@ -21600,8 +21600,8 @@
             </p:pic>
           </mc:Fallback>
         </mc:AlternateContent>
-        <mc:AlternateContent xmlns:mc="http://schemas.openxmlformats.org/markup-compatibility/2006">
-          <mc:Choice xmlns:p14="http://schemas.microsoft.com/office/powerpoint/2010/main" Requires="p14">
+        <mc:AlternateContent xmlns:mc="http://schemas.openxmlformats.org/markup-compatibility/2006" xmlns:p14="http://schemas.microsoft.com/office/powerpoint/2010/main">
+          <mc:Choice Requires="p14">
             <p:contentPart p14:bwMode="auto" r:id="rId304">
               <p14:nvContentPartPr>
                 <p14:cNvPr id="189" name="Tinta 188">
@@ -21620,7 +21620,7 @@
               </p14:xfrm>
             </p:contentPart>
           </mc:Choice>
-          <mc:Fallback>
+          <mc:Fallback xmlns="">
             <p:pic>
               <p:nvPicPr>
                 <p:cNvPr id="189" name="Tinta 188">
@@ -21651,8 +21651,8 @@
             </p:pic>
           </mc:Fallback>
         </mc:AlternateContent>
-        <mc:AlternateContent xmlns:mc="http://schemas.openxmlformats.org/markup-compatibility/2006">
-          <mc:Choice xmlns:p14="http://schemas.microsoft.com/office/powerpoint/2010/main" Requires="p14">
+        <mc:AlternateContent xmlns:mc="http://schemas.openxmlformats.org/markup-compatibility/2006" xmlns:p14="http://schemas.microsoft.com/office/powerpoint/2010/main">
+          <mc:Choice Requires="p14">
             <p:contentPart p14:bwMode="auto" r:id="rId306">
               <p14:nvContentPartPr>
                 <p14:cNvPr id="190" name="Tinta 189">
@@ -21671,7 +21671,7 @@
               </p14:xfrm>
             </p:contentPart>
           </mc:Choice>
-          <mc:Fallback>
+          <mc:Fallback xmlns="">
             <p:pic>
               <p:nvPicPr>
                 <p:cNvPr id="190" name="Tinta 189">
@@ -21702,8 +21702,8 @@
             </p:pic>
           </mc:Fallback>
         </mc:AlternateContent>
-        <mc:AlternateContent xmlns:mc="http://schemas.openxmlformats.org/markup-compatibility/2006">
-          <mc:Choice xmlns:p14="http://schemas.microsoft.com/office/powerpoint/2010/main" Requires="p14">
+        <mc:AlternateContent xmlns:mc="http://schemas.openxmlformats.org/markup-compatibility/2006" xmlns:p14="http://schemas.microsoft.com/office/powerpoint/2010/main">
+          <mc:Choice Requires="p14">
             <p:contentPart p14:bwMode="auto" r:id="rId308">
               <p14:nvContentPartPr>
                 <p14:cNvPr id="198" name="Tinta 197">
@@ -21722,7 +21722,7 @@
               </p14:xfrm>
             </p:contentPart>
           </mc:Choice>
-          <mc:Fallback>
+          <mc:Fallback xmlns="">
             <p:pic>
               <p:nvPicPr>
                 <p:cNvPr id="198" name="Tinta 197">
@@ -21753,8 +21753,8 @@
             </p:pic>
           </mc:Fallback>
         </mc:AlternateContent>
-        <mc:AlternateContent xmlns:mc="http://schemas.openxmlformats.org/markup-compatibility/2006">
-          <mc:Choice xmlns:p14="http://schemas.microsoft.com/office/powerpoint/2010/main" Requires="p14">
+        <mc:AlternateContent xmlns:mc="http://schemas.openxmlformats.org/markup-compatibility/2006" xmlns:p14="http://schemas.microsoft.com/office/powerpoint/2010/main">
+          <mc:Choice Requires="p14">
             <p:contentPart p14:bwMode="auto" r:id="rId310">
               <p14:nvContentPartPr>
                 <p14:cNvPr id="199" name="Tinta 198">
@@ -21773,7 +21773,7 @@
               </p14:xfrm>
             </p:contentPart>
           </mc:Choice>
-          <mc:Fallback>
+          <mc:Fallback xmlns="">
             <p:pic>
               <p:nvPicPr>
                 <p:cNvPr id="199" name="Tinta 198">
@@ -21804,8 +21804,8 @@
             </p:pic>
           </mc:Fallback>
         </mc:AlternateContent>
-        <mc:AlternateContent xmlns:mc="http://schemas.openxmlformats.org/markup-compatibility/2006">
-          <mc:Choice xmlns:p14="http://schemas.microsoft.com/office/powerpoint/2010/main" Requires="p14">
+        <mc:AlternateContent xmlns:mc="http://schemas.openxmlformats.org/markup-compatibility/2006" xmlns:p14="http://schemas.microsoft.com/office/powerpoint/2010/main">
+          <mc:Choice Requires="p14">
             <p:contentPart p14:bwMode="auto" r:id="rId312">
               <p14:nvContentPartPr>
                 <p14:cNvPr id="200" name="Tinta 199">
@@ -21824,7 +21824,7 @@
               </p14:xfrm>
             </p:contentPart>
           </mc:Choice>
-          <mc:Fallback>
+          <mc:Fallback xmlns="">
             <p:pic>
               <p:nvPicPr>
                 <p:cNvPr id="200" name="Tinta 199">
@@ -21855,8 +21855,8 @@
             </p:pic>
           </mc:Fallback>
         </mc:AlternateContent>
-        <mc:AlternateContent xmlns:mc="http://schemas.openxmlformats.org/markup-compatibility/2006">
-          <mc:Choice xmlns:p14="http://schemas.microsoft.com/office/powerpoint/2010/main" Requires="p14">
+        <mc:AlternateContent xmlns:mc="http://schemas.openxmlformats.org/markup-compatibility/2006" xmlns:p14="http://schemas.microsoft.com/office/powerpoint/2010/main">
+          <mc:Choice Requires="p14">
             <p:contentPart p14:bwMode="auto" r:id="rId314">
               <p14:nvContentPartPr>
                 <p14:cNvPr id="201" name="Tinta 200">
@@ -21875,7 +21875,7 @@
               </p14:xfrm>
             </p:contentPart>
           </mc:Choice>
-          <mc:Fallback>
+          <mc:Fallback xmlns="">
             <p:pic>
               <p:nvPicPr>
                 <p:cNvPr id="201" name="Tinta 200">
@@ -21906,8 +21906,8 @@
             </p:pic>
           </mc:Fallback>
         </mc:AlternateContent>
-        <mc:AlternateContent xmlns:mc="http://schemas.openxmlformats.org/markup-compatibility/2006">
-          <mc:Choice xmlns:p14="http://schemas.microsoft.com/office/powerpoint/2010/main" Requires="p14">
+        <mc:AlternateContent xmlns:mc="http://schemas.openxmlformats.org/markup-compatibility/2006" xmlns:p14="http://schemas.microsoft.com/office/powerpoint/2010/main">
+          <mc:Choice Requires="p14">
             <p:contentPart p14:bwMode="auto" r:id="rId316">
               <p14:nvContentPartPr>
                 <p14:cNvPr id="202" name="Tinta 201">
@@ -21926,7 +21926,7 @@
               </p14:xfrm>
             </p:contentPart>
           </mc:Choice>
-          <mc:Fallback>
+          <mc:Fallback xmlns="">
             <p:pic>
               <p:nvPicPr>
                 <p:cNvPr id="202" name="Tinta 201">
@@ -21957,8 +21957,8 @@
             </p:pic>
           </mc:Fallback>
         </mc:AlternateContent>
-        <mc:AlternateContent xmlns:mc="http://schemas.openxmlformats.org/markup-compatibility/2006">
-          <mc:Choice xmlns:p14="http://schemas.microsoft.com/office/powerpoint/2010/main" Requires="p14">
+        <mc:AlternateContent xmlns:mc="http://schemas.openxmlformats.org/markup-compatibility/2006" xmlns:p14="http://schemas.microsoft.com/office/powerpoint/2010/main">
+          <mc:Choice Requires="p14">
             <p:contentPart p14:bwMode="auto" r:id="rId318">
               <p14:nvContentPartPr>
                 <p14:cNvPr id="203" name="Tinta 202">
@@ -21977,7 +21977,7 @@
               </p14:xfrm>
             </p:contentPart>
           </mc:Choice>
-          <mc:Fallback>
+          <mc:Fallback xmlns="">
             <p:pic>
               <p:nvPicPr>
                 <p:cNvPr id="203" name="Tinta 202">
@@ -22008,8 +22008,8 @@
             </p:pic>
           </mc:Fallback>
         </mc:AlternateContent>
-        <mc:AlternateContent xmlns:mc="http://schemas.openxmlformats.org/markup-compatibility/2006">
-          <mc:Choice xmlns:p14="http://schemas.microsoft.com/office/powerpoint/2010/main" Requires="p14">
+        <mc:AlternateContent xmlns:mc="http://schemas.openxmlformats.org/markup-compatibility/2006" xmlns:p14="http://schemas.microsoft.com/office/powerpoint/2010/main">
+          <mc:Choice Requires="p14">
             <p:contentPart p14:bwMode="auto" r:id="rId320">
               <p14:nvContentPartPr>
                 <p14:cNvPr id="211" name="Tinta 210">
@@ -22028,7 +22028,7 @@
               </p14:xfrm>
             </p:contentPart>
           </mc:Choice>
-          <mc:Fallback>
+          <mc:Fallback xmlns="">
             <p:pic>
               <p:nvPicPr>
                 <p:cNvPr id="211" name="Tinta 210">
@@ -22059,8 +22059,8 @@
             </p:pic>
           </mc:Fallback>
         </mc:AlternateContent>
-        <mc:AlternateContent xmlns:mc="http://schemas.openxmlformats.org/markup-compatibility/2006">
-          <mc:Choice xmlns:p14="http://schemas.microsoft.com/office/powerpoint/2010/main" Requires="p14">
+        <mc:AlternateContent xmlns:mc="http://schemas.openxmlformats.org/markup-compatibility/2006" xmlns:p14="http://schemas.microsoft.com/office/powerpoint/2010/main">
+          <mc:Choice Requires="p14">
             <p:contentPart p14:bwMode="auto" r:id="rId322">
               <p14:nvContentPartPr>
                 <p14:cNvPr id="212" name="Tinta 211">
@@ -22079,7 +22079,7 @@
               </p14:xfrm>
             </p:contentPart>
           </mc:Choice>
-          <mc:Fallback>
+          <mc:Fallback xmlns="">
             <p:pic>
               <p:nvPicPr>
                 <p:cNvPr id="212" name="Tinta 211">
@@ -22110,8 +22110,8 @@
             </p:pic>
           </mc:Fallback>
         </mc:AlternateContent>
-        <mc:AlternateContent xmlns:mc="http://schemas.openxmlformats.org/markup-compatibility/2006">
-          <mc:Choice xmlns:p14="http://schemas.microsoft.com/office/powerpoint/2010/main" Requires="p14">
+        <mc:AlternateContent xmlns:mc="http://schemas.openxmlformats.org/markup-compatibility/2006" xmlns:p14="http://schemas.microsoft.com/office/powerpoint/2010/main">
+          <mc:Choice Requires="p14">
             <p:contentPart p14:bwMode="auto" r:id="rId324">
               <p14:nvContentPartPr>
                 <p14:cNvPr id="214" name="Tinta 213">
@@ -22130,7 +22130,7 @@
               </p14:xfrm>
             </p:contentPart>
           </mc:Choice>
-          <mc:Fallback>
+          <mc:Fallback xmlns="">
             <p:pic>
               <p:nvPicPr>
                 <p:cNvPr id="214" name="Tinta 213">
@@ -22161,8 +22161,8 @@
             </p:pic>
           </mc:Fallback>
         </mc:AlternateContent>
-        <mc:AlternateContent xmlns:mc="http://schemas.openxmlformats.org/markup-compatibility/2006">
-          <mc:Choice xmlns:p14="http://schemas.microsoft.com/office/powerpoint/2010/main" Requires="p14">
+        <mc:AlternateContent xmlns:mc="http://schemas.openxmlformats.org/markup-compatibility/2006" xmlns:p14="http://schemas.microsoft.com/office/powerpoint/2010/main">
+          <mc:Choice Requires="p14">
             <p:contentPart p14:bwMode="auto" r:id="rId326">
               <p14:nvContentPartPr>
                 <p14:cNvPr id="215" name="Tinta 214">
@@ -22181,7 +22181,7 @@
               </p14:xfrm>
             </p:contentPart>
           </mc:Choice>
-          <mc:Fallback>
+          <mc:Fallback xmlns="">
             <p:pic>
               <p:nvPicPr>
                 <p:cNvPr id="215" name="Tinta 214">
@@ -22212,8 +22212,8 @@
             </p:pic>
           </mc:Fallback>
         </mc:AlternateContent>
-        <mc:AlternateContent xmlns:mc="http://schemas.openxmlformats.org/markup-compatibility/2006">
-          <mc:Choice xmlns:p14="http://schemas.microsoft.com/office/powerpoint/2010/main" Requires="p14">
+        <mc:AlternateContent xmlns:mc="http://schemas.openxmlformats.org/markup-compatibility/2006" xmlns:p14="http://schemas.microsoft.com/office/powerpoint/2010/main">
+          <mc:Choice Requires="p14">
             <p:contentPart p14:bwMode="auto" r:id="rId328">
               <p14:nvContentPartPr>
                 <p14:cNvPr id="217" name="Tinta 216">
@@ -22232,7 +22232,7 @@
               </p14:xfrm>
             </p:contentPart>
           </mc:Choice>
-          <mc:Fallback>
+          <mc:Fallback xmlns="">
             <p:pic>
               <p:nvPicPr>
                 <p:cNvPr id="217" name="Tinta 216">
@@ -22263,8 +22263,8 @@
             </p:pic>
           </mc:Fallback>
         </mc:AlternateContent>
-        <mc:AlternateContent xmlns:mc="http://schemas.openxmlformats.org/markup-compatibility/2006">
-          <mc:Choice xmlns:p14="http://schemas.microsoft.com/office/powerpoint/2010/main" Requires="p14">
+        <mc:AlternateContent xmlns:mc="http://schemas.openxmlformats.org/markup-compatibility/2006" xmlns:p14="http://schemas.microsoft.com/office/powerpoint/2010/main">
+          <mc:Choice Requires="p14">
             <p:contentPart p14:bwMode="auto" r:id="rId330">
               <p14:nvContentPartPr>
                 <p14:cNvPr id="218" name="Tinta 217">
@@ -22283,7 +22283,7 @@
               </p14:xfrm>
             </p:contentPart>
           </mc:Choice>
-          <mc:Fallback>
+          <mc:Fallback xmlns="">
             <p:pic>
               <p:nvPicPr>
                 <p:cNvPr id="218" name="Tinta 217">
@@ -22365,8 +22365,8 @@
             <a:chExt cx="4217760" cy="1468800"/>
           </a:xfrm>
         </p:grpSpPr>
-        <mc:AlternateContent xmlns:mc="http://schemas.openxmlformats.org/markup-compatibility/2006">
-          <mc:Choice xmlns:p14="http://schemas.microsoft.com/office/powerpoint/2010/main" Requires="p14">
+        <mc:AlternateContent xmlns:mc="http://schemas.openxmlformats.org/markup-compatibility/2006" xmlns:p14="http://schemas.microsoft.com/office/powerpoint/2010/main">
+          <mc:Choice Requires="p14">
             <p:contentPart p14:bwMode="auto" r:id="rId2">
               <p14:nvContentPartPr>
                 <p14:cNvPr id="2" name="Tinta 1">
@@ -22385,7 +22385,7 @@
               </p14:xfrm>
             </p:contentPart>
           </mc:Choice>
-          <mc:Fallback>
+          <mc:Fallback xmlns="">
             <p:pic>
               <p:nvPicPr>
                 <p:cNvPr id="2" name="Tinta 1">
@@ -22416,8 +22416,8 @@
             </p:pic>
           </mc:Fallback>
         </mc:AlternateContent>
-        <mc:AlternateContent xmlns:mc="http://schemas.openxmlformats.org/markup-compatibility/2006">
-          <mc:Choice xmlns:p14="http://schemas.microsoft.com/office/powerpoint/2010/main" Requires="p14">
+        <mc:AlternateContent xmlns:mc="http://schemas.openxmlformats.org/markup-compatibility/2006" xmlns:p14="http://schemas.microsoft.com/office/powerpoint/2010/main">
+          <mc:Choice Requires="p14">
             <p:contentPart p14:bwMode="auto" r:id="rId4">
               <p14:nvContentPartPr>
                 <p14:cNvPr id="3" name="Tinta 2">
@@ -22436,7 +22436,7 @@
               </p14:xfrm>
             </p:contentPart>
           </mc:Choice>
-          <mc:Fallback>
+          <mc:Fallback xmlns="">
             <p:pic>
               <p:nvPicPr>
                 <p:cNvPr id="3" name="Tinta 2">
@@ -22467,8 +22467,8 @@
             </p:pic>
           </mc:Fallback>
         </mc:AlternateContent>
-        <mc:AlternateContent xmlns:mc="http://schemas.openxmlformats.org/markup-compatibility/2006">
-          <mc:Choice xmlns:p14="http://schemas.microsoft.com/office/powerpoint/2010/main" Requires="p14">
+        <mc:AlternateContent xmlns:mc="http://schemas.openxmlformats.org/markup-compatibility/2006" xmlns:p14="http://schemas.microsoft.com/office/powerpoint/2010/main">
+          <mc:Choice Requires="p14">
             <p:contentPart p14:bwMode="auto" r:id="rId6">
               <p14:nvContentPartPr>
                 <p14:cNvPr id="4" name="Tinta 3">
@@ -22487,7 +22487,7 @@
               </p14:xfrm>
             </p:contentPart>
           </mc:Choice>
-          <mc:Fallback>
+          <mc:Fallback xmlns="">
             <p:pic>
               <p:nvPicPr>
                 <p:cNvPr id="4" name="Tinta 3">
@@ -22518,8 +22518,8 @@
             </p:pic>
           </mc:Fallback>
         </mc:AlternateContent>
-        <mc:AlternateContent xmlns:mc="http://schemas.openxmlformats.org/markup-compatibility/2006">
-          <mc:Choice xmlns:p14="http://schemas.microsoft.com/office/powerpoint/2010/main" Requires="p14">
+        <mc:AlternateContent xmlns:mc="http://schemas.openxmlformats.org/markup-compatibility/2006" xmlns:p14="http://schemas.microsoft.com/office/powerpoint/2010/main">
+          <mc:Choice Requires="p14">
             <p:contentPart p14:bwMode="auto" r:id="rId8">
               <p14:nvContentPartPr>
                 <p14:cNvPr id="5" name="Tinta 4">
@@ -22538,7 +22538,7 @@
               </p14:xfrm>
             </p:contentPart>
           </mc:Choice>
-          <mc:Fallback>
+          <mc:Fallback xmlns="">
             <p:pic>
               <p:nvPicPr>
                 <p:cNvPr id="5" name="Tinta 4">
@@ -22569,8 +22569,8 @@
             </p:pic>
           </mc:Fallback>
         </mc:AlternateContent>
-        <mc:AlternateContent xmlns:mc="http://schemas.openxmlformats.org/markup-compatibility/2006">
-          <mc:Choice xmlns:p14="http://schemas.microsoft.com/office/powerpoint/2010/main" Requires="p14">
+        <mc:AlternateContent xmlns:mc="http://schemas.openxmlformats.org/markup-compatibility/2006" xmlns:p14="http://schemas.microsoft.com/office/powerpoint/2010/main">
+          <mc:Choice Requires="p14">
             <p:contentPart p14:bwMode="auto" r:id="rId10">
               <p14:nvContentPartPr>
                 <p14:cNvPr id="6" name="Tinta 5">
@@ -22589,7 +22589,7 @@
               </p14:xfrm>
             </p:contentPart>
           </mc:Choice>
-          <mc:Fallback>
+          <mc:Fallback xmlns="">
             <p:pic>
               <p:nvPicPr>
                 <p:cNvPr id="6" name="Tinta 5">
@@ -22620,8 +22620,8 @@
             </p:pic>
           </mc:Fallback>
         </mc:AlternateContent>
-        <mc:AlternateContent xmlns:mc="http://schemas.openxmlformats.org/markup-compatibility/2006">
-          <mc:Choice xmlns:p14="http://schemas.microsoft.com/office/powerpoint/2010/main" Requires="p14">
+        <mc:AlternateContent xmlns:mc="http://schemas.openxmlformats.org/markup-compatibility/2006" xmlns:p14="http://schemas.microsoft.com/office/powerpoint/2010/main">
+          <mc:Choice Requires="p14">
             <p:contentPart p14:bwMode="auto" r:id="rId12">
               <p14:nvContentPartPr>
                 <p14:cNvPr id="7" name="Tinta 6">
@@ -22640,7 +22640,7 @@
               </p14:xfrm>
             </p:contentPart>
           </mc:Choice>
-          <mc:Fallback>
+          <mc:Fallback xmlns="">
             <p:pic>
               <p:nvPicPr>
                 <p:cNvPr id="7" name="Tinta 6">
@@ -22671,8 +22671,8 @@
             </p:pic>
           </mc:Fallback>
         </mc:AlternateContent>
-        <mc:AlternateContent xmlns:mc="http://schemas.openxmlformats.org/markup-compatibility/2006">
-          <mc:Choice xmlns:p14="http://schemas.microsoft.com/office/powerpoint/2010/main" Requires="p14">
+        <mc:AlternateContent xmlns:mc="http://schemas.openxmlformats.org/markup-compatibility/2006" xmlns:p14="http://schemas.microsoft.com/office/powerpoint/2010/main">
+          <mc:Choice Requires="p14">
             <p:contentPart p14:bwMode="auto" r:id="rId14">
               <p14:nvContentPartPr>
                 <p14:cNvPr id="8" name="Tinta 7">
@@ -22691,7 +22691,7 @@
               </p14:xfrm>
             </p:contentPart>
           </mc:Choice>
-          <mc:Fallback>
+          <mc:Fallback xmlns="">
             <p:pic>
               <p:nvPicPr>
                 <p:cNvPr id="8" name="Tinta 7">
@@ -22722,8 +22722,8 @@
             </p:pic>
           </mc:Fallback>
         </mc:AlternateContent>
-        <mc:AlternateContent xmlns:mc="http://schemas.openxmlformats.org/markup-compatibility/2006">
-          <mc:Choice xmlns:p14="http://schemas.microsoft.com/office/powerpoint/2010/main" Requires="p14">
+        <mc:AlternateContent xmlns:mc="http://schemas.openxmlformats.org/markup-compatibility/2006" xmlns:p14="http://schemas.microsoft.com/office/powerpoint/2010/main">
+          <mc:Choice Requires="p14">
             <p:contentPart p14:bwMode="auto" r:id="rId16">
               <p14:nvContentPartPr>
                 <p14:cNvPr id="9" name="Tinta 8">
@@ -22742,7 +22742,7 @@
               </p14:xfrm>
             </p:contentPart>
           </mc:Choice>
-          <mc:Fallback>
+          <mc:Fallback xmlns="">
             <p:pic>
               <p:nvPicPr>
                 <p:cNvPr id="9" name="Tinta 8">
@@ -22773,8 +22773,8 @@
             </p:pic>
           </mc:Fallback>
         </mc:AlternateContent>
-        <mc:AlternateContent xmlns:mc="http://schemas.openxmlformats.org/markup-compatibility/2006">
-          <mc:Choice xmlns:p14="http://schemas.microsoft.com/office/powerpoint/2010/main" Requires="p14">
+        <mc:AlternateContent xmlns:mc="http://schemas.openxmlformats.org/markup-compatibility/2006" xmlns:p14="http://schemas.microsoft.com/office/powerpoint/2010/main">
+          <mc:Choice Requires="p14">
             <p:contentPart p14:bwMode="auto" r:id="rId18">
               <p14:nvContentPartPr>
                 <p14:cNvPr id="10" name="Tinta 9">
@@ -22793,7 +22793,7 @@
               </p14:xfrm>
             </p:contentPart>
           </mc:Choice>
-          <mc:Fallback>
+          <mc:Fallback xmlns="">
             <p:pic>
               <p:nvPicPr>
                 <p:cNvPr id="10" name="Tinta 9">
@@ -22824,8 +22824,8 @@
             </p:pic>
           </mc:Fallback>
         </mc:AlternateContent>
-        <mc:AlternateContent xmlns:mc="http://schemas.openxmlformats.org/markup-compatibility/2006">
-          <mc:Choice xmlns:p14="http://schemas.microsoft.com/office/powerpoint/2010/main" Requires="p14">
+        <mc:AlternateContent xmlns:mc="http://schemas.openxmlformats.org/markup-compatibility/2006" xmlns:p14="http://schemas.microsoft.com/office/powerpoint/2010/main">
+          <mc:Choice Requires="p14">
             <p:contentPart p14:bwMode="auto" r:id="rId20">
               <p14:nvContentPartPr>
                 <p14:cNvPr id="11" name="Tinta 10">
@@ -22844,7 +22844,7 @@
               </p14:xfrm>
             </p:contentPart>
           </mc:Choice>
-          <mc:Fallback>
+          <mc:Fallback xmlns="">
             <p:pic>
               <p:nvPicPr>
                 <p:cNvPr id="11" name="Tinta 10">
@@ -22875,8 +22875,8 @@
             </p:pic>
           </mc:Fallback>
         </mc:AlternateContent>
-        <mc:AlternateContent xmlns:mc="http://schemas.openxmlformats.org/markup-compatibility/2006">
-          <mc:Choice xmlns:p14="http://schemas.microsoft.com/office/powerpoint/2010/main" Requires="p14">
+        <mc:AlternateContent xmlns:mc="http://schemas.openxmlformats.org/markup-compatibility/2006" xmlns:p14="http://schemas.microsoft.com/office/powerpoint/2010/main">
+          <mc:Choice Requires="p14">
             <p:contentPart p14:bwMode="auto" r:id="rId22">
               <p14:nvContentPartPr>
                 <p14:cNvPr id="12" name="Tinta 11">
@@ -22895,7 +22895,7 @@
               </p14:xfrm>
             </p:contentPart>
           </mc:Choice>
-          <mc:Fallback>
+          <mc:Fallback xmlns="">
             <p:pic>
               <p:nvPicPr>
                 <p:cNvPr id="12" name="Tinta 11">
@@ -22926,8 +22926,8 @@
             </p:pic>
           </mc:Fallback>
         </mc:AlternateContent>
-        <mc:AlternateContent xmlns:mc="http://schemas.openxmlformats.org/markup-compatibility/2006">
-          <mc:Choice xmlns:p14="http://schemas.microsoft.com/office/powerpoint/2010/main" Requires="p14">
+        <mc:AlternateContent xmlns:mc="http://schemas.openxmlformats.org/markup-compatibility/2006" xmlns:p14="http://schemas.microsoft.com/office/powerpoint/2010/main">
+          <mc:Choice Requires="p14">
             <p:contentPart p14:bwMode="auto" r:id="rId24">
               <p14:nvContentPartPr>
                 <p14:cNvPr id="13" name="Tinta 12">
@@ -22946,7 +22946,7 @@
               </p14:xfrm>
             </p:contentPart>
           </mc:Choice>
-          <mc:Fallback>
+          <mc:Fallback xmlns="">
             <p:pic>
               <p:nvPicPr>
                 <p:cNvPr id="13" name="Tinta 12">
@@ -22977,8 +22977,8 @@
             </p:pic>
           </mc:Fallback>
         </mc:AlternateContent>
-        <mc:AlternateContent xmlns:mc="http://schemas.openxmlformats.org/markup-compatibility/2006">
-          <mc:Choice xmlns:p14="http://schemas.microsoft.com/office/powerpoint/2010/main" Requires="p14">
+        <mc:AlternateContent xmlns:mc="http://schemas.openxmlformats.org/markup-compatibility/2006" xmlns:p14="http://schemas.microsoft.com/office/powerpoint/2010/main">
+          <mc:Choice Requires="p14">
             <p:contentPart p14:bwMode="auto" r:id="rId26">
               <p14:nvContentPartPr>
                 <p14:cNvPr id="14" name="Tinta 13">
@@ -22997,7 +22997,7 @@
               </p14:xfrm>
             </p:contentPart>
           </mc:Choice>
-          <mc:Fallback>
+          <mc:Fallback xmlns="">
             <p:pic>
               <p:nvPicPr>
                 <p:cNvPr id="14" name="Tinta 13">
@@ -23028,8 +23028,8 @@
             </p:pic>
           </mc:Fallback>
         </mc:AlternateContent>
-        <mc:AlternateContent xmlns:mc="http://schemas.openxmlformats.org/markup-compatibility/2006">
-          <mc:Choice xmlns:p14="http://schemas.microsoft.com/office/powerpoint/2010/main" Requires="p14">
+        <mc:AlternateContent xmlns:mc="http://schemas.openxmlformats.org/markup-compatibility/2006" xmlns:p14="http://schemas.microsoft.com/office/powerpoint/2010/main">
+          <mc:Choice Requires="p14">
             <p:contentPart p14:bwMode="auto" r:id="rId28">
               <p14:nvContentPartPr>
                 <p14:cNvPr id="15" name="Tinta 14">
@@ -23048,7 +23048,7 @@
               </p14:xfrm>
             </p:contentPart>
           </mc:Choice>
-          <mc:Fallback>
+          <mc:Fallback xmlns="">
             <p:pic>
               <p:nvPicPr>
                 <p:cNvPr id="15" name="Tinta 14">
@@ -23079,8 +23079,8 @@
             </p:pic>
           </mc:Fallback>
         </mc:AlternateContent>
-        <mc:AlternateContent xmlns:mc="http://schemas.openxmlformats.org/markup-compatibility/2006">
-          <mc:Choice xmlns:p14="http://schemas.microsoft.com/office/powerpoint/2010/main" Requires="p14">
+        <mc:AlternateContent xmlns:mc="http://schemas.openxmlformats.org/markup-compatibility/2006" xmlns:p14="http://schemas.microsoft.com/office/powerpoint/2010/main">
+          <mc:Choice Requires="p14">
             <p:contentPart p14:bwMode="auto" r:id="rId30">
               <p14:nvContentPartPr>
                 <p14:cNvPr id="16" name="Tinta 15">
@@ -23099,7 +23099,7 @@
               </p14:xfrm>
             </p:contentPart>
           </mc:Choice>
-          <mc:Fallback>
+          <mc:Fallback xmlns="">
             <p:pic>
               <p:nvPicPr>
                 <p:cNvPr id="16" name="Tinta 15">
@@ -23130,8 +23130,8 @@
             </p:pic>
           </mc:Fallback>
         </mc:AlternateContent>
-        <mc:AlternateContent xmlns:mc="http://schemas.openxmlformats.org/markup-compatibility/2006">
-          <mc:Choice xmlns:p14="http://schemas.microsoft.com/office/powerpoint/2010/main" Requires="p14">
+        <mc:AlternateContent xmlns:mc="http://schemas.openxmlformats.org/markup-compatibility/2006" xmlns:p14="http://schemas.microsoft.com/office/powerpoint/2010/main">
+          <mc:Choice Requires="p14">
             <p:contentPart p14:bwMode="auto" r:id="rId32">
               <p14:nvContentPartPr>
                 <p14:cNvPr id="18" name="Tinta 17">
@@ -23150,7 +23150,7 @@
               </p14:xfrm>
             </p:contentPart>
           </mc:Choice>
-          <mc:Fallback>
+          <mc:Fallback xmlns="">
             <p:pic>
               <p:nvPicPr>
                 <p:cNvPr id="18" name="Tinta 17">
@@ -23181,8 +23181,8 @@
             </p:pic>
           </mc:Fallback>
         </mc:AlternateContent>
-        <mc:AlternateContent xmlns:mc="http://schemas.openxmlformats.org/markup-compatibility/2006">
-          <mc:Choice xmlns:p14="http://schemas.microsoft.com/office/powerpoint/2010/main" Requires="p14">
+        <mc:AlternateContent xmlns:mc="http://schemas.openxmlformats.org/markup-compatibility/2006" xmlns:p14="http://schemas.microsoft.com/office/powerpoint/2010/main">
+          <mc:Choice Requires="p14">
             <p:contentPart p14:bwMode="auto" r:id="rId34">
               <p14:nvContentPartPr>
                 <p14:cNvPr id="19" name="Tinta 18">
@@ -23201,7 +23201,7 @@
               </p14:xfrm>
             </p:contentPart>
           </mc:Choice>
-          <mc:Fallback>
+          <mc:Fallback xmlns="">
             <p:pic>
               <p:nvPicPr>
                 <p:cNvPr id="19" name="Tinta 18">
